--- a/summer_Basics of RS.pptx
+++ b/summer_Basics of RS.pptx
@@ -5,25 +5,30 @@
     <p:sldMasterId id="2147483792" r:id="rId1"/>
   </p:sldMasterIdLst>
   <p:notesMasterIdLst>
-    <p:notesMasterId r:id="rId18"/>
+    <p:notesMasterId r:id="rId23"/>
   </p:notesMasterIdLst>
   <p:sldIdLst>
     <p:sldId id="256" r:id="rId2"/>
     <p:sldId id="264" r:id="rId3"/>
     <p:sldId id="268" r:id="rId4"/>
-    <p:sldId id="269" r:id="rId5"/>
-    <p:sldId id="271" r:id="rId6"/>
-    <p:sldId id="270" r:id="rId7"/>
-    <p:sldId id="272" r:id="rId8"/>
-    <p:sldId id="274" r:id="rId9"/>
-    <p:sldId id="275" r:id="rId10"/>
-    <p:sldId id="276" r:id="rId11"/>
-    <p:sldId id="277" r:id="rId12"/>
-    <p:sldId id="279" r:id="rId13"/>
-    <p:sldId id="281" r:id="rId14"/>
-    <p:sldId id="278" r:id="rId15"/>
-    <p:sldId id="280" r:id="rId16"/>
-    <p:sldId id="267" r:id="rId17"/>
+    <p:sldId id="286" r:id="rId5"/>
+    <p:sldId id="269" r:id="rId6"/>
+    <p:sldId id="271" r:id="rId7"/>
+    <p:sldId id="270" r:id="rId8"/>
+    <p:sldId id="272" r:id="rId9"/>
+    <p:sldId id="274" r:id="rId10"/>
+    <p:sldId id="284" r:id="rId11"/>
+    <p:sldId id="275" r:id="rId12"/>
+    <p:sldId id="283" r:id="rId13"/>
+    <p:sldId id="285" r:id="rId14"/>
+    <p:sldId id="276" r:id="rId15"/>
+    <p:sldId id="277" r:id="rId16"/>
+    <p:sldId id="279" r:id="rId17"/>
+    <p:sldId id="287" r:id="rId18"/>
+    <p:sldId id="281" r:id="rId19"/>
+    <p:sldId id="278" r:id="rId20"/>
+    <p:sldId id="280" r:id="rId21"/>
+    <p:sldId id="267" r:id="rId22"/>
   </p:sldIdLst>
   <p:sldSz cx="12190413" cy="6859588"/>
   <p:notesSz cx="6858000" cy="9144000"/>
@@ -3973,7 +3978,7 @@
           <a:p>
             <a:r>
               <a:rPr lang="en-IN" dirty="0" smtClean="0"/>
-              <a:t>Demographic Filtering</a:t>
+              <a:t>Model Based CF</a:t>
             </a:r>
             <a:endParaRPr lang="en-IN" dirty="0"/>
           </a:p>
@@ -3981,32 +3986,471 @@
       </p:sp>
       <p:sp>
         <p:nvSpPr>
-          <p:cNvPr id="3" name="Content Placeholder 2"/>
-          <p:cNvSpPr>
-            <a:spLocks noGrp="1"/>
-          </p:cNvSpPr>
-          <p:nvPr>
-            <p:ph idx="1"/>
-          </p:nvPr>
-        </p:nvSpPr>
-        <p:spPr/>
-        <p:txBody>
-          <a:bodyPr/>
-          <a:lstStyle/>
-          <a:p>
-            <a:r>
-              <a:rPr lang="en-IN" dirty="0" smtClean="0">
+          <p:cNvPr id="5" name="Rectangle: Rounded Corners 5"/>
+          <p:cNvSpPr/>
+          <p:nvPr/>
+        </p:nvSpPr>
+        <p:spPr>
+          <a:xfrm>
+            <a:off x="2494806" y="1773610"/>
+            <a:ext cx="7272808" cy="4248472"/>
+          </a:xfrm>
+          <a:prstGeom prst="roundRect">
+            <a:avLst/>
+          </a:prstGeom>
+        </p:spPr>
+        <p:style>
+          <a:lnRef idx="1">
+            <a:schemeClr val="accent1"/>
+          </a:lnRef>
+          <a:fillRef idx="2">
+            <a:schemeClr val="accent1"/>
+          </a:fillRef>
+          <a:effectRef idx="1">
+            <a:schemeClr val="accent1"/>
+          </a:effectRef>
+          <a:fontRef idx="minor">
+            <a:schemeClr val="dk1"/>
+          </a:fontRef>
+        </p:style>
+        <p:txBody>
+          <a:bodyPr rtlCol="0" anchor="ctr"/>
+          <a:lstStyle/>
+          <a:p>
+            <a:pPr algn="ctr"/>
+            <a:endParaRPr lang="en-US" b="1" dirty="0" smtClean="0">
+              <a:solidFill>
+                <a:schemeClr val="bg1"/>
+              </a:solidFill>
+            </a:endParaRPr>
+          </a:p>
+          <a:p>
+            <a:pPr algn="ctr"/>
+            <a:endParaRPr lang="en-US" b="1" dirty="0" smtClean="0">
+              <a:solidFill>
+                <a:schemeClr val="bg1"/>
+              </a:solidFill>
+            </a:endParaRPr>
+          </a:p>
+          <a:p>
+            <a:pPr algn="ctr"/>
+            <a:endParaRPr lang="en-US" b="1" dirty="0" smtClean="0">
+              <a:solidFill>
+                <a:schemeClr val="bg1"/>
+              </a:solidFill>
+            </a:endParaRPr>
+          </a:p>
+          <a:p>
+            <a:pPr algn="ctr"/>
+            <a:endParaRPr lang="en-US" b="1" dirty="0" smtClean="0">
+              <a:solidFill>
+                <a:schemeClr val="bg1"/>
+              </a:solidFill>
+            </a:endParaRPr>
+          </a:p>
+          <a:p>
+            <a:pPr algn="ctr"/>
+            <a:endParaRPr lang="en-US" b="1" dirty="0" smtClean="0">
+              <a:solidFill>
+                <a:schemeClr val="bg1"/>
+              </a:solidFill>
+            </a:endParaRPr>
+          </a:p>
+          <a:p>
+            <a:pPr algn="ctr"/>
+            <a:endParaRPr lang="en-US" b="1" dirty="0" smtClean="0">
+              <a:solidFill>
+                <a:schemeClr val="bg1"/>
+              </a:solidFill>
+            </a:endParaRPr>
+          </a:p>
+          <a:p>
+            <a:pPr algn="ctr"/>
+            <a:endParaRPr lang="en-US" b="1" dirty="0" smtClean="0">
+              <a:solidFill>
+                <a:schemeClr val="bg1"/>
+              </a:solidFill>
+            </a:endParaRPr>
+          </a:p>
+          <a:p>
+            <a:pPr algn="ctr"/>
+            <a:endParaRPr lang="en-US" b="1" dirty="0" smtClean="0">
+              <a:solidFill>
+                <a:schemeClr val="bg1"/>
+              </a:solidFill>
+            </a:endParaRPr>
+          </a:p>
+          <a:p>
+            <a:pPr algn="ctr"/>
+            <a:endParaRPr lang="en-US" b="1" dirty="0" smtClean="0">
+              <a:solidFill>
+                <a:schemeClr val="bg1"/>
+              </a:solidFill>
+            </a:endParaRPr>
+          </a:p>
+          <a:p>
+            <a:pPr algn="ctr"/>
+            <a:endParaRPr lang="en-US" b="1" dirty="0" smtClean="0">
+              <a:solidFill>
+                <a:schemeClr val="bg1"/>
+              </a:solidFill>
+            </a:endParaRPr>
+          </a:p>
+          <a:p>
+            <a:pPr algn="ctr"/>
+            <a:endParaRPr lang="en-US" b="1" dirty="0" smtClean="0">
+              <a:solidFill>
+                <a:schemeClr val="bg1"/>
+              </a:solidFill>
+            </a:endParaRPr>
+          </a:p>
+          <a:p>
+            <a:pPr algn="ctr"/>
+            <a:endParaRPr lang="en-US" b="1" dirty="0" smtClean="0">
+              <a:solidFill>
+                <a:schemeClr val="bg1"/>
+              </a:solidFill>
+            </a:endParaRPr>
+          </a:p>
+          <a:p>
+            <a:pPr algn="ctr"/>
+            <a:endParaRPr lang="en-US" b="1" dirty="0" smtClean="0">
+              <a:solidFill>
+                <a:schemeClr val="bg1"/>
+              </a:solidFill>
+            </a:endParaRPr>
+          </a:p>
+          <a:p>
+            <a:pPr algn="ctr"/>
+            <a:r>
+              <a:rPr lang="en-US" sz="2400" b="1" dirty="0" smtClean="0">
                 <a:solidFill>
-                  <a:srgbClr val="FF0000"/>
+                  <a:schemeClr val="bg1"/>
                 </a:solidFill>
               </a:rPr>
-              <a:t>Details</a:t>
-            </a:r>
-            <a:endParaRPr lang="en-IN" dirty="0">
+              <a:t>Model Based CF</a:t>
+            </a:r>
+            <a:endParaRPr lang="en-US" sz="2400" b="1" dirty="0">
               <a:solidFill>
-                <a:srgbClr val="FF0000"/>
+                <a:schemeClr val="bg1"/>
               </a:solidFill>
             </a:endParaRPr>
+          </a:p>
+        </p:txBody>
+      </p:sp>
+      <p:sp>
+        <p:nvSpPr>
+          <p:cNvPr id="6" name="Rectangle: Rounded Corners 4"/>
+          <p:cNvSpPr/>
+          <p:nvPr/>
+        </p:nvSpPr>
+        <p:spPr>
+          <a:xfrm>
+            <a:off x="2926854" y="2277666"/>
+            <a:ext cx="1250014" cy="1101456"/>
+          </a:xfrm>
+          <a:prstGeom prst="roundRect">
+            <a:avLst/>
+          </a:prstGeom>
+        </p:spPr>
+        <p:style>
+          <a:lnRef idx="2">
+            <a:schemeClr val="accent1">
+              <a:shade val="50000"/>
+            </a:schemeClr>
+          </a:lnRef>
+          <a:fillRef idx="1">
+            <a:schemeClr val="accent1"/>
+          </a:fillRef>
+          <a:effectRef idx="0">
+            <a:schemeClr val="accent1"/>
+          </a:effectRef>
+          <a:fontRef idx="minor">
+            <a:schemeClr val="lt1"/>
+          </a:fontRef>
+        </p:style>
+        <p:txBody>
+          <a:bodyPr rtlCol="0" anchor="ctr"/>
+          <a:lstStyle/>
+          <a:p>
+            <a:pPr algn="ctr"/>
+            <a:r>
+              <a:rPr lang="en-US" dirty="0" smtClean="0"/>
+              <a:t>SVD</a:t>
+            </a:r>
+            <a:endParaRPr lang="en-US" dirty="0"/>
+          </a:p>
+        </p:txBody>
+      </p:sp>
+      <p:sp>
+        <p:nvSpPr>
+          <p:cNvPr id="7" name="Rectangle: Rounded Corners 4"/>
+          <p:cNvSpPr/>
+          <p:nvPr/>
+        </p:nvSpPr>
+        <p:spPr>
+          <a:xfrm>
+            <a:off x="4390642" y="2277666"/>
+            <a:ext cx="1704564" cy="1101456"/>
+          </a:xfrm>
+          <a:prstGeom prst="roundRect">
+            <a:avLst/>
+          </a:prstGeom>
+        </p:spPr>
+        <p:style>
+          <a:lnRef idx="2">
+            <a:schemeClr val="accent1">
+              <a:shade val="50000"/>
+            </a:schemeClr>
+          </a:lnRef>
+          <a:fillRef idx="1">
+            <a:schemeClr val="accent1"/>
+          </a:fillRef>
+          <a:effectRef idx="0">
+            <a:schemeClr val="accent1"/>
+          </a:effectRef>
+          <a:fontRef idx="minor">
+            <a:schemeClr val="lt1"/>
+          </a:fontRef>
+        </p:style>
+        <p:txBody>
+          <a:bodyPr rtlCol="0" anchor="ctr"/>
+          <a:lstStyle/>
+          <a:p>
+            <a:pPr algn="ctr"/>
+            <a:r>
+              <a:rPr lang="en-US" dirty="0" smtClean="0"/>
+              <a:t>Bayesian</a:t>
+            </a:r>
+            <a:endParaRPr lang="en-US" dirty="0"/>
+          </a:p>
+        </p:txBody>
+      </p:sp>
+      <p:sp>
+        <p:nvSpPr>
+          <p:cNvPr id="8" name="Rectangle: Rounded Corners 4"/>
+          <p:cNvSpPr/>
+          <p:nvPr/>
+        </p:nvSpPr>
+        <p:spPr>
+          <a:xfrm>
+            <a:off x="6311230" y="2277666"/>
+            <a:ext cx="1250014" cy="1101456"/>
+          </a:xfrm>
+          <a:prstGeom prst="roundRect">
+            <a:avLst/>
+          </a:prstGeom>
+        </p:spPr>
+        <p:style>
+          <a:lnRef idx="2">
+            <a:schemeClr val="accent1">
+              <a:shade val="50000"/>
+            </a:schemeClr>
+          </a:lnRef>
+          <a:fillRef idx="1">
+            <a:schemeClr val="accent1"/>
+          </a:fillRef>
+          <a:effectRef idx="0">
+            <a:schemeClr val="accent1"/>
+          </a:effectRef>
+          <a:fontRef idx="minor">
+            <a:schemeClr val="lt1"/>
+          </a:fontRef>
+        </p:style>
+        <p:txBody>
+          <a:bodyPr rtlCol="0" anchor="ctr"/>
+          <a:lstStyle/>
+          <a:p>
+            <a:pPr algn="ctr"/>
+            <a:r>
+              <a:rPr lang="en-US" dirty="0" smtClean="0"/>
+              <a:t>NN</a:t>
+            </a:r>
+            <a:endParaRPr lang="en-US" dirty="0"/>
+          </a:p>
+        </p:txBody>
+      </p:sp>
+      <p:sp>
+        <p:nvSpPr>
+          <p:cNvPr id="9" name="Rectangle: Rounded Corners 4"/>
+          <p:cNvSpPr/>
+          <p:nvPr/>
+        </p:nvSpPr>
+        <p:spPr>
+          <a:xfrm>
+            <a:off x="7858277" y="2277666"/>
+            <a:ext cx="1477289" cy="1101456"/>
+          </a:xfrm>
+          <a:prstGeom prst="roundRect">
+            <a:avLst/>
+          </a:prstGeom>
+        </p:spPr>
+        <p:style>
+          <a:lnRef idx="2">
+            <a:schemeClr val="accent1">
+              <a:shade val="50000"/>
+            </a:schemeClr>
+          </a:lnRef>
+          <a:fillRef idx="1">
+            <a:schemeClr val="accent1"/>
+          </a:fillRef>
+          <a:effectRef idx="0">
+            <a:schemeClr val="accent1"/>
+          </a:effectRef>
+          <a:fontRef idx="minor">
+            <a:schemeClr val="lt1"/>
+          </a:fontRef>
+        </p:style>
+        <p:txBody>
+          <a:bodyPr rtlCol="0" anchor="ctr"/>
+          <a:lstStyle/>
+          <a:p>
+            <a:pPr algn="ctr"/>
+            <a:r>
+              <a:rPr lang="en-US" dirty="0" smtClean="0"/>
+              <a:t>Fuzzy system</a:t>
+            </a:r>
+            <a:endParaRPr lang="en-US" dirty="0"/>
+          </a:p>
+        </p:txBody>
+      </p:sp>
+      <p:sp>
+        <p:nvSpPr>
+          <p:cNvPr id="10" name="Rectangle: Rounded Corners 4"/>
+          <p:cNvSpPr/>
+          <p:nvPr/>
+        </p:nvSpPr>
+        <p:spPr>
+          <a:xfrm>
+            <a:off x="2854846" y="3789834"/>
+            <a:ext cx="2045477" cy="1101456"/>
+          </a:xfrm>
+          <a:prstGeom prst="roundRect">
+            <a:avLst/>
+          </a:prstGeom>
+        </p:spPr>
+        <p:style>
+          <a:lnRef idx="2">
+            <a:schemeClr val="accent1">
+              <a:shade val="50000"/>
+            </a:schemeClr>
+          </a:lnRef>
+          <a:fillRef idx="1">
+            <a:schemeClr val="accent1"/>
+          </a:fillRef>
+          <a:effectRef idx="0">
+            <a:schemeClr val="accent1"/>
+          </a:effectRef>
+          <a:fontRef idx="minor">
+            <a:schemeClr val="lt1"/>
+          </a:fontRef>
+        </p:style>
+        <p:txBody>
+          <a:bodyPr rtlCol="0" anchor="ctr"/>
+          <a:lstStyle/>
+          <a:p>
+            <a:pPr algn="ctr"/>
+            <a:r>
+              <a:rPr lang="en-US" dirty="0" smtClean="0"/>
+              <a:t>Genetic </a:t>
+            </a:r>
+            <a:r>
+              <a:rPr lang="en-US" dirty="0" smtClean="0"/>
+              <a:t>A</a:t>
+            </a:r>
+            <a:r>
+              <a:rPr lang="en-US" dirty="0" smtClean="0"/>
+              <a:t>lgorithm</a:t>
+            </a:r>
+            <a:endParaRPr lang="en-US" dirty="0"/>
+          </a:p>
+        </p:txBody>
+      </p:sp>
+      <p:sp>
+        <p:nvSpPr>
+          <p:cNvPr id="11" name="Rectangle: Rounded Corners 4"/>
+          <p:cNvSpPr/>
+          <p:nvPr/>
+        </p:nvSpPr>
+        <p:spPr>
+          <a:xfrm>
+            <a:off x="5188355" y="3811170"/>
+            <a:ext cx="1590927" cy="1101456"/>
+          </a:xfrm>
+          <a:prstGeom prst="roundRect">
+            <a:avLst/>
+          </a:prstGeom>
+        </p:spPr>
+        <p:style>
+          <a:lnRef idx="2">
+            <a:schemeClr val="accent1">
+              <a:shade val="50000"/>
+            </a:schemeClr>
+          </a:lnRef>
+          <a:fillRef idx="1">
+            <a:schemeClr val="accent1"/>
+          </a:fillRef>
+          <a:effectRef idx="0">
+            <a:schemeClr val="accent1"/>
+          </a:effectRef>
+          <a:fontRef idx="minor">
+            <a:schemeClr val="lt1"/>
+          </a:fontRef>
+        </p:style>
+        <p:txBody>
+          <a:bodyPr rtlCol="0" anchor="ctr"/>
+          <a:lstStyle/>
+          <a:p>
+            <a:pPr algn="ctr"/>
+            <a:r>
+              <a:rPr lang="en-US" dirty="0" smtClean="0"/>
+              <a:t>Latent Feature</a:t>
+            </a:r>
+            <a:endParaRPr lang="en-US" dirty="0"/>
+          </a:p>
+        </p:txBody>
+      </p:sp>
+      <p:sp>
+        <p:nvSpPr>
+          <p:cNvPr id="12" name="Rectangle: Rounded Corners 4"/>
+          <p:cNvSpPr/>
+          <p:nvPr/>
+        </p:nvSpPr>
+        <p:spPr>
+          <a:xfrm>
+            <a:off x="7060563" y="3811170"/>
+            <a:ext cx="2272753" cy="1101456"/>
+          </a:xfrm>
+          <a:prstGeom prst="roundRect">
+            <a:avLst/>
+          </a:prstGeom>
+        </p:spPr>
+        <p:style>
+          <a:lnRef idx="2">
+            <a:schemeClr val="accent1">
+              <a:shade val="50000"/>
+            </a:schemeClr>
+          </a:lnRef>
+          <a:fillRef idx="1">
+            <a:schemeClr val="accent1"/>
+          </a:fillRef>
+          <a:effectRef idx="0">
+            <a:schemeClr val="accent1"/>
+          </a:effectRef>
+          <a:fontRef idx="minor">
+            <a:schemeClr val="lt1"/>
+          </a:fontRef>
+        </p:style>
+        <p:txBody>
+          <a:bodyPr rtlCol="0" anchor="ctr"/>
+          <a:lstStyle/>
+          <a:p>
+            <a:pPr algn="ctr"/>
+            <a:r>
+              <a:rPr lang="en-US" dirty="0" smtClean="0"/>
+              <a:t>Matrix Factorization</a:t>
+            </a:r>
+            <a:endParaRPr lang="en-US" dirty="0"/>
           </a:p>
         </p:txBody>
       </p:sp>
@@ -4052,7 +4496,7 @@
           <a:p>
             <a:r>
               <a:rPr lang="en-IN" dirty="0" smtClean="0"/>
-              <a:t>Hybrid Filtering</a:t>
+              <a:t>Model Based CF - SVD</a:t>
             </a:r>
             <a:endParaRPr lang="en-IN" dirty="0"/>
           </a:p>
@@ -4131,7 +4575,7 @@
           <a:p>
             <a:r>
               <a:rPr lang="en-IN" dirty="0" smtClean="0"/>
-              <a:t>Evaluation</a:t>
+              <a:t>Model Based CF – Matrix Factorization</a:t>
             </a:r>
             <a:endParaRPr lang="en-IN" dirty="0"/>
           </a:p>
@@ -4151,31 +4595,6 @@
         <p:txBody>
           <a:bodyPr/>
           <a:lstStyle/>
-          <a:p>
-            <a:r>
-              <a:rPr lang="en-IN" dirty="0" smtClean="0"/>
-              <a:t>Accuracy</a:t>
-            </a:r>
-          </a:p>
-          <a:p>
-            <a:r>
-              <a:rPr lang="en-IN" dirty="0" smtClean="0"/>
-              <a:t>Novelty</a:t>
-            </a:r>
-          </a:p>
-          <a:p>
-            <a:r>
-              <a:rPr lang="en-IN" dirty="0" err="1" smtClean="0"/>
-              <a:t>Dispersity</a:t>
-            </a:r>
-            <a:endParaRPr lang="en-IN" dirty="0" smtClean="0"/>
-          </a:p>
-          <a:p>
-            <a:r>
-              <a:rPr lang="en-IN" dirty="0" smtClean="0"/>
-              <a:t>Stability</a:t>
-            </a:r>
-          </a:p>
           <a:p>
             <a:r>
               <a:rPr lang="en-IN" dirty="0" smtClean="0">
@@ -4235,7 +4654,7 @@
           <a:p>
             <a:r>
               <a:rPr lang="en-IN" dirty="0" smtClean="0"/>
-              <a:t>Streaming RS</a:t>
+              <a:t>Collaborative Filtering</a:t>
             </a:r>
             <a:endParaRPr lang="en-IN" dirty="0"/>
           </a:p>
@@ -4262,13 +4681,17 @@
                   <a:srgbClr val="FF0000"/>
                 </a:solidFill>
               </a:rPr>
-              <a:t>Details</a:t>
-            </a:r>
-            <a:endParaRPr lang="en-IN" dirty="0">
-              <a:solidFill>
-                <a:srgbClr val="FF0000"/>
-              </a:solidFill>
-            </a:endParaRPr>
+              <a:t>Drawbacks</a:t>
+            </a:r>
+          </a:p>
+          <a:p>
+            <a:r>
+              <a:rPr lang="en-IN" dirty="0" smtClean="0"/>
+              <a:t>Cold Start Problem</a:t>
+            </a:r>
+          </a:p>
+          <a:p>
+            <a:endParaRPr lang="en-IN" dirty="0"/>
           </a:p>
         </p:txBody>
       </p:sp>
@@ -4313,127 +4736,41 @@
           <a:lstStyle/>
           <a:p>
             <a:r>
+              <a:rPr lang="en-IN" dirty="0" smtClean="0"/>
+              <a:t>Demographic Filtering</a:t>
+            </a:r>
+            <a:endParaRPr lang="en-IN" dirty="0"/>
+          </a:p>
+        </p:txBody>
+      </p:sp>
+      <p:sp>
+        <p:nvSpPr>
+          <p:cNvPr id="3" name="Content Placeholder 2"/>
+          <p:cNvSpPr>
+            <a:spLocks noGrp="1"/>
+          </p:cNvSpPr>
+          <p:nvPr>
+            <p:ph idx="1"/>
+          </p:nvPr>
+        </p:nvSpPr>
+        <p:spPr/>
+        <p:txBody>
+          <a:bodyPr/>
+          <a:lstStyle/>
+          <a:p>
+            <a:r>
               <a:rPr lang="en-IN" dirty="0" smtClean="0">
                 <a:solidFill>
                   <a:srgbClr val="FF0000"/>
                 </a:solidFill>
               </a:rPr>
-              <a:t>Topics to cover</a:t>
+              <a:t>Details</a:t>
             </a:r>
             <a:endParaRPr lang="en-IN" dirty="0">
               <a:solidFill>
                 <a:srgbClr val="FF0000"/>
               </a:solidFill>
             </a:endParaRPr>
-          </a:p>
-        </p:txBody>
-      </p:sp>
-      <p:sp>
-        <p:nvSpPr>
-          <p:cNvPr id="3" name="Content Placeholder 2"/>
-          <p:cNvSpPr>
-            <a:spLocks noGrp="1"/>
-          </p:cNvSpPr>
-          <p:nvPr>
-            <p:ph idx="1"/>
-          </p:nvPr>
-        </p:nvSpPr>
-        <p:spPr/>
-        <p:txBody>
-          <a:bodyPr/>
-          <a:lstStyle/>
-          <a:p>
-            <a:r>
-              <a:rPr lang="en-IN" dirty="0" smtClean="0">
-                <a:solidFill>
-                  <a:srgbClr val="FF0000"/>
-                </a:solidFill>
-              </a:rPr>
-              <a:t>Group</a:t>
-            </a:r>
-          </a:p>
-          <a:p>
-            <a:r>
-              <a:rPr lang="en-IN" dirty="0" smtClean="0">
-                <a:solidFill>
-                  <a:srgbClr val="FF0000"/>
-                </a:solidFill>
-              </a:rPr>
-              <a:t>Graph</a:t>
-            </a:r>
-          </a:p>
-          <a:p>
-            <a:r>
-              <a:rPr lang="en-IN" dirty="0" smtClean="0">
-                <a:solidFill>
-                  <a:srgbClr val="FF0000"/>
-                </a:solidFill>
-              </a:rPr>
-              <a:t>Implicit Feedback</a:t>
-            </a:r>
-          </a:p>
-          <a:p>
-            <a:r>
-              <a:rPr lang="en-IN" dirty="0" smtClean="0">
-                <a:solidFill>
-                  <a:srgbClr val="FF0000"/>
-                </a:solidFill>
-              </a:rPr>
-              <a:t>Data </a:t>
-            </a:r>
-            <a:r>
-              <a:rPr lang="en-IN" dirty="0" err="1" smtClean="0">
-                <a:solidFill>
-                  <a:srgbClr val="FF0000"/>
-                </a:solidFill>
-              </a:rPr>
-              <a:t>Sparsity</a:t>
-            </a:r>
-            <a:endParaRPr lang="en-IN" dirty="0" smtClean="0">
-              <a:solidFill>
-                <a:srgbClr val="FF0000"/>
-              </a:solidFill>
-            </a:endParaRPr>
-          </a:p>
-          <a:p>
-            <a:r>
-              <a:rPr lang="en-IN" dirty="0" smtClean="0">
-                <a:solidFill>
-                  <a:srgbClr val="FF0000"/>
-                </a:solidFill>
-              </a:rPr>
-              <a:t>Cold Start Problem</a:t>
-            </a:r>
-          </a:p>
-          <a:p>
-            <a:r>
-              <a:rPr lang="en-IN" dirty="0" smtClean="0">
-                <a:solidFill>
-                  <a:srgbClr val="FF0000"/>
-                </a:solidFill>
-              </a:rPr>
-              <a:t>Scalability</a:t>
-            </a:r>
-          </a:p>
-          <a:p>
-            <a:r>
-              <a:rPr lang="en-IN" dirty="0" smtClean="0">
-                <a:solidFill>
-                  <a:srgbClr val="FF0000"/>
-                </a:solidFill>
-              </a:rPr>
-              <a:t>Normalization</a:t>
-            </a:r>
-          </a:p>
-          <a:p>
-            <a:r>
-              <a:rPr lang="en-IN" dirty="0" smtClean="0">
-                <a:solidFill>
-                  <a:srgbClr val="FF0000"/>
-                </a:solidFill>
-              </a:rPr>
-              <a:t>bias</a:t>
-            </a:r>
           </a:p>
         </p:txBody>
       </p:sp>
@@ -4479,7 +4816,7 @@
           <a:p>
             <a:r>
               <a:rPr lang="en-IN" dirty="0" smtClean="0"/>
-              <a:t>Future &amp; Challenges</a:t>
+              <a:t>Hybrid Filtering</a:t>
             </a:r>
             <a:endParaRPr lang="en-IN" dirty="0"/>
           </a:p>
@@ -4527,14 +4864,6 @@
 <file path=ppt/slides/slide16.xml><?xml version="1.0" encoding="utf-8"?>
 <p:sld xmlns:a="http://schemas.openxmlformats.org/drawingml/2006/main" xmlns:r="http://schemas.openxmlformats.org/officeDocument/2006/relationships" xmlns:p="http://schemas.openxmlformats.org/presentationml/2006/main">
   <p:cSld>
-    <p:bg>
-      <p:bgPr>
-        <a:solidFill>
-          <a:srgbClr val="0078D7"/>
-        </a:solidFill>
-        <a:effectLst/>
-      </p:bgPr>
-    </p:bg>
     <p:spTree>
       <p:nvGrpSpPr>
         <p:cNvPr id="1" name=""/>
@@ -4551,14 +4880,695 @@
       </p:grpSpPr>
       <p:sp>
         <p:nvSpPr>
-          <p:cNvPr id="5" name="TextBox 4"/>
+          <p:cNvPr id="2" name="Title 1"/>
+          <p:cNvSpPr>
+            <a:spLocks noGrp="1"/>
+          </p:cNvSpPr>
+          <p:nvPr>
+            <p:ph type="title"/>
+          </p:nvPr>
+        </p:nvSpPr>
+        <p:spPr/>
+        <p:txBody>
+          <a:bodyPr/>
+          <a:lstStyle/>
+          <a:p>
+            <a:r>
+              <a:rPr lang="en-IN" dirty="0" smtClean="0"/>
+              <a:t>Evaluation</a:t>
+            </a:r>
+            <a:endParaRPr lang="en-IN" dirty="0"/>
+          </a:p>
+        </p:txBody>
+      </p:sp>
+      <p:sp>
+        <p:nvSpPr>
+          <p:cNvPr id="3" name="Content Placeholder 2"/>
+          <p:cNvSpPr>
+            <a:spLocks noGrp="1"/>
+          </p:cNvSpPr>
+          <p:nvPr>
+            <p:ph idx="1"/>
+          </p:nvPr>
+        </p:nvSpPr>
+        <p:spPr/>
+        <p:txBody>
+          <a:bodyPr/>
+          <a:lstStyle/>
+          <a:p>
+            <a:r>
+              <a:rPr lang="en-IN" b="1" dirty="0" smtClean="0"/>
+              <a:t>Prediction</a:t>
+            </a:r>
+            <a:r>
+              <a:rPr lang="en-IN" dirty="0" smtClean="0"/>
+              <a:t> Evaluation</a:t>
+            </a:r>
+          </a:p>
+          <a:p>
+            <a:pPr lvl="1"/>
+            <a:r>
+              <a:rPr lang="en-IN" dirty="0" smtClean="0"/>
+              <a:t>Metric - MAE, RMSE, Coverage</a:t>
+            </a:r>
+          </a:p>
+          <a:p>
+            <a:r>
+              <a:rPr lang="en-IN" dirty="0" smtClean="0"/>
+              <a:t>Evaluation of </a:t>
+            </a:r>
+            <a:r>
+              <a:rPr lang="en-IN" b="1" dirty="0" smtClean="0"/>
+              <a:t>set</a:t>
+            </a:r>
+            <a:r>
+              <a:rPr lang="en-IN" dirty="0" smtClean="0"/>
+              <a:t> of recommended items</a:t>
+            </a:r>
+          </a:p>
+          <a:p>
+            <a:pPr lvl="1"/>
+            <a:r>
+              <a:rPr lang="en-IN" dirty="0" smtClean="0"/>
+              <a:t>Metric – Precision, Recall, F1</a:t>
+            </a:r>
+          </a:p>
+          <a:p>
+            <a:r>
+              <a:rPr lang="en-IN" dirty="0" smtClean="0"/>
+              <a:t>Evaluation of </a:t>
+            </a:r>
+            <a:r>
+              <a:rPr lang="en-IN" b="1" dirty="0" smtClean="0"/>
+              <a:t>ranked</a:t>
+            </a:r>
+            <a:r>
+              <a:rPr lang="en-IN" dirty="0" smtClean="0"/>
+              <a:t> recommended items</a:t>
+            </a:r>
+          </a:p>
+          <a:p>
+            <a:pPr lvl="1"/>
+            <a:r>
+              <a:rPr lang="en-IN" dirty="0" smtClean="0"/>
+              <a:t>Metric – Half life, discounted cumulative gain</a:t>
+            </a:r>
+          </a:p>
+          <a:p>
+            <a:endParaRPr lang="en-IN" dirty="0"/>
+          </a:p>
+        </p:txBody>
+      </p:sp>
+      <p:sp>
+        <p:nvSpPr>
+          <p:cNvPr id="4" name="Content Placeholder 2"/>
+          <p:cNvSpPr txBox="1">
+            <a:spLocks/>
+          </p:cNvSpPr>
+          <p:nvPr/>
+        </p:nvSpPr>
+        <p:spPr>
+          <a:xfrm>
+            <a:off x="8543478" y="1125538"/>
+            <a:ext cx="2889236" cy="3117024"/>
+          </a:xfrm>
+          <a:prstGeom prst="rect">
+            <a:avLst/>
+          </a:prstGeom>
+        </p:spPr>
+        <p:style>
+          <a:lnRef idx="2">
+            <a:schemeClr val="dk1"/>
+          </a:lnRef>
+          <a:fillRef idx="1">
+            <a:schemeClr val="lt1"/>
+          </a:fillRef>
+          <a:effectRef idx="0">
+            <a:schemeClr val="dk1"/>
+          </a:effectRef>
+          <a:fontRef idx="minor">
+            <a:schemeClr val="dk1"/>
+          </a:fontRef>
+        </p:style>
+        <p:txBody>
+          <a:bodyPr vert="horz" lIns="91440" tIns="45720" rIns="91440" bIns="45720" rtlCol="0">
+            <a:normAutofit/>
+          </a:bodyPr>
+          <a:lstStyle/>
+          <a:p>
+            <a:pPr marL="228577" marR="0" lvl="0" indent="-228577" algn="l" defTabSz="914309" rtl="0" eaLnBrk="1" fontAlgn="auto" latinLnBrk="0" hangingPunct="1">
+              <a:lnSpc>
+                <a:spcPct val="90000"/>
+              </a:lnSpc>
+              <a:spcBef>
+                <a:spcPts val="1000"/>
+              </a:spcBef>
+              <a:spcAft>
+                <a:spcPts val="0"/>
+              </a:spcAft>
+              <a:buClrTx/>
+              <a:buSzTx/>
+              <a:tabLst/>
+              <a:defRPr/>
+            </a:pPr>
+            <a:r>
+              <a:rPr kumimoji="0" lang="en-IN" sz="2800" b="0" i="0" u="none" strike="noStrike" kern="1200" cap="none" spc="0" normalizeH="0" baseline="0" noProof="0" dirty="0" smtClean="0">
+                <a:ln>
+                  <a:noFill/>
+                </a:ln>
+                <a:solidFill>
+                  <a:schemeClr val="tx1"/>
+                </a:solidFill>
+                <a:effectLst/>
+                <a:uLnTx/>
+                <a:uFillTx/>
+                <a:latin typeface="+mn-lt"/>
+                <a:ea typeface="+mn-ea"/>
+                <a:cs typeface="+mn-cs"/>
+              </a:rPr>
+              <a:t>Desired Properties</a:t>
+            </a:r>
+          </a:p>
+          <a:p>
+            <a:pPr marL="228577" marR="0" lvl="0" indent="-228577" algn="l" defTabSz="914309" rtl="0" eaLnBrk="1" fontAlgn="auto" latinLnBrk="0" hangingPunct="1">
+              <a:lnSpc>
+                <a:spcPct val="90000"/>
+              </a:lnSpc>
+              <a:spcBef>
+                <a:spcPts val="1000"/>
+              </a:spcBef>
+              <a:spcAft>
+                <a:spcPts val="0"/>
+              </a:spcAft>
+              <a:buClrTx/>
+              <a:buSzTx/>
+              <a:buFont typeface="Arial" panose="020B0604020202020204" pitchFamily="34" charset="0"/>
+              <a:buChar char="•"/>
+              <a:tabLst/>
+              <a:defRPr/>
+            </a:pPr>
+            <a:r>
+              <a:rPr kumimoji="0" lang="en-IN" sz="2800" b="0" i="0" u="none" strike="noStrike" kern="1200" cap="none" spc="0" normalizeH="0" baseline="0" noProof="0" dirty="0" smtClean="0">
+                <a:ln>
+                  <a:noFill/>
+                </a:ln>
+                <a:solidFill>
+                  <a:schemeClr val="tx1"/>
+                </a:solidFill>
+                <a:effectLst/>
+                <a:uLnTx/>
+                <a:uFillTx/>
+                <a:latin typeface="+mn-lt"/>
+                <a:ea typeface="+mn-ea"/>
+                <a:cs typeface="+mn-cs"/>
+              </a:rPr>
+              <a:t>Accuracy</a:t>
+            </a:r>
+          </a:p>
+          <a:p>
+            <a:pPr marL="228577" marR="0" lvl="0" indent="-228577" algn="l" defTabSz="914309" rtl="0" eaLnBrk="1" fontAlgn="auto" latinLnBrk="0" hangingPunct="1">
+              <a:lnSpc>
+                <a:spcPct val="90000"/>
+              </a:lnSpc>
+              <a:spcBef>
+                <a:spcPts val="1000"/>
+              </a:spcBef>
+              <a:spcAft>
+                <a:spcPts val="0"/>
+              </a:spcAft>
+              <a:buClrTx/>
+              <a:buSzTx/>
+              <a:buFont typeface="Arial" panose="020B0604020202020204" pitchFamily="34" charset="0"/>
+              <a:buChar char="•"/>
+              <a:tabLst/>
+              <a:defRPr/>
+            </a:pPr>
+            <a:r>
+              <a:rPr kumimoji="0" lang="en-IN" sz="2800" b="0" i="0" u="none" strike="noStrike" kern="1200" cap="none" spc="0" normalizeH="0" baseline="0" noProof="0" dirty="0" smtClean="0">
+                <a:ln>
+                  <a:noFill/>
+                </a:ln>
+                <a:solidFill>
+                  <a:schemeClr val="tx1"/>
+                </a:solidFill>
+                <a:effectLst/>
+                <a:uLnTx/>
+                <a:uFillTx/>
+                <a:latin typeface="+mn-lt"/>
+                <a:ea typeface="+mn-ea"/>
+                <a:cs typeface="+mn-cs"/>
+              </a:rPr>
+              <a:t>Novelty</a:t>
+            </a:r>
+          </a:p>
+          <a:p>
+            <a:pPr marL="228577" marR="0" lvl="0" indent="-228577" algn="l" defTabSz="914309" rtl="0" eaLnBrk="1" fontAlgn="auto" latinLnBrk="0" hangingPunct="1">
+              <a:lnSpc>
+                <a:spcPct val="90000"/>
+              </a:lnSpc>
+              <a:spcBef>
+                <a:spcPts val="1000"/>
+              </a:spcBef>
+              <a:spcAft>
+                <a:spcPts val="0"/>
+              </a:spcAft>
+              <a:buClrTx/>
+              <a:buSzTx/>
+              <a:buFont typeface="Arial" panose="020B0604020202020204" pitchFamily="34" charset="0"/>
+              <a:buChar char="•"/>
+              <a:tabLst/>
+              <a:defRPr/>
+            </a:pPr>
+            <a:r>
+              <a:rPr kumimoji="0" lang="en-IN" sz="2800" b="0" i="0" u="none" strike="noStrike" kern="1200" cap="none" spc="0" normalizeH="0" baseline="0" noProof="0" dirty="0" smtClean="0">
+                <a:ln>
+                  <a:noFill/>
+                </a:ln>
+                <a:solidFill>
+                  <a:schemeClr val="tx1"/>
+                </a:solidFill>
+                <a:effectLst/>
+                <a:uLnTx/>
+                <a:uFillTx/>
+                <a:latin typeface="+mn-lt"/>
+                <a:ea typeface="+mn-ea"/>
+                <a:cs typeface="+mn-cs"/>
+              </a:rPr>
+              <a:t>Diversity</a:t>
+            </a:r>
+          </a:p>
+          <a:p>
+            <a:pPr marL="228577" marR="0" lvl="0" indent="-228577" algn="l" defTabSz="914309" rtl="0" eaLnBrk="1" fontAlgn="auto" latinLnBrk="0" hangingPunct="1">
+              <a:lnSpc>
+                <a:spcPct val="90000"/>
+              </a:lnSpc>
+              <a:spcBef>
+                <a:spcPts val="1000"/>
+              </a:spcBef>
+              <a:spcAft>
+                <a:spcPts val="0"/>
+              </a:spcAft>
+              <a:buClrTx/>
+              <a:buSzTx/>
+              <a:buFont typeface="Arial" panose="020B0604020202020204" pitchFamily="34" charset="0"/>
+              <a:buChar char="•"/>
+              <a:tabLst/>
+              <a:defRPr/>
+            </a:pPr>
+            <a:r>
+              <a:rPr kumimoji="0" lang="en-IN" sz="2800" b="0" i="0" u="none" strike="noStrike" kern="1200" cap="none" spc="0" normalizeH="0" baseline="0" noProof="0" dirty="0" smtClean="0">
+                <a:ln>
+                  <a:noFill/>
+                </a:ln>
+                <a:solidFill>
+                  <a:schemeClr val="tx1"/>
+                </a:solidFill>
+                <a:effectLst/>
+                <a:uLnTx/>
+                <a:uFillTx/>
+                <a:latin typeface="+mn-lt"/>
+                <a:ea typeface="+mn-ea"/>
+                <a:cs typeface="+mn-cs"/>
+              </a:rPr>
+              <a:t>Stability</a:t>
+            </a:r>
+          </a:p>
+          <a:p>
+            <a:pPr marL="228577" marR="0" lvl="0" indent="-228577" algn="l" defTabSz="914309" rtl="0" eaLnBrk="1" fontAlgn="auto" latinLnBrk="0" hangingPunct="1">
+              <a:lnSpc>
+                <a:spcPct val="90000"/>
+              </a:lnSpc>
+              <a:spcBef>
+                <a:spcPts val="1000"/>
+              </a:spcBef>
+              <a:spcAft>
+                <a:spcPts val="0"/>
+              </a:spcAft>
+              <a:buClrTx/>
+              <a:buSzTx/>
+              <a:buFont typeface="Arial" panose="020B0604020202020204" pitchFamily="34" charset="0"/>
+              <a:buChar char="•"/>
+              <a:tabLst/>
+              <a:defRPr/>
+            </a:pPr>
+            <a:r>
+              <a:rPr lang="en-IN" sz="2800" dirty="0" smtClean="0">
+                <a:solidFill>
+                  <a:schemeClr val="tx1"/>
+                </a:solidFill>
+              </a:rPr>
+              <a:t>Reliability</a:t>
+            </a:r>
+            <a:endParaRPr kumimoji="0" lang="en-IN" sz="2800" b="0" i="0" u="none" strike="noStrike" kern="1200" cap="none" spc="0" normalizeH="0" baseline="0" noProof="0" dirty="0" smtClean="0">
+              <a:ln>
+                <a:noFill/>
+              </a:ln>
+              <a:solidFill>
+                <a:schemeClr val="tx1"/>
+              </a:solidFill>
+              <a:effectLst/>
+              <a:uLnTx/>
+              <a:uFillTx/>
+              <a:latin typeface="+mn-lt"/>
+              <a:ea typeface="+mn-ea"/>
+              <a:cs typeface="+mn-cs"/>
+            </a:endParaRPr>
+          </a:p>
+        </p:txBody>
+      </p:sp>
+    </p:spTree>
+  </p:cSld>
+  <p:clrMapOvr>
+    <a:masterClrMapping/>
+  </p:clrMapOvr>
+</p:sld>
+</file>
+
+<file path=ppt/slides/slide17.xml><?xml version="1.0" encoding="utf-8"?>
+<p:sld xmlns:a="http://schemas.openxmlformats.org/drawingml/2006/main" xmlns:r="http://schemas.openxmlformats.org/officeDocument/2006/relationships" xmlns:p="http://schemas.openxmlformats.org/presentationml/2006/main">
+  <p:cSld>
+    <p:spTree>
+      <p:nvGrpSpPr>
+        <p:cNvPr id="1" name=""/>
+        <p:cNvGrpSpPr/>
+        <p:nvPr/>
+      </p:nvGrpSpPr>
+      <p:grpSpPr>
+        <a:xfrm>
+          <a:off x="0" y="0"/>
+          <a:ext cx="0" cy="0"/>
+          <a:chOff x="0" y="0"/>
+          <a:chExt cx="0" cy="0"/>
+        </a:xfrm>
+      </p:grpSpPr>
+      <p:sp>
+        <p:nvSpPr>
+          <p:cNvPr id="2" name="Title 1"/>
+          <p:cNvSpPr>
+            <a:spLocks noGrp="1"/>
+          </p:cNvSpPr>
+          <p:nvPr>
+            <p:ph type="title"/>
+          </p:nvPr>
+        </p:nvSpPr>
+        <p:spPr/>
+        <p:txBody>
+          <a:bodyPr/>
+          <a:lstStyle/>
+          <a:p>
+            <a:r>
+              <a:rPr lang="en-IN" dirty="0" smtClean="0"/>
+              <a:t>Evaluation formulas</a:t>
+            </a:r>
+            <a:endParaRPr lang="en-IN" dirty="0"/>
+          </a:p>
+        </p:txBody>
+      </p:sp>
+      <p:sp>
+        <p:nvSpPr>
+          <p:cNvPr id="3" name="Content Placeholder 2"/>
+          <p:cNvSpPr>
+            <a:spLocks noGrp="1"/>
+          </p:cNvSpPr>
+          <p:nvPr>
+            <p:ph idx="1"/>
+          </p:nvPr>
+        </p:nvSpPr>
+        <p:spPr/>
+        <p:txBody>
+          <a:bodyPr/>
+          <a:lstStyle/>
+          <a:p>
+            <a:r>
+              <a:rPr lang="en-IN" dirty="0" smtClean="0">
+                <a:solidFill>
+                  <a:srgbClr val="FF0000"/>
+                </a:solidFill>
+              </a:rPr>
+              <a:t>ADD PICS</a:t>
+            </a:r>
+            <a:endParaRPr lang="en-IN" dirty="0">
+              <a:solidFill>
+                <a:srgbClr val="FF0000"/>
+              </a:solidFill>
+            </a:endParaRPr>
+          </a:p>
+        </p:txBody>
+      </p:sp>
+    </p:spTree>
+  </p:cSld>
+  <p:clrMapOvr>
+    <a:masterClrMapping/>
+  </p:clrMapOvr>
+</p:sld>
+</file>
+
+<file path=ppt/slides/slide18.xml><?xml version="1.0" encoding="utf-8"?>
+<p:sld xmlns:a="http://schemas.openxmlformats.org/drawingml/2006/main" xmlns:r="http://schemas.openxmlformats.org/officeDocument/2006/relationships" xmlns:p="http://schemas.openxmlformats.org/presentationml/2006/main">
+  <p:cSld>
+    <p:spTree>
+      <p:nvGrpSpPr>
+        <p:cNvPr id="1" name=""/>
+        <p:cNvGrpSpPr/>
+        <p:nvPr/>
+      </p:nvGrpSpPr>
+      <p:grpSpPr>
+        <a:xfrm>
+          <a:off x="0" y="0"/>
+          <a:ext cx="0" cy="0"/>
+          <a:chOff x="0" y="0"/>
+          <a:chExt cx="0" cy="0"/>
+        </a:xfrm>
+      </p:grpSpPr>
+      <p:sp>
+        <p:nvSpPr>
+          <p:cNvPr id="2" name="Title 1"/>
+          <p:cNvSpPr>
+            <a:spLocks noGrp="1"/>
+          </p:cNvSpPr>
+          <p:nvPr>
+            <p:ph type="title"/>
+          </p:nvPr>
+        </p:nvSpPr>
+        <p:spPr/>
+        <p:txBody>
+          <a:bodyPr/>
+          <a:lstStyle/>
+          <a:p>
+            <a:r>
+              <a:rPr lang="en-IN" dirty="0" smtClean="0"/>
+              <a:t>Streaming RS</a:t>
+            </a:r>
+            <a:endParaRPr lang="en-IN" dirty="0"/>
+          </a:p>
+        </p:txBody>
+      </p:sp>
+      <p:sp>
+        <p:nvSpPr>
+          <p:cNvPr id="3" name="Content Placeholder 2"/>
+          <p:cNvSpPr>
+            <a:spLocks noGrp="1"/>
+          </p:cNvSpPr>
+          <p:nvPr>
+            <p:ph idx="1"/>
+          </p:nvPr>
+        </p:nvSpPr>
+        <p:spPr/>
+        <p:txBody>
+          <a:bodyPr/>
+          <a:lstStyle/>
+          <a:p>
+            <a:r>
+              <a:rPr lang="en-IN" dirty="0" smtClean="0">
+                <a:solidFill>
+                  <a:srgbClr val="FF0000"/>
+                </a:solidFill>
+              </a:rPr>
+              <a:t>Details</a:t>
+            </a:r>
+            <a:endParaRPr lang="en-IN" dirty="0">
+              <a:solidFill>
+                <a:srgbClr val="FF0000"/>
+              </a:solidFill>
+            </a:endParaRPr>
+          </a:p>
+        </p:txBody>
+      </p:sp>
+    </p:spTree>
+  </p:cSld>
+  <p:clrMapOvr>
+    <a:masterClrMapping/>
+  </p:clrMapOvr>
+</p:sld>
+</file>
+
+<file path=ppt/slides/slide19.xml><?xml version="1.0" encoding="utf-8"?>
+<p:sld xmlns:a="http://schemas.openxmlformats.org/drawingml/2006/main" xmlns:r="http://schemas.openxmlformats.org/officeDocument/2006/relationships" xmlns:p="http://schemas.openxmlformats.org/presentationml/2006/main">
+  <p:cSld>
+    <p:spTree>
+      <p:nvGrpSpPr>
+        <p:cNvPr id="1" name=""/>
+        <p:cNvGrpSpPr/>
+        <p:nvPr/>
+      </p:nvGrpSpPr>
+      <p:grpSpPr>
+        <a:xfrm>
+          <a:off x="0" y="0"/>
+          <a:ext cx="0" cy="0"/>
+          <a:chOff x="0" y="0"/>
+          <a:chExt cx="0" cy="0"/>
+        </a:xfrm>
+      </p:grpSpPr>
+      <p:sp>
+        <p:nvSpPr>
+          <p:cNvPr id="2" name="Title 1"/>
+          <p:cNvSpPr>
+            <a:spLocks noGrp="1"/>
+          </p:cNvSpPr>
+          <p:nvPr>
+            <p:ph type="title"/>
+          </p:nvPr>
+        </p:nvSpPr>
+        <p:spPr/>
+        <p:txBody>
+          <a:bodyPr/>
+          <a:lstStyle/>
+          <a:p>
+            <a:r>
+              <a:rPr lang="en-IN" dirty="0" smtClean="0">
+                <a:solidFill>
+                  <a:srgbClr val="FF0000"/>
+                </a:solidFill>
+              </a:rPr>
+              <a:t>Topics to cover</a:t>
+            </a:r>
+            <a:endParaRPr lang="en-IN" dirty="0">
+              <a:solidFill>
+                <a:srgbClr val="FF0000"/>
+              </a:solidFill>
+            </a:endParaRPr>
+          </a:p>
+        </p:txBody>
+      </p:sp>
+      <p:sp>
+        <p:nvSpPr>
+          <p:cNvPr id="3" name="Content Placeholder 2"/>
+          <p:cNvSpPr>
+            <a:spLocks noGrp="1"/>
+          </p:cNvSpPr>
+          <p:nvPr>
+            <p:ph idx="1"/>
+          </p:nvPr>
+        </p:nvSpPr>
+        <p:spPr/>
+        <p:txBody>
+          <a:bodyPr/>
+          <a:lstStyle/>
+          <a:p>
+            <a:r>
+              <a:rPr lang="en-IN" dirty="0" smtClean="0">
+                <a:solidFill>
+                  <a:srgbClr val="FF0000"/>
+                </a:solidFill>
+              </a:rPr>
+              <a:t>Group</a:t>
+            </a:r>
+          </a:p>
+          <a:p>
+            <a:r>
+              <a:rPr lang="en-IN" dirty="0" smtClean="0">
+                <a:solidFill>
+                  <a:srgbClr val="FF0000"/>
+                </a:solidFill>
+              </a:rPr>
+              <a:t>Graph</a:t>
+            </a:r>
+          </a:p>
+          <a:p>
+            <a:r>
+              <a:rPr lang="en-IN" dirty="0" smtClean="0">
+                <a:solidFill>
+                  <a:srgbClr val="FF0000"/>
+                </a:solidFill>
+              </a:rPr>
+              <a:t>Implicit Feedback</a:t>
+            </a:r>
+          </a:p>
+          <a:p>
+            <a:r>
+              <a:rPr lang="en-IN" dirty="0" smtClean="0">
+                <a:solidFill>
+                  <a:srgbClr val="FF0000"/>
+                </a:solidFill>
+              </a:rPr>
+              <a:t>Data </a:t>
+            </a:r>
+            <a:r>
+              <a:rPr lang="en-IN" dirty="0" err="1" smtClean="0">
+                <a:solidFill>
+                  <a:srgbClr val="FF0000"/>
+                </a:solidFill>
+              </a:rPr>
+              <a:t>Sparsity</a:t>
+            </a:r>
+            <a:endParaRPr lang="en-IN" dirty="0" smtClean="0">
+              <a:solidFill>
+                <a:srgbClr val="FF0000"/>
+              </a:solidFill>
+            </a:endParaRPr>
+          </a:p>
+          <a:p>
+            <a:r>
+              <a:rPr lang="en-IN" dirty="0" smtClean="0">
+                <a:solidFill>
+                  <a:srgbClr val="FF0000"/>
+                </a:solidFill>
+              </a:rPr>
+              <a:t>Cold Start Problem</a:t>
+            </a:r>
+          </a:p>
+          <a:p>
+            <a:r>
+              <a:rPr lang="en-IN" dirty="0" smtClean="0">
+                <a:solidFill>
+                  <a:srgbClr val="FF0000"/>
+                </a:solidFill>
+              </a:rPr>
+              <a:t>Scalability</a:t>
+            </a:r>
+          </a:p>
+          <a:p>
+            <a:r>
+              <a:rPr lang="en-IN" dirty="0" smtClean="0">
+                <a:solidFill>
+                  <a:srgbClr val="FF0000"/>
+                </a:solidFill>
+              </a:rPr>
+              <a:t>Normalization</a:t>
+            </a:r>
+          </a:p>
+          <a:p>
+            <a:r>
+              <a:rPr lang="en-IN" dirty="0" smtClean="0">
+                <a:solidFill>
+                  <a:srgbClr val="FF0000"/>
+                </a:solidFill>
+              </a:rPr>
+              <a:t>Bias</a:t>
+            </a:r>
+          </a:p>
+        </p:txBody>
+      </p:sp>
+      <p:sp>
+        <p:nvSpPr>
+          <p:cNvPr id="4" name="TextBox 3"/>
           <p:cNvSpPr txBox="1"/>
           <p:nvPr/>
         </p:nvSpPr>
         <p:spPr>
           <a:xfrm>
-            <a:off x="40244" y="2493690"/>
-            <a:ext cx="12171284" cy="910132"/>
+            <a:off x="7103318" y="1701602"/>
+            <a:ext cx="2644250" cy="1938992"/>
           </a:xfrm>
           <a:prstGeom prst="rect">
             <a:avLst/>
@@ -4566,19 +5576,54 @@
           <a:noFill/>
         </p:spPr>
         <p:txBody>
-          <a:bodyPr wrap="square" lIns="108850" tIns="54425" rIns="108850" bIns="54425" rtlCol="0">
+          <a:bodyPr wrap="none" rtlCol="0">
             <a:spAutoFit/>
           </a:bodyPr>
           <a:lstStyle/>
           <a:p>
-            <a:pPr algn="ctr"/>
-            <a:r>
-              <a:rPr lang="en-IN" sz="5200" dirty="0">
-                <a:solidFill>
-                  <a:schemeClr val="bg1"/>
-                </a:solidFill>
-              </a:rPr>
-              <a:t>Thank You</a:t>
+            <a:r>
+              <a:rPr lang="en-IN" sz="2400" dirty="0" smtClean="0"/>
+              <a:t>TO DO-</a:t>
+            </a:r>
+          </a:p>
+          <a:p>
+            <a:pPr>
+              <a:buFont typeface="Arial" pitchFamily="34" charset="0"/>
+              <a:buChar char="•"/>
+            </a:pPr>
+            <a:r>
+              <a:rPr lang="en-IN" sz="2400" dirty="0" smtClean="0"/>
+              <a:t>Evaluation reading</a:t>
+            </a:r>
+          </a:p>
+          <a:p>
+            <a:pPr>
+              <a:buFont typeface="Arial" pitchFamily="34" charset="0"/>
+              <a:buChar char="•"/>
+            </a:pPr>
+            <a:r>
+              <a:rPr lang="en-IN" sz="2400" dirty="0" smtClean="0"/>
+              <a:t>Group by</a:t>
+            </a:r>
+          </a:p>
+          <a:p>
+            <a:pPr>
+              <a:buFont typeface="Arial" pitchFamily="34" charset="0"/>
+              <a:buChar char="•"/>
+            </a:pPr>
+            <a:r>
+              <a:rPr lang="en-IN" sz="2400" dirty="0" smtClean="0"/>
+              <a:t>Diagram taxonomy</a:t>
+            </a:r>
+          </a:p>
+          <a:p>
+            <a:pPr>
+              <a:buFont typeface="Arial" pitchFamily="34" charset="0"/>
+              <a:buChar char="•"/>
+            </a:pPr>
+            <a:r>
+              <a:rPr lang="en-IN" sz="2400" dirty="0" smtClean="0"/>
+              <a:t>Conclusion</a:t>
             </a:r>
           </a:p>
         </p:txBody>
@@ -4588,18 +5633,6 @@
   <p:clrMapOvr>
     <a:masterClrMapping/>
   </p:clrMapOvr>
-  <mc:AlternateContent xmlns:mc="http://schemas.openxmlformats.org/markup-compatibility/2006">
-    <mc:Choice xmlns:p14="http://schemas.microsoft.com/office/powerpoint/2010/main" xmlns="" Requires="p14">
-      <p:transition spd="med" p14:dur="700">
-        <p:fade/>
-      </p:transition>
-    </mc:Choice>
-    <mc:Fallback>
-      <p:transition spd="med">
-        <p:fade/>
-      </p:transition>
-    </mc:Fallback>
-  </mc:AlternateContent>
 </p:sld>
 </file>
 
@@ -4692,6 +5725,164 @@
             <a:r>
               <a:rPr lang="en-IN" dirty="0" smtClean="0"/>
               <a:t>Saves time</a:t>
+            </a:r>
+          </a:p>
+        </p:txBody>
+      </p:sp>
+    </p:spTree>
+  </p:cSld>
+  <p:clrMapOvr>
+    <a:masterClrMapping/>
+  </p:clrMapOvr>
+  <mc:AlternateContent xmlns:mc="http://schemas.openxmlformats.org/markup-compatibility/2006">
+    <mc:Choice xmlns:p14="http://schemas.microsoft.com/office/powerpoint/2010/main" xmlns="" Requires="p14">
+      <p:transition spd="med" p14:dur="700">
+        <p:fade/>
+      </p:transition>
+    </mc:Choice>
+    <mc:Fallback>
+      <p:transition spd="med">
+        <p:fade/>
+      </p:transition>
+    </mc:Fallback>
+  </mc:AlternateContent>
+</p:sld>
+</file>
+
+<file path=ppt/slides/slide20.xml><?xml version="1.0" encoding="utf-8"?>
+<p:sld xmlns:a="http://schemas.openxmlformats.org/drawingml/2006/main" xmlns:r="http://schemas.openxmlformats.org/officeDocument/2006/relationships" xmlns:p="http://schemas.openxmlformats.org/presentationml/2006/main">
+  <p:cSld>
+    <p:spTree>
+      <p:nvGrpSpPr>
+        <p:cNvPr id="1" name=""/>
+        <p:cNvGrpSpPr/>
+        <p:nvPr/>
+      </p:nvGrpSpPr>
+      <p:grpSpPr>
+        <a:xfrm>
+          <a:off x="0" y="0"/>
+          <a:ext cx="0" cy="0"/>
+          <a:chOff x="0" y="0"/>
+          <a:chExt cx="0" cy="0"/>
+        </a:xfrm>
+      </p:grpSpPr>
+      <p:sp>
+        <p:nvSpPr>
+          <p:cNvPr id="2" name="Title 1"/>
+          <p:cNvSpPr>
+            <a:spLocks noGrp="1"/>
+          </p:cNvSpPr>
+          <p:nvPr>
+            <p:ph type="title"/>
+          </p:nvPr>
+        </p:nvSpPr>
+        <p:spPr/>
+        <p:txBody>
+          <a:bodyPr/>
+          <a:lstStyle/>
+          <a:p>
+            <a:r>
+              <a:rPr lang="en-IN" dirty="0" smtClean="0"/>
+              <a:t>Future &amp; Challenges</a:t>
+            </a:r>
+            <a:endParaRPr lang="en-IN" dirty="0"/>
+          </a:p>
+        </p:txBody>
+      </p:sp>
+      <p:sp>
+        <p:nvSpPr>
+          <p:cNvPr id="3" name="Content Placeholder 2"/>
+          <p:cNvSpPr>
+            <a:spLocks noGrp="1"/>
+          </p:cNvSpPr>
+          <p:nvPr>
+            <p:ph idx="1"/>
+          </p:nvPr>
+        </p:nvSpPr>
+        <p:spPr/>
+        <p:txBody>
+          <a:bodyPr/>
+          <a:lstStyle/>
+          <a:p>
+            <a:r>
+              <a:rPr lang="en-IN" dirty="0" smtClean="0">
+                <a:solidFill>
+                  <a:srgbClr val="FF0000"/>
+                </a:solidFill>
+              </a:rPr>
+              <a:t>Details</a:t>
+            </a:r>
+            <a:endParaRPr lang="en-IN" dirty="0">
+              <a:solidFill>
+                <a:srgbClr val="FF0000"/>
+              </a:solidFill>
+            </a:endParaRPr>
+          </a:p>
+        </p:txBody>
+      </p:sp>
+    </p:spTree>
+  </p:cSld>
+  <p:clrMapOvr>
+    <a:masterClrMapping/>
+  </p:clrMapOvr>
+</p:sld>
+</file>
+
+<file path=ppt/slides/slide21.xml><?xml version="1.0" encoding="utf-8"?>
+<p:sld xmlns:a="http://schemas.openxmlformats.org/drawingml/2006/main" xmlns:r="http://schemas.openxmlformats.org/officeDocument/2006/relationships" xmlns:p="http://schemas.openxmlformats.org/presentationml/2006/main">
+  <p:cSld>
+    <p:bg>
+      <p:bgPr>
+        <a:solidFill>
+          <a:srgbClr val="0078D7"/>
+        </a:solidFill>
+        <a:effectLst/>
+      </p:bgPr>
+    </p:bg>
+    <p:spTree>
+      <p:nvGrpSpPr>
+        <p:cNvPr id="1" name=""/>
+        <p:cNvGrpSpPr/>
+        <p:nvPr/>
+      </p:nvGrpSpPr>
+      <p:grpSpPr>
+        <a:xfrm>
+          <a:off x="0" y="0"/>
+          <a:ext cx="0" cy="0"/>
+          <a:chOff x="0" y="0"/>
+          <a:chExt cx="0" cy="0"/>
+        </a:xfrm>
+      </p:grpSpPr>
+      <p:sp>
+        <p:nvSpPr>
+          <p:cNvPr id="5" name="TextBox 4"/>
+          <p:cNvSpPr txBox="1"/>
+          <p:nvPr/>
+        </p:nvSpPr>
+        <p:spPr>
+          <a:xfrm>
+            <a:off x="40244" y="2493690"/>
+            <a:ext cx="12171284" cy="910132"/>
+          </a:xfrm>
+          <a:prstGeom prst="rect">
+            <a:avLst/>
+          </a:prstGeom>
+          <a:noFill/>
+        </p:spPr>
+        <p:txBody>
+          <a:bodyPr wrap="square" lIns="108850" tIns="54425" rIns="108850" bIns="54425" rtlCol="0">
+            <a:spAutoFit/>
+          </a:bodyPr>
+          <a:lstStyle/>
+          <a:p>
+            <a:pPr algn="ctr"/>
+            <a:r>
+              <a:rPr lang="en-IN" sz="5200" dirty="0">
+                <a:solidFill>
+                  <a:schemeClr val="bg1"/>
+                </a:solidFill>
+              </a:rPr>
+              <a:t>Thank You</a:t>
             </a:r>
           </a:p>
         </p:txBody>
@@ -5431,98 +6622,32 @@
           <a:chExt cx="0" cy="0"/>
         </a:xfrm>
       </p:grpSpPr>
-      <p:sp>
-        <p:nvSpPr>
-          <p:cNvPr id="2" name="Title 1"/>
-          <p:cNvSpPr>
-            <a:spLocks noGrp="1"/>
-          </p:cNvSpPr>
-          <p:nvPr>
-            <p:ph type="title"/>
-          </p:nvPr>
-        </p:nvSpPr>
-        <p:spPr/>
-        <p:txBody>
-          <a:bodyPr/>
-          <a:lstStyle/>
-          <a:p>
-            <a:r>
-              <a:rPr lang="en-IN" dirty="0" smtClean="0"/>
-              <a:t>Content Based Filtering</a:t>
-            </a:r>
-            <a:endParaRPr lang="en-IN" dirty="0"/>
-          </a:p>
-        </p:txBody>
-      </p:sp>
-      <p:sp>
-        <p:nvSpPr>
-          <p:cNvPr id="3" name="Content Placeholder 2"/>
-          <p:cNvSpPr>
-            <a:spLocks noGrp="1"/>
-          </p:cNvSpPr>
-          <p:nvPr>
-            <p:ph idx="1"/>
-          </p:nvPr>
-        </p:nvSpPr>
-        <p:spPr/>
-        <p:txBody>
-          <a:bodyPr/>
-          <a:lstStyle/>
-          <a:p>
-            <a:r>
-              <a:rPr lang="en-IN" dirty="0" smtClean="0">
-                <a:solidFill>
-                  <a:srgbClr val="FF0000"/>
-                </a:solidFill>
-              </a:rPr>
-              <a:t>Details</a:t>
-            </a:r>
-          </a:p>
-          <a:p>
-            <a:endParaRPr lang="en-IN" dirty="0" smtClean="0">
-              <a:solidFill>
-                <a:srgbClr val="FF0000"/>
-              </a:solidFill>
-            </a:endParaRPr>
-          </a:p>
-          <a:p>
-            <a:endParaRPr lang="en-IN" dirty="0" smtClean="0">
-              <a:solidFill>
-                <a:srgbClr val="FF0000"/>
-              </a:solidFill>
-            </a:endParaRPr>
-          </a:p>
-          <a:p>
-            <a:endParaRPr lang="en-IN" dirty="0" smtClean="0">
-              <a:solidFill>
-                <a:srgbClr val="FF0000"/>
-              </a:solidFill>
-            </a:endParaRPr>
-          </a:p>
-          <a:p>
-            <a:endParaRPr lang="en-IN" dirty="0" smtClean="0">
-              <a:solidFill>
-                <a:srgbClr val="FF0000"/>
-              </a:solidFill>
-            </a:endParaRPr>
-          </a:p>
-          <a:p>
-            <a:r>
-              <a:rPr lang="en-IN" dirty="0" smtClean="0">
-                <a:solidFill>
-                  <a:srgbClr val="FF0000"/>
-                </a:solidFill>
-              </a:rPr>
-              <a:t>DRAWBACKS</a:t>
-            </a:r>
-            <a:endParaRPr lang="en-IN" dirty="0">
-              <a:solidFill>
-                <a:srgbClr val="FF0000"/>
-              </a:solidFill>
-            </a:endParaRPr>
-          </a:p>
-        </p:txBody>
-      </p:sp>
+      <p:pic>
+        <p:nvPicPr>
+          <p:cNvPr id="2050" name="Picture 2" descr="D:\Final Year Project\summer\ppt\RS_basic.JPG"/>
+          <p:cNvPicPr>
+            <a:picLocks noChangeAspect="1" noChangeArrowheads="1"/>
+          </p:cNvPicPr>
+          <p:nvPr/>
+        </p:nvPicPr>
+        <p:blipFill>
+          <a:blip r:embed="rId2" cstate="print"/>
+          <a:srcRect/>
+          <a:stretch>
+            <a:fillRect/>
+          </a:stretch>
+        </p:blipFill>
+        <p:spPr bwMode="auto">
+          <a:xfrm>
+            <a:off x="3430910" y="117426"/>
+            <a:ext cx="5112568" cy="6560022"/>
+          </a:xfrm>
+          <a:prstGeom prst="rect">
+            <a:avLst/>
+          </a:prstGeom>
+          <a:noFill/>
+        </p:spPr>
+      </p:pic>
     </p:spTree>
   </p:cSld>
   <p:clrMapOvr>
@@ -5550,13 +6675,130 @@
       </p:grpSpPr>
       <p:sp>
         <p:nvSpPr>
+          <p:cNvPr id="2" name="Title 1"/>
+          <p:cNvSpPr>
+            <a:spLocks noGrp="1"/>
+          </p:cNvSpPr>
+          <p:nvPr>
+            <p:ph type="title"/>
+          </p:nvPr>
+        </p:nvSpPr>
+        <p:spPr/>
+        <p:txBody>
+          <a:bodyPr/>
+          <a:lstStyle/>
+          <a:p>
+            <a:r>
+              <a:rPr lang="en-IN" dirty="0" smtClean="0"/>
+              <a:t>Content Based Filtering</a:t>
+            </a:r>
+            <a:endParaRPr lang="en-IN" dirty="0"/>
+          </a:p>
+        </p:txBody>
+      </p:sp>
+      <p:sp>
+        <p:nvSpPr>
+          <p:cNvPr id="3" name="Content Placeholder 2"/>
+          <p:cNvSpPr>
+            <a:spLocks noGrp="1"/>
+          </p:cNvSpPr>
+          <p:nvPr>
+            <p:ph idx="1"/>
+          </p:nvPr>
+        </p:nvSpPr>
+        <p:spPr/>
+        <p:txBody>
+          <a:bodyPr/>
+          <a:lstStyle/>
+          <a:p>
+            <a:r>
+              <a:rPr lang="en-IN" dirty="0" smtClean="0">
+                <a:solidFill>
+                  <a:srgbClr val="FF0000"/>
+                </a:solidFill>
+              </a:rPr>
+              <a:t>Details</a:t>
+            </a:r>
+          </a:p>
+          <a:p>
+            <a:r>
+              <a:rPr lang="en-IN" dirty="0" smtClean="0"/>
+              <a:t>Item details are used to find similarity between items.</a:t>
+            </a:r>
+            <a:endParaRPr lang="en-IN" dirty="0" smtClean="0"/>
+          </a:p>
+          <a:p>
+            <a:endParaRPr lang="en-IN" dirty="0" smtClean="0">
+              <a:solidFill>
+                <a:srgbClr val="FF0000"/>
+              </a:solidFill>
+            </a:endParaRPr>
+          </a:p>
+          <a:p>
+            <a:pPr>
+              <a:buNone/>
+            </a:pPr>
+            <a:endParaRPr lang="en-IN" dirty="0" smtClean="0">
+              <a:solidFill>
+                <a:srgbClr val="FF0000"/>
+              </a:solidFill>
+            </a:endParaRPr>
+          </a:p>
+          <a:p>
+            <a:r>
+              <a:rPr lang="en-IN" dirty="0" smtClean="0">
+                <a:solidFill>
+                  <a:srgbClr val="FF0000"/>
+                </a:solidFill>
+              </a:rPr>
+              <a:t>DRAWBACKS</a:t>
+            </a:r>
+          </a:p>
+          <a:p>
+            <a:r>
+              <a:rPr lang="en-IN" dirty="0" smtClean="0"/>
+              <a:t>Over Specification</a:t>
+            </a:r>
+          </a:p>
+          <a:p>
+            <a:endParaRPr lang="en-IN" dirty="0"/>
+          </a:p>
+        </p:txBody>
+      </p:sp>
+    </p:spTree>
+  </p:cSld>
+  <p:clrMapOvr>
+    <a:masterClrMapping/>
+  </p:clrMapOvr>
+</p:sld>
+</file>
+
+<file path=ppt/slides/slide6.xml><?xml version="1.0" encoding="utf-8"?>
+<p:sld xmlns:a="http://schemas.openxmlformats.org/drawingml/2006/main" xmlns:r="http://schemas.openxmlformats.org/officeDocument/2006/relationships" xmlns:p="http://schemas.openxmlformats.org/presentationml/2006/main">
+  <p:cSld>
+    <p:spTree>
+      <p:nvGrpSpPr>
+        <p:cNvPr id="1" name=""/>
+        <p:cNvGrpSpPr/>
+        <p:nvPr/>
+      </p:nvGrpSpPr>
+      <p:grpSpPr>
+        <a:xfrm>
+          <a:off x="0" y="0"/>
+          <a:ext cx="0" cy="0"/>
+          <a:chOff x="0" y="0"/>
+          <a:chExt cx="0" cy="0"/>
+        </a:xfrm>
+      </p:grpSpPr>
+      <p:sp>
+        <p:nvSpPr>
           <p:cNvPr id="52" name="Rounded Rectangle 51"/>
           <p:cNvSpPr/>
           <p:nvPr/>
         </p:nvSpPr>
         <p:spPr>
           <a:xfrm>
-            <a:off x="2926854" y="3933850"/>
+            <a:off x="2782838" y="4365898"/>
             <a:ext cx="6480720" cy="1584176"/>
           </a:xfrm>
           <a:prstGeom prst="roundRect">
@@ -5649,7 +6891,7 @@
         </p:nvSpPr>
         <p:spPr>
           <a:xfrm>
-            <a:off x="622598" y="3429794"/>
+            <a:off x="478582" y="3861842"/>
             <a:ext cx="1152128" cy="576064"/>
           </a:xfrm>
           <a:prstGeom prst="roundRect">
@@ -5693,7 +6935,7 @@
         </p:nvSpPr>
         <p:spPr>
           <a:xfrm>
-            <a:off x="3502386" y="4221935"/>
+            <a:off x="3358370" y="4653983"/>
             <a:ext cx="1152128" cy="576064"/>
           </a:xfrm>
           <a:prstGeom prst="roundRect">
@@ -5737,7 +6979,7 @@
         </p:nvSpPr>
         <p:spPr>
           <a:xfrm>
-            <a:off x="5302586" y="4221882"/>
+            <a:off x="5158570" y="4653930"/>
             <a:ext cx="1440426" cy="576064"/>
           </a:xfrm>
           <a:prstGeom prst="roundRect">
@@ -5784,7 +7026,7 @@
         </p:nvCxnSpPr>
         <p:spPr>
           <a:xfrm>
-            <a:off x="1774726" y="3717826"/>
+            <a:off x="1630710" y="4149874"/>
             <a:ext cx="1727660" cy="792141"/>
           </a:xfrm>
           <a:prstGeom prst="straightConnector1">
@@ -5820,7 +7062,7 @@
         </p:nvCxnSpPr>
         <p:spPr>
           <a:xfrm flipV="1">
-            <a:off x="4654514" y="4509914"/>
+            <a:off x="4510498" y="4941962"/>
             <a:ext cx="648072" cy="53"/>
           </a:xfrm>
           <a:prstGeom prst="straightConnector1">
@@ -5853,7 +7095,7 @@
         </p:nvSpPr>
         <p:spPr>
           <a:xfrm>
-            <a:off x="10631710" y="3429794"/>
+            <a:off x="10487694" y="3861842"/>
             <a:ext cx="1152128" cy="576064"/>
           </a:xfrm>
           <a:prstGeom prst="roundRect">
@@ -5897,8 +7139,8 @@
         </p:nvSpPr>
         <p:spPr>
           <a:xfrm>
-            <a:off x="3862958" y="1989634"/>
-            <a:ext cx="4608512" cy="1440160"/>
+            <a:off x="3718942" y="1917626"/>
+            <a:ext cx="4608512" cy="1944216"/>
           </a:xfrm>
           <a:prstGeom prst="roundRect">
             <a:avLst/>
@@ -5947,6 +7189,22 @@
           </a:p>
           <a:p>
             <a:pPr algn="ctr"/>
+            <a:endParaRPr lang="en-US" b="1" dirty="0" smtClean="0">
+              <a:solidFill>
+                <a:schemeClr val="bg1"/>
+              </a:solidFill>
+            </a:endParaRPr>
+          </a:p>
+          <a:p>
+            <a:pPr algn="ctr"/>
+            <a:endParaRPr lang="en-US" b="1" dirty="0" smtClean="0">
+              <a:solidFill>
+                <a:schemeClr val="bg1"/>
+              </a:solidFill>
+            </a:endParaRPr>
+          </a:p>
+          <a:p>
+            <a:pPr algn="ctr"/>
             <a:r>
               <a:rPr lang="en-US" b="1" dirty="0" smtClean="0">
                 <a:solidFill>
@@ -5974,7 +7232,7 @@
         </p:nvCxnSpPr>
         <p:spPr>
           <a:xfrm>
-            <a:off x="6743012" y="4509914"/>
+            <a:off x="6598996" y="4941962"/>
             <a:ext cx="648072" cy="53"/>
           </a:xfrm>
           <a:prstGeom prst="straightConnector1">
@@ -6010,8 +7268,8 @@
         </p:nvCxnSpPr>
         <p:spPr>
           <a:xfrm flipV="1">
-            <a:off x="1774726" y="2709714"/>
-            <a:ext cx="2088232" cy="1008112"/>
+            <a:off x="1630710" y="2889734"/>
+            <a:ext cx="2088232" cy="1260140"/>
           </a:xfrm>
           <a:prstGeom prst="straightConnector1">
             <a:avLst/>
@@ -6046,8 +7304,8 @@
         </p:nvCxnSpPr>
         <p:spPr>
           <a:xfrm>
-            <a:off x="8471470" y="2709714"/>
-            <a:ext cx="2160240" cy="1008112"/>
+            <a:off x="8327454" y="2889734"/>
+            <a:ext cx="2160240" cy="1260140"/>
           </a:xfrm>
           <a:prstGeom prst="straightConnector1">
             <a:avLst/>
@@ -6079,7 +7337,7 @@
         </p:nvSpPr>
         <p:spPr>
           <a:xfrm>
-            <a:off x="7391084" y="4221935"/>
+            <a:off x="7247068" y="4653983"/>
             <a:ext cx="1440426" cy="576064"/>
           </a:xfrm>
           <a:prstGeom prst="roundRect">
@@ -6126,7 +7384,7 @@
         </p:nvCxnSpPr>
         <p:spPr>
           <a:xfrm flipV="1">
-            <a:off x="8831510" y="3717826"/>
+            <a:off x="8687494" y="4149874"/>
             <a:ext cx="1800200" cy="792141"/>
           </a:xfrm>
           <a:prstGeom prst="straightConnector1">
@@ -6159,7 +7417,7 @@
         </p:nvSpPr>
         <p:spPr>
           <a:xfrm>
-            <a:off x="5735166" y="2277666"/>
+            <a:off x="4006974" y="2061642"/>
             <a:ext cx="792088" cy="504056"/>
           </a:xfrm>
           <a:prstGeom prst="roundRect">
@@ -6195,106 +7453,275 @@
           </a:p>
         </p:txBody>
       </p:sp>
-    </p:spTree>
-  </p:cSld>
-  <p:clrMapOvr>
-    <a:masterClrMapping/>
-  </p:clrMapOvr>
-</p:sld>
-</file>
-
-<file path=ppt/slides/slide6.xml><?xml version="1.0" encoding="utf-8"?>
-<p:sld xmlns:a="http://schemas.openxmlformats.org/drawingml/2006/main" xmlns:r="http://schemas.openxmlformats.org/officeDocument/2006/relationships" xmlns:p="http://schemas.openxmlformats.org/presentationml/2006/main">
-  <p:cSld>
-    <p:spTree>
-      <p:nvGrpSpPr>
-        <p:cNvPr id="1" name=""/>
-        <p:cNvGrpSpPr/>
-        <p:nvPr/>
-      </p:nvGrpSpPr>
-      <p:grpSpPr>
-        <a:xfrm>
-          <a:off x="0" y="0"/>
-          <a:ext cx="0" cy="0"/>
-          <a:chOff x="0" y="0"/>
-          <a:chExt cx="0" cy="0"/>
-        </a:xfrm>
-      </p:grpSpPr>
-      <p:sp>
-        <p:nvSpPr>
-          <p:cNvPr id="2" name="Title 1"/>
-          <p:cNvSpPr>
-            <a:spLocks noGrp="1"/>
-          </p:cNvSpPr>
-          <p:nvPr>
-            <p:ph type="title"/>
-          </p:nvPr>
-        </p:nvSpPr>
-        <p:spPr/>
-        <p:txBody>
-          <a:bodyPr/>
-          <a:lstStyle/>
-          <a:p>
-            <a:r>
-              <a:rPr lang="en-IN" dirty="0" smtClean="0"/>
-              <a:t>Memory Based CF</a:t>
-            </a:r>
-            <a:endParaRPr lang="en-IN" dirty="0"/>
-          </a:p>
-        </p:txBody>
-      </p:sp>
-      <p:sp>
-        <p:nvSpPr>
-          <p:cNvPr id="3" name="Content Placeholder 2"/>
-          <p:cNvSpPr>
-            <a:spLocks noGrp="1"/>
-          </p:cNvSpPr>
-          <p:nvPr>
-            <p:ph idx="1"/>
-          </p:nvPr>
-        </p:nvSpPr>
-        <p:spPr/>
-        <p:txBody>
-          <a:bodyPr/>
-          <a:lstStyle/>
-          <a:p>
-            <a:r>
-              <a:rPr lang="en-IN" dirty="0" smtClean="0"/>
-              <a:t>User Based</a:t>
-            </a:r>
-          </a:p>
-          <a:p>
-            <a:pPr lvl="1"/>
-            <a:r>
-              <a:rPr lang="en-IN" dirty="0" smtClean="0">
-                <a:solidFill>
-                  <a:srgbClr val="FF0000"/>
-                </a:solidFill>
-              </a:rPr>
-              <a:t>Details</a:t>
-            </a:r>
-          </a:p>
-          <a:p>
-            <a:r>
-              <a:rPr lang="en-IN" dirty="0" smtClean="0"/>
-              <a:t>Item Based</a:t>
-            </a:r>
-          </a:p>
-          <a:p>
-            <a:pPr lvl="1"/>
-            <a:r>
-              <a:rPr lang="en-IN" dirty="0" smtClean="0">
-                <a:solidFill>
-                  <a:srgbClr val="FF0000"/>
-                </a:solidFill>
-              </a:rPr>
-              <a:t>Details</a:t>
-            </a:r>
-            <a:endParaRPr lang="en-IN" dirty="0">
-              <a:solidFill>
-                <a:srgbClr val="FF0000"/>
-              </a:solidFill>
-            </a:endParaRPr>
+      <p:sp>
+        <p:nvSpPr>
+          <p:cNvPr id="66" name="Rectangle: Rounded Corners 4"/>
+          <p:cNvSpPr/>
+          <p:nvPr/>
+        </p:nvSpPr>
+        <p:spPr>
+          <a:xfrm>
+            <a:off x="4943078" y="2061642"/>
+            <a:ext cx="1080120" cy="504056"/>
+          </a:xfrm>
+          <a:prstGeom prst="roundRect">
+            <a:avLst/>
+          </a:prstGeom>
+        </p:spPr>
+        <p:style>
+          <a:lnRef idx="2">
+            <a:schemeClr val="accent1">
+              <a:shade val="50000"/>
+            </a:schemeClr>
+          </a:lnRef>
+          <a:fillRef idx="1">
+            <a:schemeClr val="accent1"/>
+          </a:fillRef>
+          <a:effectRef idx="0">
+            <a:schemeClr val="accent1"/>
+          </a:effectRef>
+          <a:fontRef idx="minor">
+            <a:schemeClr val="lt1"/>
+          </a:fontRef>
+        </p:style>
+        <p:txBody>
+          <a:bodyPr rtlCol="0" anchor="ctr"/>
+          <a:lstStyle/>
+          <a:p>
+            <a:pPr algn="ctr"/>
+            <a:r>
+              <a:rPr lang="en-US" dirty="0" smtClean="0"/>
+              <a:t>Bayesian</a:t>
+            </a:r>
+            <a:endParaRPr lang="en-US" dirty="0"/>
+          </a:p>
+        </p:txBody>
+      </p:sp>
+      <p:sp>
+        <p:nvSpPr>
+          <p:cNvPr id="67" name="Rectangle: Rounded Corners 4"/>
+          <p:cNvSpPr/>
+          <p:nvPr/>
+        </p:nvSpPr>
+        <p:spPr>
+          <a:xfrm>
+            <a:off x="6167214" y="2061642"/>
+            <a:ext cx="792088" cy="504056"/>
+          </a:xfrm>
+          <a:prstGeom prst="roundRect">
+            <a:avLst/>
+          </a:prstGeom>
+        </p:spPr>
+        <p:style>
+          <a:lnRef idx="2">
+            <a:schemeClr val="accent1">
+              <a:shade val="50000"/>
+            </a:schemeClr>
+          </a:lnRef>
+          <a:fillRef idx="1">
+            <a:schemeClr val="accent1"/>
+          </a:fillRef>
+          <a:effectRef idx="0">
+            <a:schemeClr val="accent1"/>
+          </a:effectRef>
+          <a:fontRef idx="minor">
+            <a:schemeClr val="lt1"/>
+          </a:fontRef>
+        </p:style>
+        <p:txBody>
+          <a:bodyPr rtlCol="0" anchor="ctr"/>
+          <a:lstStyle/>
+          <a:p>
+            <a:pPr algn="ctr"/>
+            <a:r>
+              <a:rPr lang="en-US" dirty="0" smtClean="0"/>
+              <a:t>NN</a:t>
+            </a:r>
+            <a:endParaRPr lang="en-US" dirty="0"/>
+          </a:p>
+        </p:txBody>
+      </p:sp>
+      <p:sp>
+        <p:nvSpPr>
+          <p:cNvPr id="68" name="Rectangle: Rounded Corners 4"/>
+          <p:cNvSpPr/>
+          <p:nvPr/>
+        </p:nvSpPr>
+        <p:spPr>
+          <a:xfrm>
+            <a:off x="7103318" y="2061642"/>
+            <a:ext cx="936104" cy="504056"/>
+          </a:xfrm>
+          <a:prstGeom prst="roundRect">
+            <a:avLst/>
+          </a:prstGeom>
+        </p:spPr>
+        <p:style>
+          <a:lnRef idx="2">
+            <a:schemeClr val="accent1">
+              <a:shade val="50000"/>
+            </a:schemeClr>
+          </a:lnRef>
+          <a:fillRef idx="1">
+            <a:schemeClr val="accent1"/>
+          </a:fillRef>
+          <a:effectRef idx="0">
+            <a:schemeClr val="accent1"/>
+          </a:effectRef>
+          <a:fontRef idx="minor">
+            <a:schemeClr val="lt1"/>
+          </a:fontRef>
+        </p:style>
+        <p:txBody>
+          <a:bodyPr rtlCol="0" anchor="ctr"/>
+          <a:lstStyle/>
+          <a:p>
+            <a:pPr algn="ctr"/>
+            <a:r>
+              <a:rPr lang="en-US" dirty="0" smtClean="0"/>
+              <a:t>Fuzzy system</a:t>
+            </a:r>
+            <a:endParaRPr lang="en-US" dirty="0"/>
+          </a:p>
+        </p:txBody>
+      </p:sp>
+      <p:sp>
+        <p:nvSpPr>
+          <p:cNvPr id="69" name="Rectangle: Rounded Corners 4"/>
+          <p:cNvSpPr/>
+          <p:nvPr/>
+        </p:nvSpPr>
+        <p:spPr>
+          <a:xfrm>
+            <a:off x="3934966" y="2709714"/>
+            <a:ext cx="1296144" cy="504056"/>
+          </a:xfrm>
+          <a:prstGeom prst="roundRect">
+            <a:avLst/>
+          </a:prstGeom>
+        </p:spPr>
+        <p:style>
+          <a:lnRef idx="2">
+            <a:schemeClr val="accent1">
+              <a:shade val="50000"/>
+            </a:schemeClr>
+          </a:lnRef>
+          <a:fillRef idx="1">
+            <a:schemeClr val="accent1"/>
+          </a:fillRef>
+          <a:effectRef idx="0">
+            <a:schemeClr val="accent1"/>
+          </a:effectRef>
+          <a:fontRef idx="minor">
+            <a:schemeClr val="lt1"/>
+          </a:fontRef>
+        </p:style>
+        <p:txBody>
+          <a:bodyPr rtlCol="0" anchor="ctr"/>
+          <a:lstStyle/>
+          <a:p>
+            <a:pPr algn="ctr"/>
+            <a:r>
+              <a:rPr lang="en-US" dirty="0" smtClean="0"/>
+              <a:t>Genetic </a:t>
+            </a:r>
+            <a:r>
+              <a:rPr lang="en-US" dirty="0" smtClean="0"/>
+              <a:t>A</a:t>
+            </a:r>
+            <a:r>
+              <a:rPr lang="en-US" dirty="0" smtClean="0"/>
+              <a:t>lgorithm</a:t>
+            </a:r>
+            <a:endParaRPr lang="en-US" dirty="0"/>
+          </a:p>
+        </p:txBody>
+      </p:sp>
+      <p:sp>
+        <p:nvSpPr>
+          <p:cNvPr id="70" name="Rectangle: Rounded Corners 4"/>
+          <p:cNvSpPr/>
+          <p:nvPr/>
+        </p:nvSpPr>
+        <p:spPr>
+          <a:xfrm>
+            <a:off x="5447134" y="2709714"/>
+            <a:ext cx="1008112" cy="504056"/>
+          </a:xfrm>
+          <a:prstGeom prst="roundRect">
+            <a:avLst/>
+          </a:prstGeom>
+        </p:spPr>
+        <p:style>
+          <a:lnRef idx="2">
+            <a:schemeClr val="accent1">
+              <a:shade val="50000"/>
+            </a:schemeClr>
+          </a:lnRef>
+          <a:fillRef idx="1">
+            <a:schemeClr val="accent1"/>
+          </a:fillRef>
+          <a:effectRef idx="0">
+            <a:schemeClr val="accent1"/>
+          </a:effectRef>
+          <a:fontRef idx="minor">
+            <a:schemeClr val="lt1"/>
+          </a:fontRef>
+        </p:style>
+        <p:txBody>
+          <a:bodyPr rtlCol="0" anchor="ctr"/>
+          <a:lstStyle/>
+          <a:p>
+            <a:pPr algn="ctr"/>
+            <a:r>
+              <a:rPr lang="en-US" dirty="0" smtClean="0"/>
+              <a:t>Latent Feature</a:t>
+            </a:r>
+            <a:endParaRPr lang="en-US" dirty="0"/>
+          </a:p>
+        </p:txBody>
+      </p:sp>
+      <p:sp>
+        <p:nvSpPr>
+          <p:cNvPr id="73" name="Rectangle: Rounded Corners 4"/>
+          <p:cNvSpPr/>
+          <p:nvPr/>
+        </p:nvSpPr>
+        <p:spPr>
+          <a:xfrm>
+            <a:off x="6599262" y="2709714"/>
+            <a:ext cx="1440160" cy="504056"/>
+          </a:xfrm>
+          <a:prstGeom prst="roundRect">
+            <a:avLst/>
+          </a:prstGeom>
+        </p:spPr>
+        <p:style>
+          <a:lnRef idx="2">
+            <a:schemeClr val="accent1">
+              <a:shade val="50000"/>
+            </a:schemeClr>
+          </a:lnRef>
+          <a:fillRef idx="1">
+            <a:schemeClr val="accent1"/>
+          </a:fillRef>
+          <a:effectRef idx="0">
+            <a:schemeClr val="accent1"/>
+          </a:effectRef>
+          <a:fontRef idx="minor">
+            <a:schemeClr val="lt1"/>
+          </a:fontRef>
+        </p:style>
+        <p:txBody>
+          <a:bodyPr rtlCol="0" anchor="ctr"/>
+          <a:lstStyle/>
+          <a:p>
+            <a:pPr algn="ctr"/>
+            <a:r>
+              <a:rPr lang="en-US" dirty="0" smtClean="0"/>
+              <a:t>Matrix Factorization</a:t>
+            </a:r>
+            <a:endParaRPr lang="en-US" dirty="0"/>
           </a:p>
         </p:txBody>
       </p:sp>
@@ -6340,35 +7767,51 @@
           <a:p>
             <a:r>
               <a:rPr lang="en-IN" dirty="0" smtClean="0"/>
-              <a:t>Memory Based CF - </a:t>
-            </a:r>
+              <a:t>Memory Based CF</a:t>
+            </a:r>
+            <a:endParaRPr lang="en-IN" dirty="0"/>
+          </a:p>
+        </p:txBody>
+      </p:sp>
+      <p:sp>
+        <p:nvSpPr>
+          <p:cNvPr id="3" name="Content Placeholder 2"/>
+          <p:cNvSpPr>
+            <a:spLocks noGrp="1"/>
+          </p:cNvSpPr>
+          <p:nvPr>
+            <p:ph idx="1"/>
+          </p:nvPr>
+        </p:nvSpPr>
+        <p:spPr/>
+        <p:txBody>
+          <a:bodyPr/>
+          <a:lstStyle/>
+          <a:p>
             <a:r>
               <a:rPr lang="en-IN" dirty="0" smtClean="0"/>
-              <a:t>Similarity </a:t>
-            </a:r>
+              <a:t>User Based</a:t>
+            </a:r>
+          </a:p>
+          <a:p>
+            <a:pPr lvl="1"/>
+            <a:r>
+              <a:rPr lang="en-IN" dirty="0" smtClean="0">
+                <a:solidFill>
+                  <a:srgbClr val="FF0000"/>
+                </a:solidFill>
+              </a:rPr>
+              <a:t>Details</a:t>
+            </a:r>
+          </a:p>
+          <a:p>
             <a:r>
               <a:rPr lang="en-IN" dirty="0" smtClean="0"/>
-              <a:t>Metric</a:t>
-            </a:r>
-            <a:endParaRPr lang="en-IN" dirty="0"/>
-          </a:p>
-        </p:txBody>
-      </p:sp>
-      <p:sp>
-        <p:nvSpPr>
-          <p:cNvPr id="3" name="Content Placeholder 2"/>
-          <p:cNvSpPr>
-            <a:spLocks noGrp="1"/>
-          </p:cNvSpPr>
-          <p:nvPr>
-            <p:ph idx="1"/>
-          </p:nvPr>
-        </p:nvSpPr>
-        <p:spPr/>
-        <p:txBody>
-          <a:bodyPr/>
-          <a:lstStyle/>
-          <a:p>
+              <a:t>Item Based</a:t>
+            </a:r>
+          </a:p>
+          <a:p>
+            <a:pPr lvl="1"/>
             <a:r>
               <a:rPr lang="en-IN" dirty="0" smtClean="0">
                 <a:solidFill>
@@ -6427,7 +7870,15 @@
           <a:p>
             <a:r>
               <a:rPr lang="en-IN" dirty="0" smtClean="0"/>
-              <a:t>Memory Based CF – Aggregation Method</a:t>
+              <a:t>Memory Based CF - </a:t>
+            </a:r>
+            <a:r>
+              <a:rPr lang="en-IN" dirty="0" smtClean="0"/>
+              <a:t>Similarity </a:t>
+            </a:r>
+            <a:r>
+              <a:rPr lang="en-IN" dirty="0" smtClean="0"/>
+              <a:t>Metric</a:t>
             </a:r>
             <a:endParaRPr lang="en-IN" dirty="0"/>
           </a:p>
@@ -6506,7 +7957,7 @@
           <a:p>
             <a:r>
               <a:rPr lang="en-IN" dirty="0" smtClean="0"/>
-              <a:t>Model Based CF - SVD</a:t>
+              <a:t>Memory Based CF – Aggregation Method</a:t>
             </a:r>
             <a:endParaRPr lang="en-IN" dirty="0"/>
           </a:p>

--- a/summer_Basics of RS.pptx
+++ b/summer_Basics of RS.pptx
@@ -5,7 +5,7 @@
     <p:sldMasterId id="2147483792" r:id="rId1"/>
   </p:sldMasterIdLst>
   <p:notesMasterIdLst>
-    <p:notesMasterId r:id="rId23"/>
+    <p:notesMasterId r:id="rId24"/>
   </p:notesMasterIdLst>
   <p:sldIdLst>
     <p:sldId id="256" r:id="rId2"/>
@@ -20,15 +20,16 @@
     <p:sldId id="284" r:id="rId11"/>
     <p:sldId id="275" r:id="rId12"/>
     <p:sldId id="283" r:id="rId13"/>
-    <p:sldId id="285" r:id="rId14"/>
-    <p:sldId id="276" r:id="rId15"/>
-    <p:sldId id="277" r:id="rId16"/>
-    <p:sldId id="279" r:id="rId17"/>
-    <p:sldId id="287" r:id="rId18"/>
-    <p:sldId id="281" r:id="rId19"/>
-    <p:sldId id="278" r:id="rId20"/>
-    <p:sldId id="280" r:id="rId21"/>
-    <p:sldId id="267" r:id="rId22"/>
+    <p:sldId id="288" r:id="rId14"/>
+    <p:sldId id="285" r:id="rId15"/>
+    <p:sldId id="276" r:id="rId16"/>
+    <p:sldId id="277" r:id="rId17"/>
+    <p:sldId id="279" r:id="rId18"/>
+    <p:sldId id="287" r:id="rId19"/>
+    <p:sldId id="281" r:id="rId20"/>
+    <p:sldId id="278" r:id="rId21"/>
+    <p:sldId id="280" r:id="rId22"/>
+    <p:sldId id="267" r:id="rId23"/>
   </p:sldIdLst>
   <p:sldSz cx="12190413" cy="6859588"/>
   <p:notesSz cx="6858000" cy="9144000"/>
@@ -4654,47 +4655,38 @@
           <a:p>
             <a:r>
               <a:rPr lang="en-IN" dirty="0" smtClean="0"/>
-              <a:t>Collaborative Filtering</a:t>
+              <a:t>Group Recommendation</a:t>
             </a:r>
             <a:endParaRPr lang="en-IN" dirty="0"/>
           </a:p>
         </p:txBody>
       </p:sp>
-      <p:sp>
-        <p:nvSpPr>
-          <p:cNvPr id="3" name="Content Placeholder 2"/>
-          <p:cNvSpPr>
-            <a:spLocks noGrp="1"/>
-          </p:cNvSpPr>
-          <p:nvPr>
-            <p:ph idx="1"/>
-          </p:nvPr>
-        </p:nvSpPr>
-        <p:spPr/>
-        <p:txBody>
-          <a:bodyPr/>
-          <a:lstStyle/>
-          <a:p>
-            <a:r>
-              <a:rPr lang="en-IN" dirty="0" smtClean="0">
-                <a:solidFill>
-                  <a:srgbClr val="FF0000"/>
-                </a:solidFill>
-              </a:rPr>
-              <a:t>Drawbacks</a:t>
-            </a:r>
-          </a:p>
-          <a:p>
-            <a:r>
-              <a:rPr lang="en-IN" dirty="0" smtClean="0"/>
-              <a:t>Cold Start Problem</a:t>
-            </a:r>
-          </a:p>
-          <a:p>
-            <a:endParaRPr lang="en-IN" dirty="0"/>
-          </a:p>
-        </p:txBody>
-      </p:sp>
+      <p:pic>
+        <p:nvPicPr>
+          <p:cNvPr id="3074" name="Picture 2" descr="D:\Final Year Project\summer\ppt\group.JPG"/>
+          <p:cNvPicPr>
+            <a:picLocks noChangeAspect="1" noChangeArrowheads="1"/>
+          </p:cNvPicPr>
+          <p:nvPr/>
+        </p:nvPicPr>
+        <p:blipFill>
+          <a:blip r:embed="rId2" cstate="print"/>
+          <a:srcRect/>
+          <a:stretch>
+            <a:fillRect/>
+          </a:stretch>
+        </p:blipFill>
+        <p:spPr bwMode="auto">
+          <a:xfrm>
+            <a:off x="1414686" y="1674292"/>
+            <a:ext cx="9434258" cy="4779838"/>
+          </a:xfrm>
+          <a:prstGeom prst="rect">
+            <a:avLst/>
+          </a:prstGeom>
+          <a:noFill/>
+        </p:spPr>
+      </p:pic>
     </p:spTree>
   </p:cSld>
   <p:clrMapOvr>
@@ -4737,7 +4729,7 @@
           <a:p>
             <a:r>
               <a:rPr lang="en-IN" dirty="0" smtClean="0"/>
-              <a:t>Demographic Filtering</a:t>
+              <a:t>Collaborative Filtering</a:t>
             </a:r>
             <a:endParaRPr lang="en-IN" dirty="0"/>
           </a:p>
@@ -4764,13 +4756,17 @@
                   <a:srgbClr val="FF0000"/>
                 </a:solidFill>
               </a:rPr>
-              <a:t>Details</a:t>
-            </a:r>
-            <a:endParaRPr lang="en-IN" dirty="0">
-              <a:solidFill>
-                <a:srgbClr val="FF0000"/>
-              </a:solidFill>
-            </a:endParaRPr>
+              <a:t>Drawbacks</a:t>
+            </a:r>
+          </a:p>
+          <a:p>
+            <a:r>
+              <a:rPr lang="en-IN" dirty="0" smtClean="0"/>
+              <a:t>Cold Start Problem</a:t>
+            </a:r>
+          </a:p>
+          <a:p>
+            <a:endParaRPr lang="en-IN" dirty="0"/>
           </a:p>
         </p:txBody>
       </p:sp>
@@ -4816,7 +4812,7 @@
           <a:p>
             <a:r>
               <a:rPr lang="en-IN" dirty="0" smtClean="0"/>
-              <a:t>Hybrid Filtering</a:t>
+              <a:t>Demographic Filtering</a:t>
             </a:r>
             <a:endParaRPr lang="en-IN" dirty="0"/>
           </a:p>
@@ -4895,7 +4891,7 @@
           <a:p>
             <a:r>
               <a:rPr lang="en-IN" dirty="0" smtClean="0"/>
-              <a:t>Evaluation</a:t>
+              <a:t>Hybrid Filtering</a:t>
             </a:r>
             <a:endParaRPr lang="en-IN" dirty="0"/>
           </a:p>
@@ -4917,321 +4913,17 @@
           <a:lstStyle/>
           <a:p>
             <a:r>
-              <a:rPr lang="en-IN" b="1" dirty="0" smtClean="0"/>
-              <a:t>Prediction</a:t>
-            </a:r>
-            <a:r>
-              <a:rPr lang="en-IN" dirty="0" smtClean="0"/>
-              <a:t> Evaluation</a:t>
-            </a:r>
-          </a:p>
-          <a:p>
-            <a:pPr lvl="1"/>
-            <a:r>
-              <a:rPr lang="en-IN" dirty="0" smtClean="0"/>
-              <a:t>Metric - MAE, RMSE, Coverage</a:t>
-            </a:r>
-          </a:p>
-          <a:p>
-            <a:r>
-              <a:rPr lang="en-IN" dirty="0" smtClean="0"/>
-              <a:t>Evaluation of </a:t>
-            </a:r>
-            <a:r>
-              <a:rPr lang="en-IN" b="1" dirty="0" smtClean="0"/>
-              <a:t>set</a:t>
-            </a:r>
-            <a:r>
-              <a:rPr lang="en-IN" dirty="0" smtClean="0"/>
-              <a:t> of recommended items</a:t>
-            </a:r>
-          </a:p>
-          <a:p>
-            <a:pPr lvl="1"/>
-            <a:r>
-              <a:rPr lang="en-IN" dirty="0" smtClean="0"/>
-              <a:t>Metric – Precision, Recall, F1</a:t>
-            </a:r>
-          </a:p>
-          <a:p>
-            <a:r>
-              <a:rPr lang="en-IN" dirty="0" smtClean="0"/>
-              <a:t>Evaluation of </a:t>
-            </a:r>
-            <a:r>
-              <a:rPr lang="en-IN" b="1" dirty="0" smtClean="0"/>
-              <a:t>ranked</a:t>
-            </a:r>
-            <a:r>
-              <a:rPr lang="en-IN" dirty="0" smtClean="0"/>
-              <a:t> recommended items</a:t>
-            </a:r>
-          </a:p>
-          <a:p>
-            <a:pPr lvl="1"/>
-            <a:r>
-              <a:rPr lang="en-IN" dirty="0" smtClean="0"/>
-              <a:t>Metric – Half life, discounted cumulative gain</a:t>
-            </a:r>
-          </a:p>
-          <a:p>
-            <a:endParaRPr lang="en-IN" dirty="0"/>
-          </a:p>
-        </p:txBody>
-      </p:sp>
-      <p:sp>
-        <p:nvSpPr>
-          <p:cNvPr id="4" name="Content Placeholder 2"/>
-          <p:cNvSpPr txBox="1">
-            <a:spLocks/>
-          </p:cNvSpPr>
-          <p:nvPr/>
-        </p:nvSpPr>
-        <p:spPr>
-          <a:xfrm>
-            <a:off x="8543478" y="1125538"/>
-            <a:ext cx="2889236" cy="3117024"/>
-          </a:xfrm>
-          <a:prstGeom prst="rect">
-            <a:avLst/>
-          </a:prstGeom>
-        </p:spPr>
-        <p:style>
-          <a:lnRef idx="2">
-            <a:schemeClr val="dk1"/>
-          </a:lnRef>
-          <a:fillRef idx="1">
-            <a:schemeClr val="lt1"/>
-          </a:fillRef>
-          <a:effectRef idx="0">
-            <a:schemeClr val="dk1"/>
-          </a:effectRef>
-          <a:fontRef idx="minor">
-            <a:schemeClr val="dk1"/>
-          </a:fontRef>
-        </p:style>
-        <p:txBody>
-          <a:bodyPr vert="horz" lIns="91440" tIns="45720" rIns="91440" bIns="45720" rtlCol="0">
-            <a:normAutofit/>
-          </a:bodyPr>
-          <a:lstStyle/>
-          <a:p>
-            <a:pPr marL="228577" marR="0" lvl="0" indent="-228577" algn="l" defTabSz="914309" rtl="0" eaLnBrk="1" fontAlgn="auto" latinLnBrk="0" hangingPunct="1">
-              <a:lnSpc>
-                <a:spcPct val="90000"/>
-              </a:lnSpc>
-              <a:spcBef>
-                <a:spcPts val="1000"/>
-              </a:spcBef>
-              <a:spcAft>
-                <a:spcPts val="0"/>
-              </a:spcAft>
-              <a:buClrTx/>
-              <a:buSzTx/>
-              <a:tabLst/>
-              <a:defRPr/>
-            </a:pPr>
-            <a:r>
-              <a:rPr kumimoji="0" lang="en-IN" sz="2800" b="0" i="0" u="none" strike="noStrike" kern="1200" cap="none" spc="0" normalizeH="0" baseline="0" noProof="0" dirty="0" smtClean="0">
-                <a:ln>
-                  <a:noFill/>
-                </a:ln>
+              <a:rPr lang="en-IN" dirty="0" smtClean="0">
                 <a:solidFill>
-                  <a:schemeClr val="tx1"/>
-                </a:solidFill>
-                <a:effectLst/>
-                <a:uLnTx/>
-                <a:uFillTx/>
-                <a:latin typeface="+mn-lt"/>
-                <a:ea typeface="+mn-ea"/>
-                <a:cs typeface="+mn-cs"/>
-              </a:rPr>
-              <a:t>Desired Properties</a:t>
-            </a:r>
-          </a:p>
-          <a:p>
-            <a:pPr marL="228577" marR="0" lvl="0" indent="-228577" algn="l" defTabSz="914309" rtl="0" eaLnBrk="1" fontAlgn="auto" latinLnBrk="0" hangingPunct="1">
-              <a:lnSpc>
-                <a:spcPct val="90000"/>
-              </a:lnSpc>
-              <a:spcBef>
-                <a:spcPts val="1000"/>
-              </a:spcBef>
-              <a:spcAft>
-                <a:spcPts val="0"/>
-              </a:spcAft>
-              <a:buClrTx/>
-              <a:buSzTx/>
-              <a:buFont typeface="Arial" panose="020B0604020202020204" pitchFamily="34" charset="0"/>
-              <a:buChar char="•"/>
-              <a:tabLst/>
-              <a:defRPr/>
-            </a:pPr>
-            <a:r>
-              <a:rPr kumimoji="0" lang="en-IN" sz="2800" b="0" i="0" u="none" strike="noStrike" kern="1200" cap="none" spc="0" normalizeH="0" baseline="0" noProof="0" dirty="0" smtClean="0">
-                <a:ln>
-                  <a:noFill/>
-                </a:ln>
-                <a:solidFill>
-                  <a:schemeClr val="tx1"/>
-                </a:solidFill>
-                <a:effectLst/>
-                <a:uLnTx/>
-                <a:uFillTx/>
-                <a:latin typeface="+mn-lt"/>
-                <a:ea typeface="+mn-ea"/>
-                <a:cs typeface="+mn-cs"/>
-              </a:rPr>
-              <a:t>Accuracy</a:t>
-            </a:r>
-          </a:p>
-          <a:p>
-            <a:pPr marL="228577" marR="0" lvl="0" indent="-228577" algn="l" defTabSz="914309" rtl="0" eaLnBrk="1" fontAlgn="auto" latinLnBrk="0" hangingPunct="1">
-              <a:lnSpc>
-                <a:spcPct val="90000"/>
-              </a:lnSpc>
-              <a:spcBef>
-                <a:spcPts val="1000"/>
-              </a:spcBef>
-              <a:spcAft>
-                <a:spcPts val="0"/>
-              </a:spcAft>
-              <a:buClrTx/>
-              <a:buSzTx/>
-              <a:buFont typeface="Arial" panose="020B0604020202020204" pitchFamily="34" charset="0"/>
-              <a:buChar char="•"/>
-              <a:tabLst/>
-              <a:defRPr/>
-            </a:pPr>
-            <a:r>
-              <a:rPr kumimoji="0" lang="en-IN" sz="2800" b="0" i="0" u="none" strike="noStrike" kern="1200" cap="none" spc="0" normalizeH="0" baseline="0" noProof="0" dirty="0" smtClean="0">
-                <a:ln>
-                  <a:noFill/>
-                </a:ln>
-                <a:solidFill>
-                  <a:schemeClr val="tx1"/>
-                </a:solidFill>
-                <a:effectLst/>
-                <a:uLnTx/>
-                <a:uFillTx/>
-                <a:latin typeface="+mn-lt"/>
-                <a:ea typeface="+mn-ea"/>
-                <a:cs typeface="+mn-cs"/>
-              </a:rPr>
-              <a:t>Novelty</a:t>
-            </a:r>
-          </a:p>
-          <a:p>
-            <a:pPr marL="228577" marR="0" lvl="0" indent="-228577" algn="l" defTabSz="914309" rtl="0" eaLnBrk="1" fontAlgn="auto" latinLnBrk="0" hangingPunct="1">
-              <a:lnSpc>
-                <a:spcPct val="90000"/>
-              </a:lnSpc>
-              <a:spcBef>
-                <a:spcPts val="1000"/>
-              </a:spcBef>
-              <a:spcAft>
-                <a:spcPts val="0"/>
-              </a:spcAft>
-              <a:buClrTx/>
-              <a:buSzTx/>
-              <a:buFont typeface="Arial" panose="020B0604020202020204" pitchFamily="34" charset="0"/>
-              <a:buChar char="•"/>
-              <a:tabLst/>
-              <a:defRPr/>
-            </a:pPr>
-            <a:r>
-              <a:rPr kumimoji="0" lang="en-IN" sz="2800" b="0" i="0" u="none" strike="noStrike" kern="1200" cap="none" spc="0" normalizeH="0" baseline="0" noProof="0" dirty="0" smtClean="0">
-                <a:ln>
-                  <a:noFill/>
-                </a:ln>
-                <a:solidFill>
-                  <a:schemeClr val="tx1"/>
-                </a:solidFill>
-                <a:effectLst/>
-                <a:uLnTx/>
-                <a:uFillTx/>
-                <a:latin typeface="+mn-lt"/>
-                <a:ea typeface="+mn-ea"/>
-                <a:cs typeface="+mn-cs"/>
-              </a:rPr>
-              <a:t>Diversity</a:t>
-            </a:r>
-          </a:p>
-          <a:p>
-            <a:pPr marL="228577" marR="0" lvl="0" indent="-228577" algn="l" defTabSz="914309" rtl="0" eaLnBrk="1" fontAlgn="auto" latinLnBrk="0" hangingPunct="1">
-              <a:lnSpc>
-                <a:spcPct val="90000"/>
-              </a:lnSpc>
-              <a:spcBef>
-                <a:spcPts val="1000"/>
-              </a:spcBef>
-              <a:spcAft>
-                <a:spcPts val="0"/>
-              </a:spcAft>
-              <a:buClrTx/>
-              <a:buSzTx/>
-              <a:buFont typeface="Arial" panose="020B0604020202020204" pitchFamily="34" charset="0"/>
-              <a:buChar char="•"/>
-              <a:tabLst/>
-              <a:defRPr/>
-            </a:pPr>
-            <a:r>
-              <a:rPr kumimoji="0" lang="en-IN" sz="2800" b="0" i="0" u="none" strike="noStrike" kern="1200" cap="none" spc="0" normalizeH="0" baseline="0" noProof="0" dirty="0" smtClean="0">
-                <a:ln>
-                  <a:noFill/>
-                </a:ln>
-                <a:solidFill>
-                  <a:schemeClr val="tx1"/>
-                </a:solidFill>
-                <a:effectLst/>
-                <a:uLnTx/>
-                <a:uFillTx/>
-                <a:latin typeface="+mn-lt"/>
-                <a:ea typeface="+mn-ea"/>
-                <a:cs typeface="+mn-cs"/>
-              </a:rPr>
-              <a:t>Stability</a:t>
-            </a:r>
-          </a:p>
-          <a:p>
-            <a:pPr marL="228577" marR="0" lvl="0" indent="-228577" algn="l" defTabSz="914309" rtl="0" eaLnBrk="1" fontAlgn="auto" latinLnBrk="0" hangingPunct="1">
-              <a:lnSpc>
-                <a:spcPct val="90000"/>
-              </a:lnSpc>
-              <a:spcBef>
-                <a:spcPts val="1000"/>
-              </a:spcBef>
-              <a:spcAft>
-                <a:spcPts val="0"/>
-              </a:spcAft>
-              <a:buClrTx/>
-              <a:buSzTx/>
-              <a:buFont typeface="Arial" panose="020B0604020202020204" pitchFamily="34" charset="0"/>
-              <a:buChar char="•"/>
-              <a:tabLst/>
-              <a:defRPr/>
-            </a:pPr>
-            <a:r>
-              <a:rPr lang="en-IN" sz="2800" dirty="0" smtClean="0">
-                <a:solidFill>
-                  <a:schemeClr val="tx1"/>
+                  <a:srgbClr val="FF0000"/>
                 </a:solidFill>
               </a:rPr>
-              <a:t>Reliability</a:t>
-            </a:r>
-            <a:endParaRPr kumimoji="0" lang="en-IN" sz="2800" b="0" i="0" u="none" strike="noStrike" kern="1200" cap="none" spc="0" normalizeH="0" baseline="0" noProof="0" dirty="0" smtClean="0">
-              <a:ln>
-                <a:noFill/>
-              </a:ln>
+              <a:t>Details</a:t>
+            </a:r>
+            <a:endParaRPr lang="en-IN" dirty="0">
               <a:solidFill>
-                <a:schemeClr val="tx1"/>
+                <a:srgbClr val="FF0000"/>
               </a:solidFill>
-              <a:effectLst/>
-              <a:uLnTx/>
-              <a:uFillTx/>
-              <a:latin typeface="+mn-lt"/>
-              <a:ea typeface="+mn-ea"/>
-              <a:cs typeface="+mn-cs"/>
             </a:endParaRPr>
           </a:p>
         </p:txBody>
@@ -5278,7 +4970,7 @@
           <a:p>
             <a:r>
               <a:rPr lang="en-IN" dirty="0" smtClean="0"/>
-              <a:t>Evaluation formulas</a:t>
+              <a:t>Evaluation</a:t>
             </a:r>
             <a:endParaRPr lang="en-IN" dirty="0"/>
           </a:p>
@@ -5300,17 +4992,321 @@
           <a:lstStyle/>
           <a:p>
             <a:r>
-              <a:rPr lang="en-IN" dirty="0" smtClean="0">
+              <a:rPr lang="en-IN" b="1" dirty="0" smtClean="0"/>
+              <a:t>Prediction</a:t>
+            </a:r>
+            <a:r>
+              <a:rPr lang="en-IN" dirty="0" smtClean="0"/>
+              <a:t> Evaluation</a:t>
+            </a:r>
+          </a:p>
+          <a:p>
+            <a:pPr lvl="1"/>
+            <a:r>
+              <a:rPr lang="en-IN" dirty="0" smtClean="0"/>
+              <a:t>Metric - MAE, RMSE, Coverage</a:t>
+            </a:r>
+          </a:p>
+          <a:p>
+            <a:r>
+              <a:rPr lang="en-IN" dirty="0" smtClean="0"/>
+              <a:t>Evaluation of </a:t>
+            </a:r>
+            <a:r>
+              <a:rPr lang="en-IN" b="1" dirty="0" smtClean="0"/>
+              <a:t>set</a:t>
+            </a:r>
+            <a:r>
+              <a:rPr lang="en-IN" dirty="0" smtClean="0"/>
+              <a:t> of recommended items</a:t>
+            </a:r>
+          </a:p>
+          <a:p>
+            <a:pPr lvl="1"/>
+            <a:r>
+              <a:rPr lang="en-IN" dirty="0" smtClean="0"/>
+              <a:t>Metric – Precision, Recall, F1</a:t>
+            </a:r>
+          </a:p>
+          <a:p>
+            <a:r>
+              <a:rPr lang="en-IN" dirty="0" smtClean="0"/>
+              <a:t>Evaluation of </a:t>
+            </a:r>
+            <a:r>
+              <a:rPr lang="en-IN" b="1" dirty="0" smtClean="0"/>
+              <a:t>ranked</a:t>
+            </a:r>
+            <a:r>
+              <a:rPr lang="en-IN" dirty="0" smtClean="0"/>
+              <a:t> recommended items</a:t>
+            </a:r>
+          </a:p>
+          <a:p>
+            <a:pPr lvl="1"/>
+            <a:r>
+              <a:rPr lang="en-IN" dirty="0" smtClean="0"/>
+              <a:t>Metric – Half life, discounted cumulative gain</a:t>
+            </a:r>
+          </a:p>
+          <a:p>
+            <a:endParaRPr lang="en-IN" dirty="0"/>
+          </a:p>
+        </p:txBody>
+      </p:sp>
+      <p:sp>
+        <p:nvSpPr>
+          <p:cNvPr id="4" name="Content Placeholder 2"/>
+          <p:cNvSpPr txBox="1">
+            <a:spLocks/>
+          </p:cNvSpPr>
+          <p:nvPr/>
+        </p:nvSpPr>
+        <p:spPr>
+          <a:xfrm>
+            <a:off x="8543478" y="1125538"/>
+            <a:ext cx="2889236" cy="3117024"/>
+          </a:xfrm>
+          <a:prstGeom prst="rect">
+            <a:avLst/>
+          </a:prstGeom>
+        </p:spPr>
+        <p:style>
+          <a:lnRef idx="2">
+            <a:schemeClr val="dk1"/>
+          </a:lnRef>
+          <a:fillRef idx="1">
+            <a:schemeClr val="lt1"/>
+          </a:fillRef>
+          <a:effectRef idx="0">
+            <a:schemeClr val="dk1"/>
+          </a:effectRef>
+          <a:fontRef idx="minor">
+            <a:schemeClr val="dk1"/>
+          </a:fontRef>
+        </p:style>
+        <p:txBody>
+          <a:bodyPr vert="horz" lIns="91440" tIns="45720" rIns="91440" bIns="45720" rtlCol="0">
+            <a:normAutofit/>
+          </a:bodyPr>
+          <a:lstStyle/>
+          <a:p>
+            <a:pPr marL="228577" marR="0" lvl="0" indent="-228577" algn="l" defTabSz="914309" rtl="0" eaLnBrk="1" fontAlgn="auto" latinLnBrk="0" hangingPunct="1">
+              <a:lnSpc>
+                <a:spcPct val="90000"/>
+              </a:lnSpc>
+              <a:spcBef>
+                <a:spcPts val="1000"/>
+              </a:spcBef>
+              <a:spcAft>
+                <a:spcPts val="0"/>
+              </a:spcAft>
+              <a:buClrTx/>
+              <a:buSzTx/>
+              <a:tabLst/>
+              <a:defRPr/>
+            </a:pPr>
+            <a:r>
+              <a:rPr kumimoji="0" lang="en-IN" sz="2800" b="0" i="0" u="none" strike="noStrike" kern="1200" cap="none" spc="0" normalizeH="0" baseline="0" noProof="0" dirty="0" smtClean="0">
+                <a:ln>
+                  <a:noFill/>
+                </a:ln>
                 <a:solidFill>
-                  <a:srgbClr val="FF0000"/>
+                  <a:schemeClr val="tx1"/>
+                </a:solidFill>
+                <a:effectLst/>
+                <a:uLnTx/>
+                <a:uFillTx/>
+                <a:latin typeface="+mn-lt"/>
+                <a:ea typeface="+mn-ea"/>
+                <a:cs typeface="+mn-cs"/>
+              </a:rPr>
+              <a:t>Desired Properties</a:t>
+            </a:r>
+          </a:p>
+          <a:p>
+            <a:pPr marL="228577" marR="0" lvl="0" indent="-228577" algn="l" defTabSz="914309" rtl="0" eaLnBrk="1" fontAlgn="auto" latinLnBrk="0" hangingPunct="1">
+              <a:lnSpc>
+                <a:spcPct val="90000"/>
+              </a:lnSpc>
+              <a:spcBef>
+                <a:spcPts val="1000"/>
+              </a:spcBef>
+              <a:spcAft>
+                <a:spcPts val="0"/>
+              </a:spcAft>
+              <a:buClrTx/>
+              <a:buSzTx/>
+              <a:buFont typeface="Arial" panose="020B0604020202020204" pitchFamily="34" charset="0"/>
+              <a:buChar char="•"/>
+              <a:tabLst/>
+              <a:defRPr/>
+            </a:pPr>
+            <a:r>
+              <a:rPr kumimoji="0" lang="en-IN" sz="2800" b="0" i="0" u="none" strike="noStrike" kern="1200" cap="none" spc="0" normalizeH="0" baseline="0" noProof="0" dirty="0" smtClean="0">
+                <a:ln>
+                  <a:noFill/>
+                </a:ln>
+                <a:solidFill>
+                  <a:schemeClr val="tx1"/>
+                </a:solidFill>
+                <a:effectLst/>
+                <a:uLnTx/>
+                <a:uFillTx/>
+                <a:latin typeface="+mn-lt"/>
+                <a:ea typeface="+mn-ea"/>
+                <a:cs typeface="+mn-cs"/>
+              </a:rPr>
+              <a:t>Accuracy</a:t>
+            </a:r>
+          </a:p>
+          <a:p>
+            <a:pPr marL="228577" marR="0" lvl="0" indent="-228577" algn="l" defTabSz="914309" rtl="0" eaLnBrk="1" fontAlgn="auto" latinLnBrk="0" hangingPunct="1">
+              <a:lnSpc>
+                <a:spcPct val="90000"/>
+              </a:lnSpc>
+              <a:spcBef>
+                <a:spcPts val="1000"/>
+              </a:spcBef>
+              <a:spcAft>
+                <a:spcPts val="0"/>
+              </a:spcAft>
+              <a:buClrTx/>
+              <a:buSzTx/>
+              <a:buFont typeface="Arial" panose="020B0604020202020204" pitchFamily="34" charset="0"/>
+              <a:buChar char="•"/>
+              <a:tabLst/>
+              <a:defRPr/>
+            </a:pPr>
+            <a:r>
+              <a:rPr kumimoji="0" lang="en-IN" sz="2800" b="0" i="0" u="none" strike="noStrike" kern="1200" cap="none" spc="0" normalizeH="0" baseline="0" noProof="0" dirty="0" smtClean="0">
+                <a:ln>
+                  <a:noFill/>
+                </a:ln>
+                <a:solidFill>
+                  <a:schemeClr val="tx1"/>
+                </a:solidFill>
+                <a:effectLst/>
+                <a:uLnTx/>
+                <a:uFillTx/>
+                <a:latin typeface="+mn-lt"/>
+                <a:ea typeface="+mn-ea"/>
+                <a:cs typeface="+mn-cs"/>
+              </a:rPr>
+              <a:t>Novelty</a:t>
+            </a:r>
+          </a:p>
+          <a:p>
+            <a:pPr marL="228577" marR="0" lvl="0" indent="-228577" algn="l" defTabSz="914309" rtl="0" eaLnBrk="1" fontAlgn="auto" latinLnBrk="0" hangingPunct="1">
+              <a:lnSpc>
+                <a:spcPct val="90000"/>
+              </a:lnSpc>
+              <a:spcBef>
+                <a:spcPts val="1000"/>
+              </a:spcBef>
+              <a:spcAft>
+                <a:spcPts val="0"/>
+              </a:spcAft>
+              <a:buClrTx/>
+              <a:buSzTx/>
+              <a:buFont typeface="Arial" panose="020B0604020202020204" pitchFamily="34" charset="0"/>
+              <a:buChar char="•"/>
+              <a:tabLst/>
+              <a:defRPr/>
+            </a:pPr>
+            <a:r>
+              <a:rPr kumimoji="0" lang="en-IN" sz="2800" b="0" i="0" u="none" strike="noStrike" kern="1200" cap="none" spc="0" normalizeH="0" baseline="0" noProof="0" dirty="0" smtClean="0">
+                <a:ln>
+                  <a:noFill/>
+                </a:ln>
+                <a:solidFill>
+                  <a:schemeClr val="tx1"/>
+                </a:solidFill>
+                <a:effectLst/>
+                <a:uLnTx/>
+                <a:uFillTx/>
+                <a:latin typeface="+mn-lt"/>
+                <a:ea typeface="+mn-ea"/>
+                <a:cs typeface="+mn-cs"/>
+              </a:rPr>
+              <a:t>Diversity</a:t>
+            </a:r>
+          </a:p>
+          <a:p>
+            <a:pPr marL="228577" marR="0" lvl="0" indent="-228577" algn="l" defTabSz="914309" rtl="0" eaLnBrk="1" fontAlgn="auto" latinLnBrk="0" hangingPunct="1">
+              <a:lnSpc>
+                <a:spcPct val="90000"/>
+              </a:lnSpc>
+              <a:spcBef>
+                <a:spcPts val="1000"/>
+              </a:spcBef>
+              <a:spcAft>
+                <a:spcPts val="0"/>
+              </a:spcAft>
+              <a:buClrTx/>
+              <a:buSzTx/>
+              <a:buFont typeface="Arial" panose="020B0604020202020204" pitchFamily="34" charset="0"/>
+              <a:buChar char="•"/>
+              <a:tabLst/>
+              <a:defRPr/>
+            </a:pPr>
+            <a:r>
+              <a:rPr kumimoji="0" lang="en-IN" sz="2800" b="0" i="0" u="none" strike="noStrike" kern="1200" cap="none" spc="0" normalizeH="0" baseline="0" noProof="0" dirty="0" smtClean="0">
+                <a:ln>
+                  <a:noFill/>
+                </a:ln>
+                <a:solidFill>
+                  <a:schemeClr val="tx1"/>
+                </a:solidFill>
+                <a:effectLst/>
+                <a:uLnTx/>
+                <a:uFillTx/>
+                <a:latin typeface="+mn-lt"/>
+                <a:ea typeface="+mn-ea"/>
+                <a:cs typeface="+mn-cs"/>
+              </a:rPr>
+              <a:t>Stability</a:t>
+            </a:r>
+          </a:p>
+          <a:p>
+            <a:pPr marL="228577" marR="0" lvl="0" indent="-228577" algn="l" defTabSz="914309" rtl="0" eaLnBrk="1" fontAlgn="auto" latinLnBrk="0" hangingPunct="1">
+              <a:lnSpc>
+                <a:spcPct val="90000"/>
+              </a:lnSpc>
+              <a:spcBef>
+                <a:spcPts val="1000"/>
+              </a:spcBef>
+              <a:spcAft>
+                <a:spcPts val="0"/>
+              </a:spcAft>
+              <a:buClrTx/>
+              <a:buSzTx/>
+              <a:buFont typeface="Arial" panose="020B0604020202020204" pitchFamily="34" charset="0"/>
+              <a:buChar char="•"/>
+              <a:tabLst/>
+              <a:defRPr/>
+            </a:pPr>
+            <a:r>
+              <a:rPr lang="en-IN" sz="2800" dirty="0" smtClean="0">
+                <a:solidFill>
+                  <a:schemeClr val="tx1"/>
                 </a:solidFill>
               </a:rPr>
-              <a:t>ADD PICS</a:t>
-            </a:r>
-            <a:endParaRPr lang="en-IN" dirty="0">
+              <a:t>Reliability</a:t>
+            </a:r>
+            <a:endParaRPr kumimoji="0" lang="en-IN" sz="2800" b="0" i="0" u="none" strike="noStrike" kern="1200" cap="none" spc="0" normalizeH="0" baseline="0" noProof="0" dirty="0" smtClean="0">
+              <a:ln>
+                <a:noFill/>
+              </a:ln>
               <a:solidFill>
-                <a:srgbClr val="FF0000"/>
+                <a:schemeClr val="tx1"/>
               </a:solidFill>
+              <a:effectLst/>
+              <a:uLnTx/>
+              <a:uFillTx/>
+              <a:latin typeface="+mn-lt"/>
+              <a:ea typeface="+mn-ea"/>
+              <a:cs typeface="+mn-cs"/>
             </a:endParaRPr>
           </a:p>
         </p:txBody>
@@ -5357,7 +5353,7 @@
           <a:p>
             <a:r>
               <a:rPr lang="en-IN" dirty="0" smtClean="0"/>
-              <a:t>Streaming RS</a:t>
+              <a:t>Evaluation formulas</a:t>
             </a:r>
             <a:endParaRPr lang="en-IN" dirty="0"/>
           </a:p>
@@ -5384,7 +5380,7 @@
                   <a:srgbClr val="FF0000"/>
                 </a:solidFill>
               </a:rPr>
-              <a:t>Details</a:t>
+              <a:t>ADD PICS</a:t>
             </a:r>
             <a:endParaRPr lang="en-IN" dirty="0">
               <a:solidFill>
@@ -5435,196 +5431,41 @@
           <a:lstStyle/>
           <a:p>
             <a:r>
+              <a:rPr lang="en-IN" dirty="0" smtClean="0"/>
+              <a:t>Streaming RS</a:t>
+            </a:r>
+            <a:endParaRPr lang="en-IN" dirty="0"/>
+          </a:p>
+        </p:txBody>
+      </p:sp>
+      <p:sp>
+        <p:nvSpPr>
+          <p:cNvPr id="3" name="Content Placeholder 2"/>
+          <p:cNvSpPr>
+            <a:spLocks noGrp="1"/>
+          </p:cNvSpPr>
+          <p:nvPr>
+            <p:ph idx="1"/>
+          </p:nvPr>
+        </p:nvSpPr>
+        <p:spPr/>
+        <p:txBody>
+          <a:bodyPr/>
+          <a:lstStyle/>
+          <a:p>
+            <a:r>
               <a:rPr lang="en-IN" dirty="0" smtClean="0">
                 <a:solidFill>
                   <a:srgbClr val="FF0000"/>
                 </a:solidFill>
               </a:rPr>
-              <a:t>Topics to cover</a:t>
+              <a:t>Details</a:t>
             </a:r>
             <a:endParaRPr lang="en-IN" dirty="0">
               <a:solidFill>
                 <a:srgbClr val="FF0000"/>
               </a:solidFill>
             </a:endParaRPr>
-          </a:p>
-        </p:txBody>
-      </p:sp>
-      <p:sp>
-        <p:nvSpPr>
-          <p:cNvPr id="3" name="Content Placeholder 2"/>
-          <p:cNvSpPr>
-            <a:spLocks noGrp="1"/>
-          </p:cNvSpPr>
-          <p:nvPr>
-            <p:ph idx="1"/>
-          </p:nvPr>
-        </p:nvSpPr>
-        <p:spPr/>
-        <p:txBody>
-          <a:bodyPr/>
-          <a:lstStyle/>
-          <a:p>
-            <a:r>
-              <a:rPr lang="en-IN" dirty="0" smtClean="0">
-                <a:solidFill>
-                  <a:srgbClr val="FF0000"/>
-                </a:solidFill>
-              </a:rPr>
-              <a:t>Group</a:t>
-            </a:r>
-          </a:p>
-          <a:p>
-            <a:r>
-              <a:rPr lang="en-IN" dirty="0" smtClean="0">
-                <a:solidFill>
-                  <a:srgbClr val="FF0000"/>
-                </a:solidFill>
-              </a:rPr>
-              <a:t>Graph</a:t>
-            </a:r>
-          </a:p>
-          <a:p>
-            <a:r>
-              <a:rPr lang="en-IN" dirty="0" smtClean="0">
-                <a:solidFill>
-                  <a:srgbClr val="FF0000"/>
-                </a:solidFill>
-              </a:rPr>
-              <a:t>Implicit Feedback</a:t>
-            </a:r>
-          </a:p>
-          <a:p>
-            <a:r>
-              <a:rPr lang="en-IN" dirty="0" smtClean="0">
-                <a:solidFill>
-                  <a:srgbClr val="FF0000"/>
-                </a:solidFill>
-              </a:rPr>
-              <a:t>Data </a:t>
-            </a:r>
-            <a:r>
-              <a:rPr lang="en-IN" dirty="0" err="1" smtClean="0">
-                <a:solidFill>
-                  <a:srgbClr val="FF0000"/>
-                </a:solidFill>
-              </a:rPr>
-              <a:t>Sparsity</a:t>
-            </a:r>
-            <a:endParaRPr lang="en-IN" dirty="0" smtClean="0">
-              <a:solidFill>
-                <a:srgbClr val="FF0000"/>
-              </a:solidFill>
-            </a:endParaRPr>
-          </a:p>
-          <a:p>
-            <a:r>
-              <a:rPr lang="en-IN" dirty="0" smtClean="0">
-                <a:solidFill>
-                  <a:srgbClr val="FF0000"/>
-                </a:solidFill>
-              </a:rPr>
-              <a:t>Cold Start Problem</a:t>
-            </a:r>
-          </a:p>
-          <a:p>
-            <a:r>
-              <a:rPr lang="en-IN" dirty="0" smtClean="0">
-                <a:solidFill>
-                  <a:srgbClr val="FF0000"/>
-                </a:solidFill>
-              </a:rPr>
-              <a:t>Scalability</a:t>
-            </a:r>
-          </a:p>
-          <a:p>
-            <a:r>
-              <a:rPr lang="en-IN" dirty="0" smtClean="0">
-                <a:solidFill>
-                  <a:srgbClr val="FF0000"/>
-                </a:solidFill>
-              </a:rPr>
-              <a:t>Normalization</a:t>
-            </a:r>
-          </a:p>
-          <a:p>
-            <a:r>
-              <a:rPr lang="en-IN" dirty="0" smtClean="0">
-                <a:solidFill>
-                  <a:srgbClr val="FF0000"/>
-                </a:solidFill>
-              </a:rPr>
-              <a:t>Bias</a:t>
-            </a:r>
-          </a:p>
-        </p:txBody>
-      </p:sp>
-      <p:sp>
-        <p:nvSpPr>
-          <p:cNvPr id="4" name="TextBox 3"/>
-          <p:cNvSpPr txBox="1"/>
-          <p:nvPr/>
-        </p:nvSpPr>
-        <p:spPr>
-          <a:xfrm>
-            <a:off x="7103318" y="1701602"/>
-            <a:ext cx="2644250" cy="1938992"/>
-          </a:xfrm>
-          <a:prstGeom prst="rect">
-            <a:avLst/>
-          </a:prstGeom>
-          <a:noFill/>
-        </p:spPr>
-        <p:txBody>
-          <a:bodyPr wrap="none" rtlCol="0">
-            <a:spAutoFit/>
-          </a:bodyPr>
-          <a:lstStyle/>
-          <a:p>
-            <a:r>
-              <a:rPr lang="en-IN" sz="2400" dirty="0" smtClean="0"/>
-              <a:t>TO DO-</a:t>
-            </a:r>
-          </a:p>
-          <a:p>
-            <a:pPr>
-              <a:buFont typeface="Arial" pitchFamily="34" charset="0"/>
-              <a:buChar char="•"/>
-            </a:pPr>
-            <a:r>
-              <a:rPr lang="en-IN" sz="2400" dirty="0" smtClean="0"/>
-              <a:t>Evaluation reading</a:t>
-            </a:r>
-          </a:p>
-          <a:p>
-            <a:pPr>
-              <a:buFont typeface="Arial" pitchFamily="34" charset="0"/>
-              <a:buChar char="•"/>
-            </a:pPr>
-            <a:r>
-              <a:rPr lang="en-IN" sz="2400" dirty="0" smtClean="0"/>
-              <a:t>Group by</a:t>
-            </a:r>
-          </a:p>
-          <a:p>
-            <a:pPr>
-              <a:buFont typeface="Arial" pitchFamily="34" charset="0"/>
-              <a:buChar char="•"/>
-            </a:pPr>
-            <a:r>
-              <a:rPr lang="en-IN" sz="2400" dirty="0" smtClean="0"/>
-              <a:t>Diagram taxonomy</a:t>
-            </a:r>
-          </a:p>
-          <a:p>
-            <a:pPr>
-              <a:buFont typeface="Arial" pitchFamily="34" charset="0"/>
-              <a:buChar char="•"/>
-            </a:pPr>
-            <a:r>
-              <a:rPr lang="en-IN" sz="2400" dirty="0" smtClean="0"/>
-              <a:t>Conclusion</a:t>
-            </a:r>
           </a:p>
         </p:txBody>
       </p:sp>
@@ -5782,41 +5623,166 @@
           <a:lstStyle/>
           <a:p>
             <a:r>
-              <a:rPr lang="en-IN" dirty="0" smtClean="0"/>
-              <a:t>Future &amp; Challenges</a:t>
-            </a:r>
-            <a:endParaRPr lang="en-IN" dirty="0"/>
-          </a:p>
-        </p:txBody>
-      </p:sp>
-      <p:sp>
-        <p:nvSpPr>
-          <p:cNvPr id="3" name="Content Placeholder 2"/>
-          <p:cNvSpPr>
-            <a:spLocks noGrp="1"/>
-          </p:cNvSpPr>
-          <p:nvPr>
-            <p:ph idx="1"/>
-          </p:nvPr>
-        </p:nvSpPr>
-        <p:spPr/>
-        <p:txBody>
-          <a:bodyPr/>
-          <a:lstStyle/>
-          <a:p>
-            <a:r>
               <a:rPr lang="en-IN" dirty="0" smtClean="0">
                 <a:solidFill>
                   <a:srgbClr val="FF0000"/>
                 </a:solidFill>
               </a:rPr>
-              <a:t>Details</a:t>
+              <a:t>Topics to cover</a:t>
             </a:r>
             <a:endParaRPr lang="en-IN" dirty="0">
               <a:solidFill>
                 <a:srgbClr val="FF0000"/>
               </a:solidFill>
             </a:endParaRPr>
+          </a:p>
+        </p:txBody>
+      </p:sp>
+      <p:sp>
+        <p:nvSpPr>
+          <p:cNvPr id="3" name="Content Placeholder 2"/>
+          <p:cNvSpPr>
+            <a:spLocks noGrp="1"/>
+          </p:cNvSpPr>
+          <p:nvPr>
+            <p:ph idx="1"/>
+          </p:nvPr>
+        </p:nvSpPr>
+        <p:spPr/>
+        <p:txBody>
+          <a:bodyPr/>
+          <a:lstStyle/>
+          <a:p>
+            <a:r>
+              <a:rPr lang="en-IN" dirty="0" smtClean="0">
+                <a:solidFill>
+                  <a:srgbClr val="FF0000"/>
+                </a:solidFill>
+              </a:rPr>
+              <a:t>Group</a:t>
+            </a:r>
+          </a:p>
+          <a:p>
+            <a:r>
+              <a:rPr lang="en-IN" dirty="0" smtClean="0">
+                <a:solidFill>
+                  <a:srgbClr val="FF0000"/>
+                </a:solidFill>
+              </a:rPr>
+              <a:t>Graph</a:t>
+            </a:r>
+          </a:p>
+          <a:p>
+            <a:r>
+              <a:rPr lang="en-IN" dirty="0" smtClean="0">
+                <a:solidFill>
+                  <a:srgbClr val="FF0000"/>
+                </a:solidFill>
+              </a:rPr>
+              <a:t>Implicit Feedback</a:t>
+            </a:r>
+          </a:p>
+          <a:p>
+            <a:r>
+              <a:rPr lang="en-IN" dirty="0" smtClean="0">
+                <a:solidFill>
+                  <a:srgbClr val="FF0000"/>
+                </a:solidFill>
+              </a:rPr>
+              <a:t>Data </a:t>
+            </a:r>
+            <a:r>
+              <a:rPr lang="en-IN" dirty="0" err="1" smtClean="0">
+                <a:solidFill>
+                  <a:srgbClr val="FF0000"/>
+                </a:solidFill>
+              </a:rPr>
+              <a:t>Sparsity</a:t>
+            </a:r>
+            <a:endParaRPr lang="en-IN" dirty="0" smtClean="0">
+              <a:solidFill>
+                <a:srgbClr val="FF0000"/>
+              </a:solidFill>
+            </a:endParaRPr>
+          </a:p>
+          <a:p>
+            <a:r>
+              <a:rPr lang="en-IN" dirty="0" smtClean="0">
+                <a:solidFill>
+                  <a:srgbClr val="FF0000"/>
+                </a:solidFill>
+              </a:rPr>
+              <a:t>Cold Start Problem</a:t>
+            </a:r>
+          </a:p>
+          <a:p>
+            <a:r>
+              <a:rPr lang="en-IN" dirty="0" smtClean="0">
+                <a:solidFill>
+                  <a:srgbClr val="FF0000"/>
+                </a:solidFill>
+              </a:rPr>
+              <a:t>Scalability</a:t>
+            </a:r>
+          </a:p>
+          <a:p>
+            <a:r>
+              <a:rPr lang="en-IN" dirty="0" smtClean="0">
+                <a:solidFill>
+                  <a:srgbClr val="FF0000"/>
+                </a:solidFill>
+              </a:rPr>
+              <a:t>Normalization</a:t>
+            </a:r>
+          </a:p>
+          <a:p>
+            <a:r>
+              <a:rPr lang="en-IN" dirty="0" smtClean="0">
+                <a:solidFill>
+                  <a:srgbClr val="FF0000"/>
+                </a:solidFill>
+              </a:rPr>
+              <a:t>Bias</a:t>
+            </a:r>
+          </a:p>
+        </p:txBody>
+      </p:sp>
+      <p:sp>
+        <p:nvSpPr>
+          <p:cNvPr id="4" name="TextBox 3"/>
+          <p:cNvSpPr txBox="1"/>
+          <p:nvPr/>
+        </p:nvSpPr>
+        <p:spPr>
+          <a:xfrm>
+            <a:off x="7103318" y="1701602"/>
+            <a:ext cx="1443024" cy="830997"/>
+          </a:xfrm>
+          <a:prstGeom prst="rect">
+            <a:avLst/>
+          </a:prstGeom>
+          <a:noFill/>
+        </p:spPr>
+        <p:txBody>
+          <a:bodyPr wrap="none" rtlCol="0">
+            <a:spAutoFit/>
+          </a:bodyPr>
+          <a:lstStyle/>
+          <a:p>
+            <a:r>
+              <a:rPr lang="en-IN" sz="2400" dirty="0" smtClean="0"/>
+              <a:t>TO DO-</a:t>
+            </a:r>
+          </a:p>
+          <a:p>
+            <a:pPr>
+              <a:buFont typeface="Arial" pitchFamily="34" charset="0"/>
+              <a:buChar char="•"/>
+            </a:pPr>
+            <a:r>
+              <a:rPr lang="en-IN" sz="2400" dirty="0" smtClean="0"/>
+              <a:t>Group by</a:t>
+            </a:r>
           </a:p>
         </p:txBody>
       </p:sp>
@@ -5829,6 +5795,85 @@
 </file>
 
 <file path=ppt/slides/slide21.xml><?xml version="1.0" encoding="utf-8"?>
+<p:sld xmlns:a="http://schemas.openxmlformats.org/drawingml/2006/main" xmlns:r="http://schemas.openxmlformats.org/officeDocument/2006/relationships" xmlns:p="http://schemas.openxmlformats.org/presentationml/2006/main">
+  <p:cSld>
+    <p:spTree>
+      <p:nvGrpSpPr>
+        <p:cNvPr id="1" name=""/>
+        <p:cNvGrpSpPr/>
+        <p:nvPr/>
+      </p:nvGrpSpPr>
+      <p:grpSpPr>
+        <a:xfrm>
+          <a:off x="0" y="0"/>
+          <a:ext cx="0" cy="0"/>
+          <a:chOff x="0" y="0"/>
+          <a:chExt cx="0" cy="0"/>
+        </a:xfrm>
+      </p:grpSpPr>
+      <p:sp>
+        <p:nvSpPr>
+          <p:cNvPr id="2" name="Title 1"/>
+          <p:cNvSpPr>
+            <a:spLocks noGrp="1"/>
+          </p:cNvSpPr>
+          <p:nvPr>
+            <p:ph type="title"/>
+          </p:nvPr>
+        </p:nvSpPr>
+        <p:spPr/>
+        <p:txBody>
+          <a:bodyPr/>
+          <a:lstStyle/>
+          <a:p>
+            <a:r>
+              <a:rPr lang="en-IN" dirty="0" smtClean="0"/>
+              <a:t>Future &amp; Challenges</a:t>
+            </a:r>
+            <a:endParaRPr lang="en-IN" dirty="0"/>
+          </a:p>
+        </p:txBody>
+      </p:sp>
+      <p:sp>
+        <p:nvSpPr>
+          <p:cNvPr id="3" name="Content Placeholder 2"/>
+          <p:cNvSpPr>
+            <a:spLocks noGrp="1"/>
+          </p:cNvSpPr>
+          <p:nvPr>
+            <p:ph idx="1"/>
+          </p:nvPr>
+        </p:nvSpPr>
+        <p:spPr/>
+        <p:txBody>
+          <a:bodyPr/>
+          <a:lstStyle/>
+          <a:p>
+            <a:r>
+              <a:rPr lang="en-IN" dirty="0" smtClean="0">
+                <a:solidFill>
+                  <a:srgbClr val="FF0000"/>
+                </a:solidFill>
+              </a:rPr>
+              <a:t>Details</a:t>
+            </a:r>
+            <a:endParaRPr lang="en-IN" dirty="0">
+              <a:solidFill>
+                <a:srgbClr val="FF0000"/>
+              </a:solidFill>
+            </a:endParaRPr>
+          </a:p>
+        </p:txBody>
+      </p:sp>
+    </p:spTree>
+  </p:cSld>
+  <p:clrMapOvr>
+    <a:masterClrMapping/>
+  </p:clrMapOvr>
+</p:sld>
+</file>
+
+<file path=ppt/slides/slide22.xml><?xml version="1.0" encoding="utf-8"?>
 <p:sld xmlns:a="http://schemas.openxmlformats.org/drawingml/2006/main" xmlns:r="http://schemas.openxmlformats.org/officeDocument/2006/relationships" xmlns:p="http://schemas.openxmlformats.org/presentationml/2006/main">
   <p:cSld>
     <p:bg>

--- a/summer_Basics of RS.pptx
+++ b/summer_Basics of RS.pptx
@@ -5,7 +5,7 @@
     <p:sldMasterId id="2147483792" r:id="rId1"/>
   </p:sldMasterIdLst>
   <p:notesMasterIdLst>
-    <p:notesMasterId r:id="rId24"/>
+    <p:notesMasterId r:id="rId25"/>
   </p:notesMasterIdLst>
   <p:sldIdLst>
     <p:sldId id="256" r:id="rId2"/>
@@ -20,16 +20,17 @@
     <p:sldId id="284" r:id="rId11"/>
     <p:sldId id="275" r:id="rId12"/>
     <p:sldId id="283" r:id="rId13"/>
-    <p:sldId id="288" r:id="rId14"/>
-    <p:sldId id="285" r:id="rId15"/>
-    <p:sldId id="276" r:id="rId16"/>
-    <p:sldId id="277" r:id="rId17"/>
-    <p:sldId id="279" r:id="rId18"/>
-    <p:sldId id="287" r:id="rId19"/>
-    <p:sldId id="281" r:id="rId20"/>
-    <p:sldId id="278" r:id="rId21"/>
-    <p:sldId id="280" r:id="rId22"/>
-    <p:sldId id="267" r:id="rId23"/>
+    <p:sldId id="289" r:id="rId14"/>
+    <p:sldId id="288" r:id="rId15"/>
+    <p:sldId id="285" r:id="rId16"/>
+    <p:sldId id="276" r:id="rId17"/>
+    <p:sldId id="277" r:id="rId18"/>
+    <p:sldId id="279" r:id="rId19"/>
+    <p:sldId id="287" r:id="rId20"/>
+    <p:sldId id="281" r:id="rId21"/>
+    <p:sldId id="278" r:id="rId22"/>
+    <p:sldId id="280" r:id="rId23"/>
+    <p:sldId id="267" r:id="rId24"/>
   </p:sldIdLst>
   <p:sldSz cx="12190413" cy="6859588"/>
   <p:notesSz cx="6858000" cy="9144000"/>
@@ -4561,6 +4562,44 @@
       </p:grpSpPr>
       <p:sp>
         <p:nvSpPr>
+          <p:cNvPr id="10" name="Rectangle 9"/>
+          <p:cNvSpPr/>
+          <p:nvPr/>
+        </p:nvSpPr>
+        <p:spPr>
+          <a:xfrm>
+            <a:off x="9119542" y="2421682"/>
+            <a:ext cx="2448272" cy="1224136"/>
+          </a:xfrm>
+          <a:prstGeom prst="rect">
+            <a:avLst/>
+          </a:prstGeom>
+        </p:spPr>
+        <p:style>
+          <a:lnRef idx="2">
+            <a:schemeClr val="dk1"/>
+          </a:lnRef>
+          <a:fillRef idx="1">
+            <a:schemeClr val="lt1"/>
+          </a:fillRef>
+          <a:effectRef idx="0">
+            <a:schemeClr val="dk1"/>
+          </a:effectRef>
+          <a:fontRef idx="minor">
+            <a:schemeClr val="dk1"/>
+          </a:fontRef>
+        </p:style>
+        <p:txBody>
+          <a:bodyPr rtlCol="0" anchor="ctr"/>
+          <a:lstStyle/>
+          <a:p>
+            <a:pPr algn="ctr"/>
+            <a:endParaRPr lang="en-IN"/>
+          </a:p>
+        </p:txBody>
+      </p:sp>
+      <p:sp>
+        <p:nvSpPr>
           <p:cNvPr id="2" name="Title 1"/>
           <p:cNvSpPr>
             <a:spLocks noGrp="1"/>
@@ -4582,34 +4621,141 @@
           </a:p>
         </p:txBody>
       </p:sp>
-      <p:sp>
-        <p:nvSpPr>
-          <p:cNvPr id="3" name="Content Placeholder 2"/>
-          <p:cNvSpPr>
-            <a:spLocks noGrp="1"/>
-          </p:cNvSpPr>
-          <p:nvPr>
-            <p:ph idx="1"/>
-          </p:nvPr>
-        </p:nvSpPr>
-        <p:spPr/>
-        <p:txBody>
-          <a:bodyPr/>
-          <a:lstStyle/>
-          <a:p>
-            <a:r>
-              <a:rPr lang="en-IN" dirty="0" smtClean="0">
-                <a:solidFill>
-                  <a:srgbClr val="FF0000"/>
-                </a:solidFill>
-              </a:rPr>
-              <a:t>Details</a:t>
-            </a:r>
-            <a:endParaRPr lang="en-IN" dirty="0">
-              <a:solidFill>
-                <a:srgbClr val="FF0000"/>
-              </a:solidFill>
-            </a:endParaRPr>
+      <p:pic>
+        <p:nvPicPr>
+          <p:cNvPr id="5122" name="Picture 2" descr="D:\Final Year Project\summer\ppt\factorization 1.JPG"/>
+          <p:cNvPicPr>
+            <a:picLocks noChangeAspect="1" noChangeArrowheads="1"/>
+          </p:cNvPicPr>
+          <p:nvPr/>
+        </p:nvPicPr>
+        <p:blipFill>
+          <a:blip r:embed="rId2" cstate="print"/>
+          <a:srcRect/>
+          <a:stretch>
+            <a:fillRect/>
+          </a:stretch>
+        </p:blipFill>
+        <p:spPr bwMode="auto">
+          <a:xfrm>
+            <a:off x="9684236" y="2925738"/>
+            <a:ext cx="1379522" cy="576064"/>
+          </a:xfrm>
+          <a:prstGeom prst="rect">
+            <a:avLst/>
+          </a:prstGeom>
+          <a:noFill/>
+        </p:spPr>
+      </p:pic>
+      <p:pic>
+        <p:nvPicPr>
+          <p:cNvPr id="5123" name="Picture 3" descr="D:\Final Year Project\summer\ppt\factorization 2.JPG"/>
+          <p:cNvPicPr>
+            <a:picLocks noChangeAspect="1" noChangeArrowheads="1"/>
+          </p:cNvPicPr>
+          <p:nvPr/>
+        </p:nvPicPr>
+        <p:blipFill>
+          <a:blip r:embed="rId3" cstate="print"/>
+          <a:srcRect/>
+          <a:stretch>
+            <a:fillRect/>
+          </a:stretch>
+        </p:blipFill>
+        <p:spPr bwMode="auto">
+          <a:xfrm>
+            <a:off x="2860305" y="5878066"/>
+            <a:ext cx="4427726" cy="720080"/>
+          </a:xfrm>
+          <a:prstGeom prst="rect">
+            <a:avLst/>
+          </a:prstGeom>
+          <a:noFill/>
+        </p:spPr>
+      </p:pic>
+      <p:sp>
+        <p:nvSpPr>
+          <p:cNvPr id="6" name="TextBox 5"/>
+          <p:cNvSpPr txBox="1"/>
+          <p:nvPr/>
+        </p:nvSpPr>
+        <p:spPr>
+          <a:xfrm>
+            <a:off x="1054646" y="5229994"/>
+            <a:ext cx="3605859" cy="523220"/>
+          </a:xfrm>
+          <a:prstGeom prst="rect">
+            <a:avLst/>
+          </a:prstGeom>
+          <a:noFill/>
+        </p:spPr>
+        <p:txBody>
+          <a:bodyPr wrap="none" rtlCol="0">
+            <a:spAutoFit/>
+          </a:bodyPr>
+          <a:lstStyle/>
+          <a:p>
+            <a:r>
+              <a:rPr lang="en-IN" sz="2800" dirty="0" smtClean="0"/>
+              <a:t>Using Gradient Descent</a:t>
+            </a:r>
+            <a:endParaRPr lang="en-IN" sz="2800" dirty="0"/>
+          </a:p>
+        </p:txBody>
+      </p:sp>
+      <p:pic>
+        <p:nvPicPr>
+          <p:cNvPr id="5124" name="Picture 4" descr="D:\Final Year Project\summer\ppt\factorization 3.JPG"/>
+          <p:cNvPicPr>
+            <a:picLocks noChangeAspect="1" noChangeArrowheads="1"/>
+          </p:cNvPicPr>
+          <p:nvPr/>
+        </p:nvPicPr>
+        <p:blipFill>
+          <a:blip r:embed="rId4" cstate="print"/>
+          <a:srcRect/>
+          <a:stretch>
+            <a:fillRect/>
+          </a:stretch>
+        </p:blipFill>
+        <p:spPr bwMode="auto">
+          <a:xfrm>
+            <a:off x="1846734" y="1629594"/>
+            <a:ext cx="6336704" cy="2732704"/>
+          </a:xfrm>
+          <a:prstGeom prst="rect">
+            <a:avLst/>
+          </a:prstGeom>
+          <a:noFill/>
+        </p:spPr>
+      </p:pic>
+      <p:sp>
+        <p:nvSpPr>
+          <p:cNvPr id="9" name="TextBox 8"/>
+          <p:cNvSpPr txBox="1"/>
+          <p:nvPr/>
+        </p:nvSpPr>
+        <p:spPr>
+          <a:xfrm>
+            <a:off x="9194078" y="2493690"/>
+            <a:ext cx="1797672" cy="369332"/>
+          </a:xfrm>
+          <a:prstGeom prst="rect">
+            <a:avLst/>
+          </a:prstGeom>
+          <a:noFill/>
+        </p:spPr>
+        <p:txBody>
+          <a:bodyPr wrap="none" rtlCol="0">
+            <a:spAutoFit/>
+          </a:bodyPr>
+          <a:lstStyle/>
+          <a:p>
+            <a:r>
+              <a:rPr lang="en-IN" dirty="0" smtClean="0"/>
+              <a:t>Predicted Rating-</a:t>
+            </a:r>
+            <a:endParaRPr lang="en-IN" dirty="0"/>
           </a:p>
         </p:txBody>
       </p:sp>
@@ -4655,7 +4801,41 @@
           <a:p>
             <a:r>
               <a:rPr lang="en-IN" dirty="0" smtClean="0"/>
-              <a:t>Group Recommendation</a:t>
+              <a:t>Model Based CF – Matrix </a:t>
+            </a:r>
+            <a:r>
+              <a:rPr lang="en-IN" dirty="0" smtClean="0"/>
+              <a:t>Factorization</a:t>
+            </a:r>
+            <a:endParaRPr lang="en-IN" dirty="0"/>
+          </a:p>
+        </p:txBody>
+      </p:sp>
+      <p:sp>
+        <p:nvSpPr>
+          <p:cNvPr id="3" name="Content Placeholder 2"/>
+          <p:cNvSpPr>
+            <a:spLocks noGrp="1"/>
+          </p:cNvSpPr>
+          <p:nvPr>
+            <p:ph idx="1"/>
+          </p:nvPr>
+        </p:nvSpPr>
+        <p:spPr>
+          <a:xfrm>
+            <a:off x="838091" y="1826048"/>
+            <a:ext cx="10514231" cy="451618"/>
+          </a:xfrm>
+        </p:spPr>
+        <p:txBody>
+          <a:bodyPr>
+            <a:normAutofit lnSpcReduction="10000"/>
+          </a:bodyPr>
+          <a:lstStyle/>
+          <a:p>
+            <a:r>
+              <a:rPr lang="en-IN" dirty="0" smtClean="0"/>
+              <a:t>Considering Bias - </a:t>
             </a:r>
             <a:endParaRPr lang="en-IN" dirty="0"/>
           </a:p>
@@ -4663,7 +4843,7 @@
       </p:sp>
       <p:pic>
         <p:nvPicPr>
-          <p:cNvPr id="3074" name="Picture 2" descr="D:\Final Year Project\summer\ppt\group.JPG"/>
+          <p:cNvPr id="6146" name="Picture 2" descr="D:\Final Year Project\summer\ppt\bias1.JPG"/>
           <p:cNvPicPr>
             <a:picLocks noChangeAspect="1" noChangeArrowheads="1"/>
           </p:cNvPicPr>
@@ -4678,8 +4858,8 @@
         </p:blipFill>
         <p:spPr bwMode="auto">
           <a:xfrm>
-            <a:off x="1414686" y="1674292"/>
-            <a:ext cx="9434258" cy="4779838"/>
+            <a:off x="3862958" y="2061642"/>
+            <a:ext cx="2559054" cy="792088"/>
           </a:xfrm>
           <a:prstGeom prst="rect">
             <a:avLst/>
@@ -4687,6 +4867,283 @@
           <a:noFill/>
         </p:spPr>
       </p:pic>
+      <p:pic>
+        <p:nvPicPr>
+          <p:cNvPr id="6147" name="Picture 3" descr="D:\Final Year Project\summer\ppt\bias2.JPG"/>
+          <p:cNvPicPr>
+            <a:picLocks noChangeAspect="1" noChangeArrowheads="1"/>
+          </p:cNvPicPr>
+          <p:nvPr/>
+        </p:nvPicPr>
+        <p:blipFill>
+          <a:blip r:embed="rId3" cstate="print"/>
+          <a:srcRect/>
+          <a:stretch>
+            <a:fillRect/>
+          </a:stretch>
+        </p:blipFill>
+        <p:spPr bwMode="auto">
+          <a:xfrm>
+            <a:off x="3574926" y="3573810"/>
+            <a:ext cx="3425246" cy="792088"/>
+          </a:xfrm>
+          <a:prstGeom prst="rect">
+            <a:avLst/>
+          </a:prstGeom>
+          <a:noFill/>
+        </p:spPr>
+      </p:pic>
+      <p:pic>
+        <p:nvPicPr>
+          <p:cNvPr id="6148" name="Picture 4" descr="D:\Final Year Project\summer\ppt\bias3.JPG"/>
+          <p:cNvPicPr>
+            <a:picLocks noChangeAspect="1" noChangeArrowheads="1"/>
+          </p:cNvPicPr>
+          <p:nvPr/>
+        </p:nvPicPr>
+        <p:blipFill>
+          <a:blip r:embed="rId4" cstate="print"/>
+          <a:srcRect/>
+          <a:stretch>
+            <a:fillRect/>
+          </a:stretch>
+        </p:blipFill>
+        <p:spPr bwMode="auto">
+          <a:xfrm>
+            <a:off x="3214886" y="5229994"/>
+            <a:ext cx="4683651" cy="1224136"/>
+          </a:xfrm>
+          <a:prstGeom prst="rect">
+            <a:avLst/>
+          </a:prstGeom>
+          <a:noFill/>
+        </p:spPr>
+      </p:pic>
+      <p:sp>
+        <p:nvSpPr>
+          <p:cNvPr id="7" name="Content Placeholder 2"/>
+          <p:cNvSpPr txBox="1">
+            <a:spLocks/>
+          </p:cNvSpPr>
+          <p:nvPr/>
+        </p:nvSpPr>
+        <p:spPr>
+          <a:xfrm>
+            <a:off x="838622" y="2997746"/>
+            <a:ext cx="10514231" cy="451618"/>
+          </a:xfrm>
+          <a:prstGeom prst="rect">
+            <a:avLst/>
+          </a:prstGeom>
+        </p:spPr>
+        <p:txBody>
+          <a:bodyPr vert="horz" lIns="91440" tIns="45720" rIns="91440" bIns="45720" rtlCol="0">
+            <a:normAutofit lnSpcReduction="10000"/>
+          </a:bodyPr>
+          <a:lstStyle/>
+          <a:p>
+            <a:pPr marL="228577" marR="0" lvl="0" indent="-228577" algn="l" defTabSz="914309" rtl="0" eaLnBrk="1" fontAlgn="auto" latinLnBrk="0" hangingPunct="1">
+              <a:lnSpc>
+                <a:spcPct val="90000"/>
+              </a:lnSpc>
+              <a:spcBef>
+                <a:spcPts val="1000"/>
+              </a:spcBef>
+              <a:spcAft>
+                <a:spcPts val="0"/>
+              </a:spcAft>
+              <a:buClrTx/>
+              <a:buSzTx/>
+              <a:buFont typeface="Arial" panose="020B0604020202020204" pitchFamily="34" charset="0"/>
+              <a:buChar char="•"/>
+              <a:tabLst/>
+              <a:defRPr/>
+            </a:pPr>
+            <a:r>
+              <a:rPr kumimoji="0" lang="en-IN" sz="2800" b="0" i="0" u="none" strike="noStrike" kern="1200" cap="none" spc="0" normalizeH="0" baseline="0" noProof="0" dirty="0" smtClean="0">
+                <a:ln>
+                  <a:noFill/>
+                </a:ln>
+                <a:solidFill>
+                  <a:schemeClr val="tx1"/>
+                </a:solidFill>
+                <a:effectLst/>
+                <a:uLnTx/>
+                <a:uFillTx/>
+                <a:latin typeface="+mn-lt"/>
+                <a:ea typeface="+mn-ea"/>
+                <a:cs typeface="+mn-cs"/>
+              </a:rPr>
+              <a:t>Adding Bias to factorization - </a:t>
+            </a:r>
+            <a:endParaRPr kumimoji="0" lang="en-IN" sz="2800" b="0" i="0" u="none" strike="noStrike" kern="1200" cap="none" spc="0" normalizeH="0" baseline="0" noProof="0" dirty="0">
+              <a:ln>
+                <a:noFill/>
+              </a:ln>
+              <a:solidFill>
+                <a:schemeClr val="tx1"/>
+              </a:solidFill>
+              <a:effectLst/>
+              <a:uLnTx/>
+              <a:uFillTx/>
+              <a:latin typeface="+mn-lt"/>
+              <a:ea typeface="+mn-ea"/>
+              <a:cs typeface="+mn-cs"/>
+            </a:endParaRPr>
+          </a:p>
+        </p:txBody>
+      </p:sp>
+      <p:sp>
+        <p:nvSpPr>
+          <p:cNvPr id="8" name="Content Placeholder 2"/>
+          <p:cNvSpPr txBox="1">
+            <a:spLocks/>
+          </p:cNvSpPr>
+          <p:nvPr/>
+        </p:nvSpPr>
+        <p:spPr>
+          <a:xfrm>
+            <a:off x="838622" y="4634360"/>
+            <a:ext cx="10514231" cy="451618"/>
+          </a:xfrm>
+          <a:prstGeom prst="rect">
+            <a:avLst/>
+          </a:prstGeom>
+        </p:spPr>
+        <p:txBody>
+          <a:bodyPr vert="horz" lIns="91440" tIns="45720" rIns="91440" bIns="45720" rtlCol="0">
+            <a:normAutofit lnSpcReduction="10000"/>
+          </a:bodyPr>
+          <a:lstStyle/>
+          <a:p>
+            <a:pPr marL="228577" marR="0" lvl="0" indent="-228577" algn="l" defTabSz="914309" rtl="0" eaLnBrk="1" fontAlgn="auto" latinLnBrk="0" hangingPunct="1">
+              <a:lnSpc>
+                <a:spcPct val="90000"/>
+              </a:lnSpc>
+              <a:spcBef>
+                <a:spcPts val="1000"/>
+              </a:spcBef>
+              <a:spcAft>
+                <a:spcPts val="0"/>
+              </a:spcAft>
+              <a:buClrTx/>
+              <a:buSzTx/>
+              <a:buFont typeface="Arial" panose="020B0604020202020204" pitchFamily="34" charset="0"/>
+              <a:buChar char="•"/>
+              <a:tabLst/>
+              <a:defRPr/>
+            </a:pPr>
+            <a:r>
+              <a:rPr kumimoji="0" lang="en-IN" sz="2800" b="0" i="0" u="none" strike="noStrike" kern="1200" cap="none" spc="0" normalizeH="0" baseline="0" noProof="0" dirty="0" smtClean="0">
+                <a:ln>
+                  <a:noFill/>
+                </a:ln>
+                <a:solidFill>
+                  <a:schemeClr val="tx1"/>
+                </a:solidFill>
+                <a:effectLst/>
+                <a:uLnTx/>
+                <a:uFillTx/>
+                <a:latin typeface="+mn-lt"/>
+                <a:ea typeface="+mn-ea"/>
+                <a:cs typeface="+mn-cs"/>
+              </a:rPr>
+              <a:t>Updated</a:t>
+            </a:r>
+            <a:r>
+              <a:rPr kumimoji="0" lang="en-IN" sz="2800" b="0" i="0" u="none" strike="noStrike" kern="1200" cap="none" spc="0" normalizeH="0" noProof="0" dirty="0" smtClean="0">
+                <a:ln>
+                  <a:noFill/>
+                </a:ln>
+                <a:solidFill>
+                  <a:schemeClr val="tx1"/>
+                </a:solidFill>
+                <a:effectLst/>
+                <a:uLnTx/>
+                <a:uFillTx/>
+                <a:latin typeface="+mn-lt"/>
+                <a:ea typeface="+mn-ea"/>
+                <a:cs typeface="+mn-cs"/>
+              </a:rPr>
+              <a:t> Gradient Descent</a:t>
+            </a:r>
+            <a:r>
+              <a:rPr kumimoji="0" lang="en-IN" sz="2800" b="0" i="0" u="none" strike="noStrike" kern="1200" cap="none" spc="0" normalizeH="0" baseline="0" noProof="0" dirty="0" smtClean="0">
+                <a:ln>
+                  <a:noFill/>
+                </a:ln>
+                <a:solidFill>
+                  <a:schemeClr val="tx1"/>
+                </a:solidFill>
+                <a:effectLst/>
+                <a:uLnTx/>
+                <a:uFillTx/>
+                <a:latin typeface="+mn-lt"/>
+                <a:ea typeface="+mn-ea"/>
+                <a:cs typeface="+mn-cs"/>
+              </a:rPr>
+              <a:t> - </a:t>
+            </a:r>
+            <a:endParaRPr kumimoji="0" lang="en-IN" sz="2800" b="0" i="0" u="none" strike="noStrike" kern="1200" cap="none" spc="0" normalizeH="0" baseline="0" noProof="0" dirty="0">
+              <a:ln>
+                <a:noFill/>
+              </a:ln>
+              <a:solidFill>
+                <a:schemeClr val="tx1"/>
+              </a:solidFill>
+              <a:effectLst/>
+              <a:uLnTx/>
+              <a:uFillTx/>
+              <a:latin typeface="+mn-lt"/>
+              <a:ea typeface="+mn-ea"/>
+              <a:cs typeface="+mn-cs"/>
+            </a:endParaRPr>
+          </a:p>
+        </p:txBody>
+      </p:sp>
+      <p:sp>
+        <p:nvSpPr>
+          <p:cNvPr id="9" name="TextBox 8"/>
+          <p:cNvSpPr txBox="1"/>
+          <p:nvPr/>
+        </p:nvSpPr>
+        <p:spPr>
+          <a:xfrm>
+            <a:off x="8471470" y="5302002"/>
+            <a:ext cx="3312368" cy="923330"/>
+          </a:xfrm>
+          <a:prstGeom prst="rect">
+            <a:avLst/>
+          </a:prstGeom>
+        </p:spPr>
+        <p:style>
+          <a:lnRef idx="2">
+            <a:schemeClr val="dk1"/>
+          </a:lnRef>
+          <a:fillRef idx="1">
+            <a:schemeClr val="lt1"/>
+          </a:fillRef>
+          <a:effectRef idx="0">
+            <a:schemeClr val="dk1"/>
+          </a:effectRef>
+          <a:fontRef idx="minor">
+            <a:schemeClr val="dk1"/>
+          </a:fontRef>
+        </p:style>
+        <p:txBody>
+          <a:bodyPr wrap="square" rtlCol="0">
+            <a:spAutoFit/>
+          </a:bodyPr>
+          <a:lstStyle/>
+          <a:p>
+            <a:r>
+              <a:rPr lang="en-IN" dirty="0" smtClean="0"/>
+              <a:t>Regularization term is Required as the Rating matrix is Sparse, which may lead to over fitting.</a:t>
+            </a:r>
+            <a:endParaRPr lang="en-IN" dirty="0"/>
+          </a:p>
+        </p:txBody>
+      </p:sp>
     </p:spTree>
   </p:cSld>
   <p:clrMapOvr>
@@ -4729,47 +5186,38 @@
           <a:p>
             <a:r>
               <a:rPr lang="en-IN" dirty="0" smtClean="0"/>
-              <a:t>Collaborative Filtering</a:t>
+              <a:t>Group Recommendation</a:t>
             </a:r>
             <a:endParaRPr lang="en-IN" dirty="0"/>
           </a:p>
         </p:txBody>
       </p:sp>
-      <p:sp>
-        <p:nvSpPr>
-          <p:cNvPr id="3" name="Content Placeholder 2"/>
-          <p:cNvSpPr>
-            <a:spLocks noGrp="1"/>
-          </p:cNvSpPr>
-          <p:nvPr>
-            <p:ph idx="1"/>
-          </p:nvPr>
-        </p:nvSpPr>
-        <p:spPr/>
-        <p:txBody>
-          <a:bodyPr/>
-          <a:lstStyle/>
-          <a:p>
-            <a:r>
-              <a:rPr lang="en-IN" dirty="0" smtClean="0">
-                <a:solidFill>
-                  <a:srgbClr val="FF0000"/>
-                </a:solidFill>
-              </a:rPr>
-              <a:t>Drawbacks</a:t>
-            </a:r>
-          </a:p>
-          <a:p>
-            <a:r>
-              <a:rPr lang="en-IN" dirty="0" smtClean="0"/>
-              <a:t>Cold Start Problem</a:t>
-            </a:r>
-          </a:p>
-          <a:p>
-            <a:endParaRPr lang="en-IN" dirty="0"/>
-          </a:p>
-        </p:txBody>
-      </p:sp>
+      <p:pic>
+        <p:nvPicPr>
+          <p:cNvPr id="3074" name="Picture 2" descr="D:\Final Year Project\summer\ppt\group.JPG"/>
+          <p:cNvPicPr>
+            <a:picLocks noChangeAspect="1" noChangeArrowheads="1"/>
+          </p:cNvPicPr>
+          <p:nvPr/>
+        </p:nvPicPr>
+        <p:blipFill>
+          <a:blip r:embed="rId2" cstate="print"/>
+          <a:srcRect/>
+          <a:stretch>
+            <a:fillRect/>
+          </a:stretch>
+        </p:blipFill>
+        <p:spPr bwMode="auto">
+          <a:xfrm>
+            <a:off x="1414686" y="1674292"/>
+            <a:ext cx="9434258" cy="4779838"/>
+          </a:xfrm>
+          <a:prstGeom prst="rect">
+            <a:avLst/>
+          </a:prstGeom>
+          <a:noFill/>
+        </p:spPr>
+      </p:pic>
     </p:spTree>
   </p:cSld>
   <p:clrMapOvr>
@@ -4812,7 +5260,7 @@
           <a:p>
             <a:r>
               <a:rPr lang="en-IN" dirty="0" smtClean="0"/>
-              <a:t>Demographic Filtering</a:t>
+              <a:t>Collaborative Filtering</a:t>
             </a:r>
             <a:endParaRPr lang="en-IN" dirty="0"/>
           </a:p>
@@ -4839,13 +5287,17 @@
                   <a:srgbClr val="FF0000"/>
                 </a:solidFill>
               </a:rPr>
-              <a:t>Details</a:t>
-            </a:r>
-            <a:endParaRPr lang="en-IN" dirty="0">
-              <a:solidFill>
-                <a:srgbClr val="FF0000"/>
-              </a:solidFill>
-            </a:endParaRPr>
+              <a:t>Drawbacks</a:t>
+            </a:r>
+          </a:p>
+          <a:p>
+            <a:r>
+              <a:rPr lang="en-IN" dirty="0" smtClean="0"/>
+              <a:t>Cold Start Problem</a:t>
+            </a:r>
+          </a:p>
+          <a:p>
+            <a:endParaRPr lang="en-IN" dirty="0"/>
           </a:p>
         </p:txBody>
       </p:sp>
@@ -4891,7 +5343,7 @@
           <a:p>
             <a:r>
               <a:rPr lang="en-IN" dirty="0" smtClean="0"/>
-              <a:t>Hybrid Filtering</a:t>
+              <a:t>Demographic Filtering</a:t>
             </a:r>
             <a:endParaRPr lang="en-IN" dirty="0"/>
           </a:p>
@@ -4970,7 +5422,7 @@
           <a:p>
             <a:r>
               <a:rPr lang="en-IN" dirty="0" smtClean="0"/>
-              <a:t>Evaluation</a:t>
+              <a:t>Hybrid Filtering</a:t>
             </a:r>
             <a:endParaRPr lang="en-IN" dirty="0"/>
           </a:p>
@@ -4986,331 +5438,50 @@
             <p:ph idx="1"/>
           </p:nvPr>
         </p:nvSpPr>
-        <p:spPr/>
+        <p:spPr>
+          <a:xfrm>
+            <a:off x="838091" y="1826048"/>
+            <a:ext cx="10514231" cy="883666"/>
+          </a:xfrm>
+        </p:spPr>
         <p:txBody>
           <a:bodyPr/>
           <a:lstStyle/>
           <a:p>
             <a:r>
-              <a:rPr lang="en-IN" b="1" dirty="0" smtClean="0"/>
-              <a:t>Prediction</a:t>
-            </a:r>
-            <a:r>
               <a:rPr lang="en-IN" dirty="0" smtClean="0"/>
-              <a:t> Evaluation</a:t>
-            </a:r>
-          </a:p>
-          <a:p>
-            <a:pPr lvl="1"/>
-            <a:r>
-              <a:rPr lang="en-IN" dirty="0" smtClean="0"/>
-              <a:t>Metric - MAE, RMSE, Coverage</a:t>
-            </a:r>
-          </a:p>
-          <a:p>
-            <a:r>
-              <a:rPr lang="en-IN" dirty="0" smtClean="0"/>
-              <a:t>Evaluation of </a:t>
-            </a:r>
-            <a:r>
-              <a:rPr lang="en-IN" b="1" dirty="0" smtClean="0"/>
-              <a:t>set</a:t>
-            </a:r>
-            <a:r>
-              <a:rPr lang="en-IN" dirty="0" smtClean="0"/>
-              <a:t> of recommended items</a:t>
-            </a:r>
-          </a:p>
-          <a:p>
-            <a:pPr lvl="1"/>
-            <a:r>
-              <a:rPr lang="en-IN" dirty="0" smtClean="0"/>
-              <a:t>Metric – Precision, Recall, F1</a:t>
-            </a:r>
-          </a:p>
-          <a:p>
-            <a:r>
-              <a:rPr lang="en-IN" dirty="0" smtClean="0"/>
-              <a:t>Evaluation of </a:t>
-            </a:r>
-            <a:r>
-              <a:rPr lang="en-IN" b="1" dirty="0" smtClean="0"/>
-              <a:t>ranked</a:t>
-            </a:r>
-            <a:r>
-              <a:rPr lang="en-IN" dirty="0" smtClean="0"/>
-              <a:t> recommended items</a:t>
-            </a:r>
-          </a:p>
-          <a:p>
-            <a:pPr lvl="1"/>
-            <a:r>
-              <a:rPr lang="en-IN" dirty="0" smtClean="0"/>
-              <a:t>Metric – Half life, discounted cumulative gain</a:t>
-            </a:r>
-          </a:p>
-          <a:p>
+              <a:t>We try to overcome drawbacks of one using another to generate better Recommendation</a:t>
+            </a:r>
             <a:endParaRPr lang="en-IN" dirty="0"/>
           </a:p>
         </p:txBody>
       </p:sp>
-      <p:sp>
-        <p:nvSpPr>
-          <p:cNvPr id="4" name="Content Placeholder 2"/>
-          <p:cNvSpPr txBox="1">
-            <a:spLocks/>
-          </p:cNvSpPr>
+      <p:pic>
+        <p:nvPicPr>
+          <p:cNvPr id="4098" name="Picture 2" descr="D:\Final Year Project\summer\ppt\hybrid.JPG"/>
+          <p:cNvPicPr>
+            <a:picLocks noChangeAspect="1" noChangeArrowheads="1"/>
+          </p:cNvPicPr>
           <p:nvPr/>
-        </p:nvSpPr>
-        <p:spPr>
-          <a:xfrm>
-            <a:off x="8543478" y="1125538"/>
-            <a:ext cx="2889236" cy="3117024"/>
+        </p:nvPicPr>
+        <p:blipFill>
+          <a:blip r:embed="rId2" cstate="print"/>
+          <a:srcRect/>
+          <a:stretch>
+            <a:fillRect/>
+          </a:stretch>
+        </p:blipFill>
+        <p:spPr bwMode="auto">
+          <a:xfrm>
+            <a:off x="2278782" y="2943794"/>
+            <a:ext cx="6696744" cy="3438328"/>
           </a:xfrm>
           <a:prstGeom prst="rect">
             <a:avLst/>
           </a:prstGeom>
-        </p:spPr>
-        <p:style>
-          <a:lnRef idx="2">
-            <a:schemeClr val="dk1"/>
-          </a:lnRef>
-          <a:fillRef idx="1">
-            <a:schemeClr val="lt1"/>
-          </a:fillRef>
-          <a:effectRef idx="0">
-            <a:schemeClr val="dk1"/>
-          </a:effectRef>
-          <a:fontRef idx="minor">
-            <a:schemeClr val="dk1"/>
-          </a:fontRef>
-        </p:style>
-        <p:txBody>
-          <a:bodyPr vert="horz" lIns="91440" tIns="45720" rIns="91440" bIns="45720" rtlCol="0">
-            <a:normAutofit/>
-          </a:bodyPr>
-          <a:lstStyle/>
-          <a:p>
-            <a:pPr marL="228577" marR="0" lvl="0" indent="-228577" algn="l" defTabSz="914309" rtl="0" eaLnBrk="1" fontAlgn="auto" latinLnBrk="0" hangingPunct="1">
-              <a:lnSpc>
-                <a:spcPct val="90000"/>
-              </a:lnSpc>
-              <a:spcBef>
-                <a:spcPts val="1000"/>
-              </a:spcBef>
-              <a:spcAft>
-                <a:spcPts val="0"/>
-              </a:spcAft>
-              <a:buClrTx/>
-              <a:buSzTx/>
-              <a:tabLst/>
-              <a:defRPr/>
-            </a:pPr>
-            <a:r>
-              <a:rPr kumimoji="0" lang="en-IN" sz="2800" b="0" i="0" u="none" strike="noStrike" kern="1200" cap="none" spc="0" normalizeH="0" baseline="0" noProof="0" dirty="0" smtClean="0">
-                <a:ln>
-                  <a:noFill/>
-                </a:ln>
-                <a:solidFill>
-                  <a:schemeClr val="tx1"/>
-                </a:solidFill>
-                <a:effectLst/>
-                <a:uLnTx/>
-                <a:uFillTx/>
-                <a:latin typeface="+mn-lt"/>
-                <a:ea typeface="+mn-ea"/>
-                <a:cs typeface="+mn-cs"/>
-              </a:rPr>
-              <a:t>Desired Properties</a:t>
-            </a:r>
-          </a:p>
-          <a:p>
-            <a:pPr marL="228577" marR="0" lvl="0" indent="-228577" algn="l" defTabSz="914309" rtl="0" eaLnBrk="1" fontAlgn="auto" latinLnBrk="0" hangingPunct="1">
-              <a:lnSpc>
-                <a:spcPct val="90000"/>
-              </a:lnSpc>
-              <a:spcBef>
-                <a:spcPts val="1000"/>
-              </a:spcBef>
-              <a:spcAft>
-                <a:spcPts val="0"/>
-              </a:spcAft>
-              <a:buClrTx/>
-              <a:buSzTx/>
-              <a:buFont typeface="Arial" panose="020B0604020202020204" pitchFamily="34" charset="0"/>
-              <a:buChar char="•"/>
-              <a:tabLst/>
-              <a:defRPr/>
-            </a:pPr>
-            <a:r>
-              <a:rPr kumimoji="0" lang="en-IN" sz="2800" b="0" i="0" u="none" strike="noStrike" kern="1200" cap="none" spc="0" normalizeH="0" baseline="0" noProof="0" dirty="0" smtClean="0">
-                <a:ln>
-                  <a:noFill/>
-                </a:ln>
-                <a:solidFill>
-                  <a:schemeClr val="tx1"/>
-                </a:solidFill>
-                <a:effectLst/>
-                <a:uLnTx/>
-                <a:uFillTx/>
-                <a:latin typeface="+mn-lt"/>
-                <a:ea typeface="+mn-ea"/>
-                <a:cs typeface="+mn-cs"/>
-              </a:rPr>
-              <a:t>Accuracy</a:t>
-            </a:r>
-          </a:p>
-          <a:p>
-            <a:pPr marL="228577" marR="0" lvl="0" indent="-228577" algn="l" defTabSz="914309" rtl="0" eaLnBrk="1" fontAlgn="auto" latinLnBrk="0" hangingPunct="1">
-              <a:lnSpc>
-                <a:spcPct val="90000"/>
-              </a:lnSpc>
-              <a:spcBef>
-                <a:spcPts val="1000"/>
-              </a:spcBef>
-              <a:spcAft>
-                <a:spcPts val="0"/>
-              </a:spcAft>
-              <a:buClrTx/>
-              <a:buSzTx/>
-              <a:buFont typeface="Arial" panose="020B0604020202020204" pitchFamily="34" charset="0"/>
-              <a:buChar char="•"/>
-              <a:tabLst/>
-              <a:defRPr/>
-            </a:pPr>
-            <a:r>
-              <a:rPr kumimoji="0" lang="en-IN" sz="2800" b="0" i="0" u="none" strike="noStrike" kern="1200" cap="none" spc="0" normalizeH="0" baseline="0" noProof="0" dirty="0" smtClean="0">
-                <a:ln>
-                  <a:noFill/>
-                </a:ln>
-                <a:solidFill>
-                  <a:schemeClr val="tx1"/>
-                </a:solidFill>
-                <a:effectLst/>
-                <a:uLnTx/>
-                <a:uFillTx/>
-                <a:latin typeface="+mn-lt"/>
-                <a:ea typeface="+mn-ea"/>
-                <a:cs typeface="+mn-cs"/>
-              </a:rPr>
-              <a:t>Novelty</a:t>
-            </a:r>
-          </a:p>
-          <a:p>
-            <a:pPr marL="228577" marR="0" lvl="0" indent="-228577" algn="l" defTabSz="914309" rtl="0" eaLnBrk="1" fontAlgn="auto" latinLnBrk="0" hangingPunct="1">
-              <a:lnSpc>
-                <a:spcPct val="90000"/>
-              </a:lnSpc>
-              <a:spcBef>
-                <a:spcPts val="1000"/>
-              </a:spcBef>
-              <a:spcAft>
-                <a:spcPts val="0"/>
-              </a:spcAft>
-              <a:buClrTx/>
-              <a:buSzTx/>
-              <a:buFont typeface="Arial" panose="020B0604020202020204" pitchFamily="34" charset="0"/>
-              <a:buChar char="•"/>
-              <a:tabLst/>
-              <a:defRPr/>
-            </a:pPr>
-            <a:r>
-              <a:rPr kumimoji="0" lang="en-IN" sz="2800" b="0" i="0" u="none" strike="noStrike" kern="1200" cap="none" spc="0" normalizeH="0" baseline="0" noProof="0" dirty="0" smtClean="0">
-                <a:ln>
-                  <a:noFill/>
-                </a:ln>
-                <a:solidFill>
-                  <a:schemeClr val="tx1"/>
-                </a:solidFill>
-                <a:effectLst/>
-                <a:uLnTx/>
-                <a:uFillTx/>
-                <a:latin typeface="+mn-lt"/>
-                <a:ea typeface="+mn-ea"/>
-                <a:cs typeface="+mn-cs"/>
-              </a:rPr>
-              <a:t>Diversity</a:t>
-            </a:r>
-          </a:p>
-          <a:p>
-            <a:pPr marL="228577" marR="0" lvl="0" indent="-228577" algn="l" defTabSz="914309" rtl="0" eaLnBrk="1" fontAlgn="auto" latinLnBrk="0" hangingPunct="1">
-              <a:lnSpc>
-                <a:spcPct val="90000"/>
-              </a:lnSpc>
-              <a:spcBef>
-                <a:spcPts val="1000"/>
-              </a:spcBef>
-              <a:spcAft>
-                <a:spcPts val="0"/>
-              </a:spcAft>
-              <a:buClrTx/>
-              <a:buSzTx/>
-              <a:buFont typeface="Arial" panose="020B0604020202020204" pitchFamily="34" charset="0"/>
-              <a:buChar char="•"/>
-              <a:tabLst/>
-              <a:defRPr/>
-            </a:pPr>
-            <a:r>
-              <a:rPr kumimoji="0" lang="en-IN" sz="2800" b="0" i="0" u="none" strike="noStrike" kern="1200" cap="none" spc="0" normalizeH="0" baseline="0" noProof="0" dirty="0" smtClean="0">
-                <a:ln>
-                  <a:noFill/>
-                </a:ln>
-                <a:solidFill>
-                  <a:schemeClr val="tx1"/>
-                </a:solidFill>
-                <a:effectLst/>
-                <a:uLnTx/>
-                <a:uFillTx/>
-                <a:latin typeface="+mn-lt"/>
-                <a:ea typeface="+mn-ea"/>
-                <a:cs typeface="+mn-cs"/>
-              </a:rPr>
-              <a:t>Stability</a:t>
-            </a:r>
-          </a:p>
-          <a:p>
-            <a:pPr marL="228577" marR="0" lvl="0" indent="-228577" algn="l" defTabSz="914309" rtl="0" eaLnBrk="1" fontAlgn="auto" latinLnBrk="0" hangingPunct="1">
-              <a:lnSpc>
-                <a:spcPct val="90000"/>
-              </a:lnSpc>
-              <a:spcBef>
-                <a:spcPts val="1000"/>
-              </a:spcBef>
-              <a:spcAft>
-                <a:spcPts val="0"/>
-              </a:spcAft>
-              <a:buClrTx/>
-              <a:buSzTx/>
-              <a:buFont typeface="Arial" panose="020B0604020202020204" pitchFamily="34" charset="0"/>
-              <a:buChar char="•"/>
-              <a:tabLst/>
-              <a:defRPr/>
-            </a:pPr>
-            <a:r>
-              <a:rPr lang="en-IN" sz="2800" dirty="0" smtClean="0">
-                <a:solidFill>
-                  <a:schemeClr val="tx1"/>
-                </a:solidFill>
-              </a:rPr>
-              <a:t>Reliability</a:t>
-            </a:r>
-            <a:endParaRPr kumimoji="0" lang="en-IN" sz="2800" b="0" i="0" u="none" strike="noStrike" kern="1200" cap="none" spc="0" normalizeH="0" baseline="0" noProof="0" dirty="0" smtClean="0">
-              <a:ln>
-                <a:noFill/>
-              </a:ln>
-              <a:solidFill>
-                <a:schemeClr val="tx1"/>
-              </a:solidFill>
-              <a:effectLst/>
-              <a:uLnTx/>
-              <a:uFillTx/>
-              <a:latin typeface="+mn-lt"/>
-              <a:ea typeface="+mn-ea"/>
-              <a:cs typeface="+mn-cs"/>
-            </a:endParaRPr>
-          </a:p>
-        </p:txBody>
-      </p:sp>
+          <a:noFill/>
+        </p:spPr>
+      </p:pic>
     </p:spTree>
   </p:cSld>
   <p:clrMapOvr>
@@ -5353,7 +5524,7 @@
           <a:p>
             <a:r>
               <a:rPr lang="en-IN" dirty="0" smtClean="0"/>
-              <a:t>Evaluation formulas</a:t>
+              <a:t>Evaluation</a:t>
             </a:r>
             <a:endParaRPr lang="en-IN" dirty="0"/>
           </a:p>
@@ -5375,17 +5546,321 @@
           <a:lstStyle/>
           <a:p>
             <a:r>
-              <a:rPr lang="en-IN" dirty="0" smtClean="0">
+              <a:rPr lang="en-IN" b="1" dirty="0" smtClean="0"/>
+              <a:t>Prediction</a:t>
+            </a:r>
+            <a:r>
+              <a:rPr lang="en-IN" dirty="0" smtClean="0"/>
+              <a:t> Evaluation</a:t>
+            </a:r>
+          </a:p>
+          <a:p>
+            <a:pPr lvl="1"/>
+            <a:r>
+              <a:rPr lang="en-IN" dirty="0" smtClean="0"/>
+              <a:t>Metric - MAE, RMSE, Coverage</a:t>
+            </a:r>
+          </a:p>
+          <a:p>
+            <a:r>
+              <a:rPr lang="en-IN" dirty="0" smtClean="0"/>
+              <a:t>Evaluation of </a:t>
+            </a:r>
+            <a:r>
+              <a:rPr lang="en-IN" b="1" dirty="0" smtClean="0"/>
+              <a:t>set</a:t>
+            </a:r>
+            <a:r>
+              <a:rPr lang="en-IN" dirty="0" smtClean="0"/>
+              <a:t> of recommended items</a:t>
+            </a:r>
+          </a:p>
+          <a:p>
+            <a:pPr lvl="1"/>
+            <a:r>
+              <a:rPr lang="en-IN" dirty="0" smtClean="0"/>
+              <a:t>Metric – Precision, Recall, F1</a:t>
+            </a:r>
+          </a:p>
+          <a:p>
+            <a:r>
+              <a:rPr lang="en-IN" dirty="0" smtClean="0"/>
+              <a:t>Evaluation of </a:t>
+            </a:r>
+            <a:r>
+              <a:rPr lang="en-IN" b="1" dirty="0" smtClean="0"/>
+              <a:t>ranked</a:t>
+            </a:r>
+            <a:r>
+              <a:rPr lang="en-IN" dirty="0" smtClean="0"/>
+              <a:t> recommended items</a:t>
+            </a:r>
+          </a:p>
+          <a:p>
+            <a:pPr lvl="1"/>
+            <a:r>
+              <a:rPr lang="en-IN" dirty="0" smtClean="0"/>
+              <a:t>Metric – Half life, discounted cumulative gain</a:t>
+            </a:r>
+          </a:p>
+          <a:p>
+            <a:endParaRPr lang="en-IN" dirty="0"/>
+          </a:p>
+        </p:txBody>
+      </p:sp>
+      <p:sp>
+        <p:nvSpPr>
+          <p:cNvPr id="4" name="Content Placeholder 2"/>
+          <p:cNvSpPr txBox="1">
+            <a:spLocks/>
+          </p:cNvSpPr>
+          <p:nvPr/>
+        </p:nvSpPr>
+        <p:spPr>
+          <a:xfrm>
+            <a:off x="8543478" y="1125538"/>
+            <a:ext cx="2889236" cy="3117024"/>
+          </a:xfrm>
+          <a:prstGeom prst="rect">
+            <a:avLst/>
+          </a:prstGeom>
+        </p:spPr>
+        <p:style>
+          <a:lnRef idx="2">
+            <a:schemeClr val="dk1"/>
+          </a:lnRef>
+          <a:fillRef idx="1">
+            <a:schemeClr val="lt1"/>
+          </a:fillRef>
+          <a:effectRef idx="0">
+            <a:schemeClr val="dk1"/>
+          </a:effectRef>
+          <a:fontRef idx="minor">
+            <a:schemeClr val="dk1"/>
+          </a:fontRef>
+        </p:style>
+        <p:txBody>
+          <a:bodyPr vert="horz" lIns="91440" tIns="45720" rIns="91440" bIns="45720" rtlCol="0">
+            <a:normAutofit/>
+          </a:bodyPr>
+          <a:lstStyle/>
+          <a:p>
+            <a:pPr marL="228577" marR="0" lvl="0" indent="-228577" algn="l" defTabSz="914309" rtl="0" eaLnBrk="1" fontAlgn="auto" latinLnBrk="0" hangingPunct="1">
+              <a:lnSpc>
+                <a:spcPct val="90000"/>
+              </a:lnSpc>
+              <a:spcBef>
+                <a:spcPts val="1000"/>
+              </a:spcBef>
+              <a:spcAft>
+                <a:spcPts val="0"/>
+              </a:spcAft>
+              <a:buClrTx/>
+              <a:buSzTx/>
+              <a:tabLst/>
+              <a:defRPr/>
+            </a:pPr>
+            <a:r>
+              <a:rPr kumimoji="0" lang="en-IN" sz="2800" b="0" i="0" u="none" strike="noStrike" kern="1200" cap="none" spc="0" normalizeH="0" baseline="0" noProof="0" dirty="0" smtClean="0">
+                <a:ln>
+                  <a:noFill/>
+                </a:ln>
                 <a:solidFill>
-                  <a:srgbClr val="FF0000"/>
+                  <a:schemeClr val="tx1"/>
+                </a:solidFill>
+                <a:effectLst/>
+                <a:uLnTx/>
+                <a:uFillTx/>
+                <a:latin typeface="+mn-lt"/>
+                <a:ea typeface="+mn-ea"/>
+                <a:cs typeface="+mn-cs"/>
+              </a:rPr>
+              <a:t>Desired Properties</a:t>
+            </a:r>
+          </a:p>
+          <a:p>
+            <a:pPr marL="228577" marR="0" lvl="0" indent="-228577" algn="l" defTabSz="914309" rtl="0" eaLnBrk="1" fontAlgn="auto" latinLnBrk="0" hangingPunct="1">
+              <a:lnSpc>
+                <a:spcPct val="90000"/>
+              </a:lnSpc>
+              <a:spcBef>
+                <a:spcPts val="1000"/>
+              </a:spcBef>
+              <a:spcAft>
+                <a:spcPts val="0"/>
+              </a:spcAft>
+              <a:buClrTx/>
+              <a:buSzTx/>
+              <a:buFont typeface="Arial" panose="020B0604020202020204" pitchFamily="34" charset="0"/>
+              <a:buChar char="•"/>
+              <a:tabLst/>
+              <a:defRPr/>
+            </a:pPr>
+            <a:r>
+              <a:rPr kumimoji="0" lang="en-IN" sz="2800" b="0" i="0" u="none" strike="noStrike" kern="1200" cap="none" spc="0" normalizeH="0" baseline="0" noProof="0" dirty="0" smtClean="0">
+                <a:ln>
+                  <a:noFill/>
+                </a:ln>
+                <a:solidFill>
+                  <a:schemeClr val="tx1"/>
+                </a:solidFill>
+                <a:effectLst/>
+                <a:uLnTx/>
+                <a:uFillTx/>
+                <a:latin typeface="+mn-lt"/>
+                <a:ea typeface="+mn-ea"/>
+                <a:cs typeface="+mn-cs"/>
+              </a:rPr>
+              <a:t>Accuracy</a:t>
+            </a:r>
+          </a:p>
+          <a:p>
+            <a:pPr marL="228577" marR="0" lvl="0" indent="-228577" algn="l" defTabSz="914309" rtl="0" eaLnBrk="1" fontAlgn="auto" latinLnBrk="0" hangingPunct="1">
+              <a:lnSpc>
+                <a:spcPct val="90000"/>
+              </a:lnSpc>
+              <a:spcBef>
+                <a:spcPts val="1000"/>
+              </a:spcBef>
+              <a:spcAft>
+                <a:spcPts val="0"/>
+              </a:spcAft>
+              <a:buClrTx/>
+              <a:buSzTx/>
+              <a:buFont typeface="Arial" panose="020B0604020202020204" pitchFamily="34" charset="0"/>
+              <a:buChar char="•"/>
+              <a:tabLst/>
+              <a:defRPr/>
+            </a:pPr>
+            <a:r>
+              <a:rPr kumimoji="0" lang="en-IN" sz="2800" b="0" i="0" u="none" strike="noStrike" kern="1200" cap="none" spc="0" normalizeH="0" baseline="0" noProof="0" dirty="0" smtClean="0">
+                <a:ln>
+                  <a:noFill/>
+                </a:ln>
+                <a:solidFill>
+                  <a:schemeClr val="tx1"/>
+                </a:solidFill>
+                <a:effectLst/>
+                <a:uLnTx/>
+                <a:uFillTx/>
+                <a:latin typeface="+mn-lt"/>
+                <a:ea typeface="+mn-ea"/>
+                <a:cs typeface="+mn-cs"/>
+              </a:rPr>
+              <a:t>Novelty</a:t>
+            </a:r>
+          </a:p>
+          <a:p>
+            <a:pPr marL="228577" marR="0" lvl="0" indent="-228577" algn="l" defTabSz="914309" rtl="0" eaLnBrk="1" fontAlgn="auto" latinLnBrk="0" hangingPunct="1">
+              <a:lnSpc>
+                <a:spcPct val="90000"/>
+              </a:lnSpc>
+              <a:spcBef>
+                <a:spcPts val="1000"/>
+              </a:spcBef>
+              <a:spcAft>
+                <a:spcPts val="0"/>
+              </a:spcAft>
+              <a:buClrTx/>
+              <a:buSzTx/>
+              <a:buFont typeface="Arial" panose="020B0604020202020204" pitchFamily="34" charset="0"/>
+              <a:buChar char="•"/>
+              <a:tabLst/>
+              <a:defRPr/>
+            </a:pPr>
+            <a:r>
+              <a:rPr kumimoji="0" lang="en-IN" sz="2800" b="0" i="0" u="none" strike="noStrike" kern="1200" cap="none" spc="0" normalizeH="0" baseline="0" noProof="0" dirty="0" smtClean="0">
+                <a:ln>
+                  <a:noFill/>
+                </a:ln>
+                <a:solidFill>
+                  <a:schemeClr val="tx1"/>
+                </a:solidFill>
+                <a:effectLst/>
+                <a:uLnTx/>
+                <a:uFillTx/>
+                <a:latin typeface="+mn-lt"/>
+                <a:ea typeface="+mn-ea"/>
+                <a:cs typeface="+mn-cs"/>
+              </a:rPr>
+              <a:t>Diversity</a:t>
+            </a:r>
+          </a:p>
+          <a:p>
+            <a:pPr marL="228577" marR="0" lvl="0" indent="-228577" algn="l" defTabSz="914309" rtl="0" eaLnBrk="1" fontAlgn="auto" latinLnBrk="0" hangingPunct="1">
+              <a:lnSpc>
+                <a:spcPct val="90000"/>
+              </a:lnSpc>
+              <a:spcBef>
+                <a:spcPts val="1000"/>
+              </a:spcBef>
+              <a:spcAft>
+                <a:spcPts val="0"/>
+              </a:spcAft>
+              <a:buClrTx/>
+              <a:buSzTx/>
+              <a:buFont typeface="Arial" panose="020B0604020202020204" pitchFamily="34" charset="0"/>
+              <a:buChar char="•"/>
+              <a:tabLst/>
+              <a:defRPr/>
+            </a:pPr>
+            <a:r>
+              <a:rPr kumimoji="0" lang="en-IN" sz="2800" b="0" i="0" u="none" strike="noStrike" kern="1200" cap="none" spc="0" normalizeH="0" baseline="0" noProof="0" dirty="0" smtClean="0">
+                <a:ln>
+                  <a:noFill/>
+                </a:ln>
+                <a:solidFill>
+                  <a:schemeClr val="tx1"/>
+                </a:solidFill>
+                <a:effectLst/>
+                <a:uLnTx/>
+                <a:uFillTx/>
+                <a:latin typeface="+mn-lt"/>
+                <a:ea typeface="+mn-ea"/>
+                <a:cs typeface="+mn-cs"/>
+              </a:rPr>
+              <a:t>Stability</a:t>
+            </a:r>
+          </a:p>
+          <a:p>
+            <a:pPr marL="228577" marR="0" lvl="0" indent="-228577" algn="l" defTabSz="914309" rtl="0" eaLnBrk="1" fontAlgn="auto" latinLnBrk="0" hangingPunct="1">
+              <a:lnSpc>
+                <a:spcPct val="90000"/>
+              </a:lnSpc>
+              <a:spcBef>
+                <a:spcPts val="1000"/>
+              </a:spcBef>
+              <a:spcAft>
+                <a:spcPts val="0"/>
+              </a:spcAft>
+              <a:buClrTx/>
+              <a:buSzTx/>
+              <a:buFont typeface="Arial" panose="020B0604020202020204" pitchFamily="34" charset="0"/>
+              <a:buChar char="•"/>
+              <a:tabLst/>
+              <a:defRPr/>
+            </a:pPr>
+            <a:r>
+              <a:rPr lang="en-IN" sz="2800" dirty="0" smtClean="0">
+                <a:solidFill>
+                  <a:schemeClr val="tx1"/>
                 </a:solidFill>
               </a:rPr>
-              <a:t>ADD PICS</a:t>
-            </a:r>
-            <a:endParaRPr lang="en-IN" dirty="0">
+              <a:t>Reliability</a:t>
+            </a:r>
+            <a:endParaRPr kumimoji="0" lang="en-IN" sz="2800" b="0" i="0" u="none" strike="noStrike" kern="1200" cap="none" spc="0" normalizeH="0" baseline="0" noProof="0" dirty="0" smtClean="0">
+              <a:ln>
+                <a:noFill/>
+              </a:ln>
               <a:solidFill>
-                <a:srgbClr val="FF0000"/>
+                <a:schemeClr val="tx1"/>
               </a:solidFill>
+              <a:effectLst/>
+              <a:uLnTx/>
+              <a:uFillTx/>
+              <a:latin typeface="+mn-lt"/>
+              <a:ea typeface="+mn-ea"/>
+              <a:cs typeface="+mn-cs"/>
             </a:endParaRPr>
           </a:p>
         </p:txBody>
@@ -5432,7 +5907,7 @@
           <a:p>
             <a:r>
               <a:rPr lang="en-IN" dirty="0" smtClean="0"/>
-              <a:t>Streaming RS</a:t>
+              <a:t>Evaluation formulas</a:t>
             </a:r>
             <a:endParaRPr lang="en-IN" dirty="0"/>
           </a:p>
@@ -5459,7 +5934,7 @@
                   <a:srgbClr val="FF0000"/>
                 </a:solidFill>
               </a:rPr>
-              <a:t>Details</a:t>
+              <a:t>ADD PICS</a:t>
             </a:r>
             <a:endParaRPr lang="en-IN" dirty="0">
               <a:solidFill>
@@ -5623,166 +6098,41 @@
           <a:lstStyle/>
           <a:p>
             <a:r>
+              <a:rPr lang="en-IN" dirty="0" smtClean="0"/>
+              <a:t>Streaming RS</a:t>
+            </a:r>
+            <a:endParaRPr lang="en-IN" dirty="0"/>
+          </a:p>
+        </p:txBody>
+      </p:sp>
+      <p:sp>
+        <p:nvSpPr>
+          <p:cNvPr id="3" name="Content Placeholder 2"/>
+          <p:cNvSpPr>
+            <a:spLocks noGrp="1"/>
+          </p:cNvSpPr>
+          <p:nvPr>
+            <p:ph idx="1"/>
+          </p:nvPr>
+        </p:nvSpPr>
+        <p:spPr/>
+        <p:txBody>
+          <a:bodyPr/>
+          <a:lstStyle/>
+          <a:p>
+            <a:r>
               <a:rPr lang="en-IN" dirty="0" smtClean="0">
                 <a:solidFill>
                   <a:srgbClr val="FF0000"/>
                 </a:solidFill>
               </a:rPr>
-              <a:t>Topics to cover</a:t>
+              <a:t>Details</a:t>
             </a:r>
             <a:endParaRPr lang="en-IN" dirty="0">
               <a:solidFill>
                 <a:srgbClr val="FF0000"/>
               </a:solidFill>
             </a:endParaRPr>
-          </a:p>
-        </p:txBody>
-      </p:sp>
-      <p:sp>
-        <p:nvSpPr>
-          <p:cNvPr id="3" name="Content Placeholder 2"/>
-          <p:cNvSpPr>
-            <a:spLocks noGrp="1"/>
-          </p:cNvSpPr>
-          <p:nvPr>
-            <p:ph idx="1"/>
-          </p:nvPr>
-        </p:nvSpPr>
-        <p:spPr/>
-        <p:txBody>
-          <a:bodyPr/>
-          <a:lstStyle/>
-          <a:p>
-            <a:r>
-              <a:rPr lang="en-IN" dirty="0" smtClean="0">
-                <a:solidFill>
-                  <a:srgbClr val="FF0000"/>
-                </a:solidFill>
-              </a:rPr>
-              <a:t>Group</a:t>
-            </a:r>
-          </a:p>
-          <a:p>
-            <a:r>
-              <a:rPr lang="en-IN" dirty="0" smtClean="0">
-                <a:solidFill>
-                  <a:srgbClr val="FF0000"/>
-                </a:solidFill>
-              </a:rPr>
-              <a:t>Graph</a:t>
-            </a:r>
-          </a:p>
-          <a:p>
-            <a:r>
-              <a:rPr lang="en-IN" dirty="0" smtClean="0">
-                <a:solidFill>
-                  <a:srgbClr val="FF0000"/>
-                </a:solidFill>
-              </a:rPr>
-              <a:t>Implicit Feedback</a:t>
-            </a:r>
-          </a:p>
-          <a:p>
-            <a:r>
-              <a:rPr lang="en-IN" dirty="0" smtClean="0">
-                <a:solidFill>
-                  <a:srgbClr val="FF0000"/>
-                </a:solidFill>
-              </a:rPr>
-              <a:t>Data </a:t>
-            </a:r>
-            <a:r>
-              <a:rPr lang="en-IN" dirty="0" err="1" smtClean="0">
-                <a:solidFill>
-                  <a:srgbClr val="FF0000"/>
-                </a:solidFill>
-              </a:rPr>
-              <a:t>Sparsity</a:t>
-            </a:r>
-            <a:endParaRPr lang="en-IN" dirty="0" smtClean="0">
-              <a:solidFill>
-                <a:srgbClr val="FF0000"/>
-              </a:solidFill>
-            </a:endParaRPr>
-          </a:p>
-          <a:p>
-            <a:r>
-              <a:rPr lang="en-IN" dirty="0" smtClean="0">
-                <a:solidFill>
-                  <a:srgbClr val="FF0000"/>
-                </a:solidFill>
-              </a:rPr>
-              <a:t>Cold Start Problem</a:t>
-            </a:r>
-          </a:p>
-          <a:p>
-            <a:r>
-              <a:rPr lang="en-IN" dirty="0" smtClean="0">
-                <a:solidFill>
-                  <a:srgbClr val="FF0000"/>
-                </a:solidFill>
-              </a:rPr>
-              <a:t>Scalability</a:t>
-            </a:r>
-          </a:p>
-          <a:p>
-            <a:r>
-              <a:rPr lang="en-IN" dirty="0" smtClean="0">
-                <a:solidFill>
-                  <a:srgbClr val="FF0000"/>
-                </a:solidFill>
-              </a:rPr>
-              <a:t>Normalization</a:t>
-            </a:r>
-          </a:p>
-          <a:p>
-            <a:r>
-              <a:rPr lang="en-IN" dirty="0" smtClean="0">
-                <a:solidFill>
-                  <a:srgbClr val="FF0000"/>
-                </a:solidFill>
-              </a:rPr>
-              <a:t>Bias</a:t>
-            </a:r>
-          </a:p>
-        </p:txBody>
-      </p:sp>
-      <p:sp>
-        <p:nvSpPr>
-          <p:cNvPr id="4" name="TextBox 3"/>
-          <p:cNvSpPr txBox="1"/>
-          <p:nvPr/>
-        </p:nvSpPr>
-        <p:spPr>
-          <a:xfrm>
-            <a:off x="7103318" y="1701602"/>
-            <a:ext cx="1443024" cy="830997"/>
-          </a:xfrm>
-          <a:prstGeom prst="rect">
-            <a:avLst/>
-          </a:prstGeom>
-          <a:noFill/>
-        </p:spPr>
-        <p:txBody>
-          <a:bodyPr wrap="none" rtlCol="0">
-            <a:spAutoFit/>
-          </a:bodyPr>
-          <a:lstStyle/>
-          <a:p>
-            <a:r>
-              <a:rPr lang="en-IN" sz="2400" dirty="0" smtClean="0"/>
-              <a:t>TO DO-</a:t>
-            </a:r>
-          </a:p>
-          <a:p>
-            <a:pPr>
-              <a:buFont typeface="Arial" pitchFamily="34" charset="0"/>
-              <a:buChar char="•"/>
-            </a:pPr>
-            <a:r>
-              <a:rPr lang="en-IN" sz="2400" dirty="0" smtClean="0"/>
-              <a:t>Group by</a:t>
-            </a:r>
           </a:p>
         </p:txBody>
       </p:sp>
@@ -5827,41 +6177,163 @@
           <a:lstStyle/>
           <a:p>
             <a:r>
-              <a:rPr lang="en-IN" dirty="0" smtClean="0"/>
-              <a:t>Future &amp; Challenges</a:t>
-            </a:r>
-            <a:endParaRPr lang="en-IN" dirty="0"/>
-          </a:p>
-        </p:txBody>
-      </p:sp>
-      <p:sp>
-        <p:nvSpPr>
-          <p:cNvPr id="3" name="Content Placeholder 2"/>
-          <p:cNvSpPr>
-            <a:spLocks noGrp="1"/>
-          </p:cNvSpPr>
-          <p:nvPr>
-            <p:ph idx="1"/>
-          </p:nvPr>
-        </p:nvSpPr>
-        <p:spPr/>
-        <p:txBody>
-          <a:bodyPr/>
-          <a:lstStyle/>
-          <a:p>
-            <a:r>
               <a:rPr lang="en-IN" dirty="0" smtClean="0">
                 <a:solidFill>
                   <a:srgbClr val="FF0000"/>
                 </a:solidFill>
               </a:rPr>
-              <a:t>Details</a:t>
+              <a:t>Topics to cover</a:t>
             </a:r>
             <a:endParaRPr lang="en-IN" dirty="0">
               <a:solidFill>
                 <a:srgbClr val="FF0000"/>
               </a:solidFill>
             </a:endParaRPr>
+          </a:p>
+        </p:txBody>
+      </p:sp>
+      <p:sp>
+        <p:nvSpPr>
+          <p:cNvPr id="3" name="Content Placeholder 2"/>
+          <p:cNvSpPr>
+            <a:spLocks noGrp="1"/>
+          </p:cNvSpPr>
+          <p:nvPr>
+            <p:ph idx="1"/>
+          </p:nvPr>
+        </p:nvSpPr>
+        <p:spPr/>
+        <p:txBody>
+          <a:bodyPr/>
+          <a:lstStyle/>
+          <a:p>
+            <a:r>
+              <a:rPr lang="en-IN" dirty="0" smtClean="0">
+                <a:solidFill>
+                  <a:srgbClr val="FF0000"/>
+                </a:solidFill>
+              </a:rPr>
+              <a:t>Group</a:t>
+            </a:r>
+          </a:p>
+          <a:p>
+            <a:r>
+              <a:rPr lang="en-IN" dirty="0" smtClean="0">
+                <a:solidFill>
+                  <a:srgbClr val="FF0000"/>
+                </a:solidFill>
+              </a:rPr>
+              <a:t>Graph</a:t>
+            </a:r>
+          </a:p>
+          <a:p>
+            <a:r>
+              <a:rPr lang="en-IN" dirty="0" smtClean="0">
+                <a:solidFill>
+                  <a:srgbClr val="FF0000"/>
+                </a:solidFill>
+              </a:rPr>
+              <a:t>Implicit Feedback</a:t>
+            </a:r>
+          </a:p>
+          <a:p>
+            <a:r>
+              <a:rPr lang="en-IN" dirty="0" smtClean="0">
+                <a:solidFill>
+                  <a:srgbClr val="FF0000"/>
+                </a:solidFill>
+              </a:rPr>
+              <a:t>Data </a:t>
+            </a:r>
+            <a:r>
+              <a:rPr lang="en-IN" dirty="0" err="1" smtClean="0">
+                <a:solidFill>
+                  <a:srgbClr val="FF0000"/>
+                </a:solidFill>
+              </a:rPr>
+              <a:t>Sparsity</a:t>
+            </a:r>
+            <a:endParaRPr lang="en-IN" dirty="0" smtClean="0">
+              <a:solidFill>
+                <a:srgbClr val="FF0000"/>
+              </a:solidFill>
+            </a:endParaRPr>
+          </a:p>
+          <a:p>
+            <a:r>
+              <a:rPr lang="en-IN" dirty="0" smtClean="0">
+                <a:solidFill>
+                  <a:srgbClr val="FF0000"/>
+                </a:solidFill>
+              </a:rPr>
+              <a:t>Cold Start Problem</a:t>
+            </a:r>
+          </a:p>
+          <a:p>
+            <a:r>
+              <a:rPr lang="en-IN" dirty="0" smtClean="0">
+                <a:solidFill>
+                  <a:srgbClr val="FF0000"/>
+                </a:solidFill>
+              </a:rPr>
+              <a:t>Scalability</a:t>
+            </a:r>
+          </a:p>
+          <a:p>
+            <a:r>
+              <a:rPr lang="en-IN" dirty="0" smtClean="0">
+                <a:solidFill>
+                  <a:srgbClr val="FF0000"/>
+                </a:solidFill>
+              </a:rPr>
+              <a:t>Normalization</a:t>
+            </a:r>
+          </a:p>
+          <a:p>
+            <a:r>
+              <a:rPr lang="en-IN" dirty="0" smtClean="0">
+                <a:solidFill>
+                  <a:srgbClr val="FF0000"/>
+                </a:solidFill>
+              </a:rPr>
+              <a:t>Bias</a:t>
+            </a:r>
+          </a:p>
+        </p:txBody>
+      </p:sp>
+      <p:sp>
+        <p:nvSpPr>
+          <p:cNvPr id="4" name="TextBox 3"/>
+          <p:cNvSpPr txBox="1"/>
+          <p:nvPr/>
+        </p:nvSpPr>
+        <p:spPr>
+          <a:xfrm>
+            <a:off x="7103318" y="1701602"/>
+            <a:ext cx="1086451" cy="830997"/>
+          </a:xfrm>
+          <a:prstGeom prst="rect">
+            <a:avLst/>
+          </a:prstGeom>
+          <a:noFill/>
+        </p:spPr>
+        <p:txBody>
+          <a:bodyPr wrap="none" rtlCol="0">
+            <a:spAutoFit/>
+          </a:bodyPr>
+          <a:lstStyle/>
+          <a:p>
+            <a:r>
+              <a:rPr lang="en-IN" sz="2400" dirty="0" smtClean="0"/>
+              <a:t>TO DO-</a:t>
+            </a:r>
+          </a:p>
+          <a:p>
+            <a:pPr>
+              <a:buFont typeface="Arial" pitchFamily="34" charset="0"/>
+              <a:buChar char="•"/>
+            </a:pPr>
+            <a:endParaRPr lang="en-IN" sz="2400" dirty="0" smtClean="0"/>
           </a:p>
         </p:txBody>
       </p:sp>
@@ -5874,6 +6346,85 @@
 </file>
 
 <file path=ppt/slides/slide22.xml><?xml version="1.0" encoding="utf-8"?>
+<p:sld xmlns:a="http://schemas.openxmlformats.org/drawingml/2006/main" xmlns:r="http://schemas.openxmlformats.org/officeDocument/2006/relationships" xmlns:p="http://schemas.openxmlformats.org/presentationml/2006/main">
+  <p:cSld>
+    <p:spTree>
+      <p:nvGrpSpPr>
+        <p:cNvPr id="1" name=""/>
+        <p:cNvGrpSpPr/>
+        <p:nvPr/>
+      </p:nvGrpSpPr>
+      <p:grpSpPr>
+        <a:xfrm>
+          <a:off x="0" y="0"/>
+          <a:ext cx="0" cy="0"/>
+          <a:chOff x="0" y="0"/>
+          <a:chExt cx="0" cy="0"/>
+        </a:xfrm>
+      </p:grpSpPr>
+      <p:sp>
+        <p:nvSpPr>
+          <p:cNvPr id="2" name="Title 1"/>
+          <p:cNvSpPr>
+            <a:spLocks noGrp="1"/>
+          </p:cNvSpPr>
+          <p:nvPr>
+            <p:ph type="title"/>
+          </p:nvPr>
+        </p:nvSpPr>
+        <p:spPr/>
+        <p:txBody>
+          <a:bodyPr/>
+          <a:lstStyle/>
+          <a:p>
+            <a:r>
+              <a:rPr lang="en-IN" dirty="0" smtClean="0"/>
+              <a:t>Future &amp; Challenges</a:t>
+            </a:r>
+            <a:endParaRPr lang="en-IN" dirty="0"/>
+          </a:p>
+        </p:txBody>
+      </p:sp>
+      <p:sp>
+        <p:nvSpPr>
+          <p:cNvPr id="3" name="Content Placeholder 2"/>
+          <p:cNvSpPr>
+            <a:spLocks noGrp="1"/>
+          </p:cNvSpPr>
+          <p:nvPr>
+            <p:ph idx="1"/>
+          </p:nvPr>
+        </p:nvSpPr>
+        <p:spPr/>
+        <p:txBody>
+          <a:bodyPr/>
+          <a:lstStyle/>
+          <a:p>
+            <a:r>
+              <a:rPr lang="en-IN" dirty="0" smtClean="0">
+                <a:solidFill>
+                  <a:srgbClr val="FF0000"/>
+                </a:solidFill>
+              </a:rPr>
+              <a:t>Details</a:t>
+            </a:r>
+            <a:endParaRPr lang="en-IN" dirty="0">
+              <a:solidFill>
+                <a:srgbClr val="FF0000"/>
+              </a:solidFill>
+            </a:endParaRPr>
+          </a:p>
+        </p:txBody>
+      </p:sp>
+    </p:spTree>
+  </p:cSld>
+  <p:clrMapOvr>
+    <a:masterClrMapping/>
+  </p:clrMapOvr>
+</p:sld>
+</file>
+
+<file path=ppt/slides/slide23.xml><?xml version="1.0" encoding="utf-8"?>
 <p:sld xmlns:a="http://schemas.openxmlformats.org/drawingml/2006/main" xmlns:r="http://schemas.openxmlformats.org/officeDocument/2006/relationships" xmlns:p="http://schemas.openxmlformats.org/presentationml/2006/main">
   <p:cSld>
     <p:bg>
@@ -6000,7 +6551,7 @@
         </p:nvSpPr>
         <p:spPr>
           <a:xfrm>
-            <a:off x="1486694" y="2205658"/>
+            <a:off x="1171144" y="2349674"/>
             <a:ext cx="504056" cy="504056"/>
           </a:xfrm>
           <a:prstGeom prst="ellipse">
@@ -6040,7 +6591,7 @@
         </p:nvSpPr>
         <p:spPr>
           <a:xfrm>
-            <a:off x="4439022" y="2205658"/>
+            <a:off x="4123472" y="2349674"/>
             <a:ext cx="504056" cy="504056"/>
           </a:xfrm>
           <a:prstGeom prst="ellipse">
@@ -6080,7 +6631,7 @@
         </p:nvSpPr>
         <p:spPr>
           <a:xfrm>
-            <a:off x="8039422" y="2205658"/>
+            <a:off x="7723872" y="2349674"/>
             <a:ext cx="504056" cy="504056"/>
           </a:xfrm>
           <a:prstGeom prst="ellipse">
@@ -6120,7 +6671,7 @@
         </p:nvSpPr>
         <p:spPr>
           <a:xfrm>
-            <a:off x="10631710" y="2205658"/>
+            <a:off x="10316160" y="2349674"/>
             <a:ext cx="504056" cy="504056"/>
           </a:xfrm>
           <a:prstGeom prst="ellipse">
@@ -6163,7 +6714,7 @@
         </p:nvCxnSpPr>
         <p:spPr>
           <a:xfrm>
-            <a:off x="1990750" y="2457686"/>
+            <a:off x="1675200" y="2601702"/>
             <a:ext cx="2448272" cy="0"/>
           </a:xfrm>
           <a:prstGeom prst="straightConnector1">
@@ -6199,7 +6750,7 @@
         </p:nvCxnSpPr>
         <p:spPr>
           <a:xfrm>
-            <a:off x="4943078" y="2457686"/>
+            <a:off x="4627528" y="2601702"/>
             <a:ext cx="3096344" cy="0"/>
           </a:xfrm>
           <a:prstGeom prst="straightConnector1">
@@ -6235,7 +6786,7 @@
         </p:nvCxnSpPr>
         <p:spPr>
           <a:xfrm>
-            <a:off x="8543478" y="2457686"/>
+            <a:off x="8227928" y="2601702"/>
             <a:ext cx="2088232" cy="0"/>
           </a:xfrm>
           <a:prstGeom prst="straightConnector1">
@@ -6268,7 +6819,7 @@
         </p:nvSpPr>
         <p:spPr>
           <a:xfrm>
-            <a:off x="1442204" y="1629594"/>
+            <a:off x="1126654" y="1773610"/>
             <a:ext cx="620554" cy="646331"/>
           </a:xfrm>
           <a:prstGeom prst="rect">
@@ -6305,7 +6856,7 @@
         </p:nvSpPr>
         <p:spPr>
           <a:xfrm>
-            <a:off x="7895406" y="1701602"/>
+            <a:off x="7579856" y="1845618"/>
             <a:ext cx="793807" cy="369332"/>
           </a:xfrm>
           <a:prstGeom prst="rect">
@@ -6339,7 +6890,7 @@
         </p:nvSpPr>
         <p:spPr>
           <a:xfrm>
-            <a:off x="4150990" y="1557586"/>
+            <a:off x="3835440" y="1701602"/>
             <a:ext cx="1131528" cy="646331"/>
           </a:xfrm>
           <a:prstGeom prst="rect">
@@ -6377,7 +6928,7 @@
         </p:nvSpPr>
         <p:spPr>
           <a:xfrm>
-            <a:off x="10487694" y="1701602"/>
+            <a:off x="10172144" y="1845618"/>
             <a:ext cx="852285" cy="369332"/>
           </a:xfrm>
           <a:prstGeom prst="rect">
@@ -6407,7 +6958,7 @@
         </p:nvSpPr>
         <p:spPr>
           <a:xfrm>
-            <a:off x="2566191" y="2124358"/>
+            <a:off x="2250641" y="2268374"/>
             <a:ext cx="1152751" cy="369332"/>
           </a:xfrm>
           <a:prstGeom prst="rect">
@@ -6437,7 +6988,7 @@
         </p:nvSpPr>
         <p:spPr>
           <a:xfrm>
-            <a:off x="5879182" y="2133650"/>
+            <a:off x="5563632" y="2277666"/>
             <a:ext cx="927049" cy="369332"/>
           </a:xfrm>
           <a:prstGeom prst="rect">
@@ -6467,7 +7018,7 @@
         </p:nvSpPr>
         <p:spPr>
           <a:xfrm>
-            <a:off x="9056589" y="2133650"/>
+            <a:off x="8741039" y="2277666"/>
             <a:ext cx="1159613" cy="369332"/>
           </a:xfrm>
           <a:prstGeom prst="rect">
@@ -6497,7 +7048,7 @@
         </p:nvSpPr>
         <p:spPr>
           <a:xfrm>
-            <a:off x="1918742" y="3429794"/>
+            <a:off x="1582390" y="3429794"/>
             <a:ext cx="2397066" cy="923330"/>
           </a:xfrm>
           <a:prstGeom prst="rect">
@@ -6550,7 +7101,7 @@
         </p:nvSpPr>
         <p:spPr>
           <a:xfrm>
-            <a:off x="5375126" y="3429794"/>
+            <a:off x="4841730" y="3309585"/>
             <a:ext cx="2450094" cy="1200329"/>
           </a:xfrm>
           <a:prstGeom prst="rect">
@@ -6607,14 +7158,14 @@
       </p:sp>
       <p:sp>
         <p:nvSpPr>
-          <p:cNvPr id="25" name="TextBox 24"/>
+          <p:cNvPr id="27" name="TextBox 26"/>
           <p:cNvSpPr txBox="1"/>
           <p:nvPr/>
         </p:nvSpPr>
         <p:spPr>
           <a:xfrm>
-            <a:off x="9070833" y="3429794"/>
-            <a:ext cx="1488869" cy="369332"/>
+            <a:off x="8197134" y="3429794"/>
+            <a:ext cx="3199146" cy="923330"/>
           </a:xfrm>
           <a:prstGeom prst="rect">
             <a:avLst/>
@@ -6632,12 +7183,28 @@
               <a:buChar char="•"/>
             </a:pPr>
             <a:r>
-              <a:rPr lang="en-IN" dirty="0" smtClean="0">
-                <a:solidFill>
-                  <a:srgbClr val="FF0000"/>
-                </a:solidFill>
-              </a:rPr>
-              <a:t>WRITE TYPES</a:t>
+              <a:rPr lang="en-IN" dirty="0" smtClean="0"/>
+              <a:t>Prediction Evaluation</a:t>
+            </a:r>
+          </a:p>
+          <a:p>
+            <a:pPr>
+              <a:buFont typeface="Arial" pitchFamily="34" charset="0"/>
+              <a:buChar char="•"/>
+            </a:pPr>
+            <a:r>
+              <a:rPr lang="en-IN" dirty="0" smtClean="0"/>
+              <a:t>Evaluation of set of Rec. Items</a:t>
+            </a:r>
+          </a:p>
+          <a:p>
+            <a:pPr>
+              <a:buFont typeface="Arial" pitchFamily="34" charset="0"/>
+              <a:buChar char="•"/>
+            </a:pPr>
+            <a:r>
+              <a:rPr lang="en-IN" dirty="0" smtClean="0"/>
+              <a:t>Evaluation of ranked Rec. Items</a:t>
             </a:r>
           </a:p>
         </p:txBody>
@@ -6806,6 +7373,12 @@
             </a:r>
           </a:p>
           <a:p>
+            <a:r>
+              <a:rPr lang="en-IN" dirty="0" smtClean="0"/>
+              <a:t>Limited Content Analysis</a:t>
+            </a:r>
+          </a:p>
+          <a:p>
             <a:endParaRPr lang="en-IN" dirty="0"/>
           </a:p>
         </p:txBody>
@@ -7865,7 +8438,43 @@
               </a:rPr>
               <a:t>Details</a:t>
             </a:r>
-            <a:endParaRPr lang="en-IN" dirty="0">
+          </a:p>
+          <a:p>
+            <a:r>
+              <a:rPr lang="en-IN" dirty="0" smtClean="0"/>
+              <a:t>User based VS Item based</a:t>
+            </a:r>
+          </a:p>
+          <a:p>
+            <a:pPr lvl="1"/>
+            <a:r>
+              <a:rPr lang="en-IN" dirty="0" smtClean="0">
+                <a:solidFill>
+                  <a:srgbClr val="FF0000"/>
+                </a:solidFill>
+              </a:rPr>
+              <a:t>Details</a:t>
+            </a:r>
+          </a:p>
+          <a:p>
+            <a:pPr lvl="1"/>
+            <a:r>
+              <a:rPr lang="en-IN" dirty="0" smtClean="0"/>
+              <a:t>Performance depends on the Dimension of the rating matrix.</a:t>
+            </a:r>
+          </a:p>
+          <a:p>
+            <a:pPr lvl="1"/>
+            <a:r>
+              <a:rPr lang="en-IN" dirty="0" smtClean="0"/>
+              <a:t>Neighbours are fairly static for the chosen one.</a:t>
+            </a:r>
+          </a:p>
+          <a:p>
+            <a:pPr lvl="1">
+              <a:buNone/>
+            </a:pPr>
+            <a:endParaRPr lang="en-IN" dirty="0" smtClean="0">
               <a:solidFill>
                 <a:srgbClr val="FF0000"/>
               </a:solidFill>
@@ -7952,11 +8561,35 @@
               </a:rPr>
               <a:t>Details</a:t>
             </a:r>
-            <a:endParaRPr lang="en-IN" dirty="0">
-              <a:solidFill>
-                <a:srgbClr val="FF0000"/>
-              </a:solidFill>
-            </a:endParaRPr>
+          </a:p>
+          <a:p>
+            <a:r>
+              <a:rPr lang="en-IN" dirty="0" smtClean="0">
+                <a:solidFill>
+                  <a:srgbClr val="FF0000"/>
+                </a:solidFill>
+              </a:rPr>
+              <a:t>Formulas</a:t>
+            </a:r>
+          </a:p>
+          <a:p>
+            <a:r>
+              <a:rPr lang="en-IN" dirty="0" smtClean="0"/>
+              <a:t>Cosine similarity</a:t>
+            </a:r>
+          </a:p>
+          <a:p>
+            <a:r>
+              <a:rPr lang="en-IN" dirty="0" smtClean="0"/>
+              <a:t>Correlation similarity</a:t>
+            </a:r>
+          </a:p>
+          <a:p>
+            <a:r>
+              <a:rPr lang="en-IN" dirty="0" smtClean="0"/>
+              <a:t>Adjusted Cosine similarity</a:t>
+            </a:r>
+            <a:endParaRPr lang="en-IN" dirty="0"/>
           </a:p>
         </p:txBody>
       </p:sp>
@@ -8031,11 +8664,19 @@
               </a:rPr>
               <a:t>Details</a:t>
             </a:r>
-            <a:endParaRPr lang="en-IN" dirty="0">
-              <a:solidFill>
-                <a:srgbClr val="FF0000"/>
-              </a:solidFill>
-            </a:endParaRPr>
+          </a:p>
+          <a:p>
+            <a:r>
+              <a:rPr lang="en-IN" dirty="0" smtClean="0"/>
+              <a:t>Weighted sum</a:t>
+            </a:r>
+          </a:p>
+          <a:p>
+            <a:r>
+              <a:rPr lang="en-IN" dirty="0" smtClean="0"/>
+              <a:t>Regression</a:t>
+            </a:r>
+            <a:endParaRPr lang="en-IN" dirty="0"/>
           </a:p>
         </p:txBody>
       </p:sp>

--- a/summer_Basics of RS.pptx
+++ b/summer_Basics of RS.pptx
@@ -13,16 +13,16 @@
     <p:sldId id="268" r:id="rId4"/>
     <p:sldId id="286" r:id="rId5"/>
     <p:sldId id="269" r:id="rId6"/>
-    <p:sldId id="271" r:id="rId7"/>
-    <p:sldId id="270" r:id="rId8"/>
-    <p:sldId id="272" r:id="rId9"/>
-    <p:sldId id="274" r:id="rId10"/>
-    <p:sldId id="284" r:id="rId11"/>
-    <p:sldId id="275" r:id="rId12"/>
-    <p:sldId id="283" r:id="rId13"/>
-    <p:sldId id="289" r:id="rId14"/>
-    <p:sldId id="288" r:id="rId15"/>
-    <p:sldId id="285" r:id="rId16"/>
+    <p:sldId id="290" r:id="rId7"/>
+    <p:sldId id="271" r:id="rId8"/>
+    <p:sldId id="270" r:id="rId9"/>
+    <p:sldId id="272" r:id="rId10"/>
+    <p:sldId id="274" r:id="rId11"/>
+    <p:sldId id="284" r:id="rId12"/>
+    <p:sldId id="275" r:id="rId13"/>
+    <p:sldId id="283" r:id="rId14"/>
+    <p:sldId id="289" r:id="rId15"/>
+    <p:sldId id="288" r:id="rId16"/>
     <p:sldId id="276" r:id="rId17"/>
     <p:sldId id="277" r:id="rId18"/>
     <p:sldId id="279" r:id="rId19"/>
@@ -3980,7 +3980,7 @@
           <a:p>
             <a:r>
               <a:rPr lang="en-IN" dirty="0" smtClean="0"/>
-              <a:t>Model Based CF</a:t>
+              <a:t>Memory Based CF – Aggregation Method</a:t>
             </a:r>
             <a:endParaRPr lang="en-IN" dirty="0"/>
           </a:p>
@@ -3988,471 +3988,40 @@
       </p:sp>
       <p:sp>
         <p:nvSpPr>
-          <p:cNvPr id="5" name="Rectangle: Rounded Corners 5"/>
-          <p:cNvSpPr/>
-          <p:nvPr/>
-        </p:nvSpPr>
-        <p:spPr>
-          <a:xfrm>
-            <a:off x="2494806" y="1773610"/>
-            <a:ext cx="7272808" cy="4248472"/>
-          </a:xfrm>
-          <a:prstGeom prst="roundRect">
-            <a:avLst/>
-          </a:prstGeom>
-        </p:spPr>
-        <p:style>
-          <a:lnRef idx="1">
-            <a:schemeClr val="accent1"/>
-          </a:lnRef>
-          <a:fillRef idx="2">
-            <a:schemeClr val="accent1"/>
-          </a:fillRef>
-          <a:effectRef idx="1">
-            <a:schemeClr val="accent1"/>
-          </a:effectRef>
-          <a:fontRef idx="minor">
-            <a:schemeClr val="dk1"/>
-          </a:fontRef>
-        </p:style>
-        <p:txBody>
-          <a:bodyPr rtlCol="0" anchor="ctr"/>
-          <a:lstStyle/>
-          <a:p>
-            <a:pPr algn="ctr"/>
-            <a:endParaRPr lang="en-US" b="1" dirty="0" smtClean="0">
-              <a:solidFill>
-                <a:schemeClr val="bg1"/>
-              </a:solidFill>
-            </a:endParaRPr>
-          </a:p>
-          <a:p>
-            <a:pPr algn="ctr"/>
-            <a:endParaRPr lang="en-US" b="1" dirty="0" smtClean="0">
-              <a:solidFill>
-                <a:schemeClr val="bg1"/>
-              </a:solidFill>
-            </a:endParaRPr>
-          </a:p>
-          <a:p>
-            <a:pPr algn="ctr"/>
-            <a:endParaRPr lang="en-US" b="1" dirty="0" smtClean="0">
-              <a:solidFill>
-                <a:schemeClr val="bg1"/>
-              </a:solidFill>
-            </a:endParaRPr>
-          </a:p>
-          <a:p>
-            <a:pPr algn="ctr"/>
-            <a:endParaRPr lang="en-US" b="1" dirty="0" smtClean="0">
-              <a:solidFill>
-                <a:schemeClr val="bg1"/>
-              </a:solidFill>
-            </a:endParaRPr>
-          </a:p>
-          <a:p>
-            <a:pPr algn="ctr"/>
-            <a:endParaRPr lang="en-US" b="1" dirty="0" smtClean="0">
-              <a:solidFill>
-                <a:schemeClr val="bg1"/>
-              </a:solidFill>
-            </a:endParaRPr>
-          </a:p>
-          <a:p>
-            <a:pPr algn="ctr"/>
-            <a:endParaRPr lang="en-US" b="1" dirty="0" smtClean="0">
-              <a:solidFill>
-                <a:schemeClr val="bg1"/>
-              </a:solidFill>
-            </a:endParaRPr>
-          </a:p>
-          <a:p>
-            <a:pPr algn="ctr"/>
-            <a:endParaRPr lang="en-US" b="1" dirty="0" smtClean="0">
-              <a:solidFill>
-                <a:schemeClr val="bg1"/>
-              </a:solidFill>
-            </a:endParaRPr>
-          </a:p>
-          <a:p>
-            <a:pPr algn="ctr"/>
-            <a:endParaRPr lang="en-US" b="1" dirty="0" smtClean="0">
-              <a:solidFill>
-                <a:schemeClr val="bg1"/>
-              </a:solidFill>
-            </a:endParaRPr>
-          </a:p>
-          <a:p>
-            <a:pPr algn="ctr"/>
-            <a:endParaRPr lang="en-US" b="1" dirty="0" smtClean="0">
-              <a:solidFill>
-                <a:schemeClr val="bg1"/>
-              </a:solidFill>
-            </a:endParaRPr>
-          </a:p>
-          <a:p>
-            <a:pPr algn="ctr"/>
-            <a:endParaRPr lang="en-US" b="1" dirty="0" smtClean="0">
-              <a:solidFill>
-                <a:schemeClr val="bg1"/>
-              </a:solidFill>
-            </a:endParaRPr>
-          </a:p>
-          <a:p>
-            <a:pPr algn="ctr"/>
-            <a:endParaRPr lang="en-US" b="1" dirty="0" smtClean="0">
-              <a:solidFill>
-                <a:schemeClr val="bg1"/>
-              </a:solidFill>
-            </a:endParaRPr>
-          </a:p>
-          <a:p>
-            <a:pPr algn="ctr"/>
-            <a:endParaRPr lang="en-US" b="1" dirty="0" smtClean="0">
-              <a:solidFill>
-                <a:schemeClr val="bg1"/>
-              </a:solidFill>
-            </a:endParaRPr>
-          </a:p>
-          <a:p>
-            <a:pPr algn="ctr"/>
-            <a:endParaRPr lang="en-US" b="1" dirty="0" smtClean="0">
-              <a:solidFill>
-                <a:schemeClr val="bg1"/>
-              </a:solidFill>
-            </a:endParaRPr>
-          </a:p>
-          <a:p>
-            <a:pPr algn="ctr"/>
-            <a:r>
-              <a:rPr lang="en-US" sz="2400" b="1" dirty="0" smtClean="0">
+          <p:cNvPr id="3" name="Content Placeholder 2"/>
+          <p:cNvSpPr>
+            <a:spLocks noGrp="1"/>
+          </p:cNvSpPr>
+          <p:nvPr>
+            <p:ph idx="1"/>
+          </p:nvPr>
+        </p:nvSpPr>
+        <p:spPr/>
+        <p:txBody>
+          <a:bodyPr/>
+          <a:lstStyle/>
+          <a:p>
+            <a:r>
+              <a:rPr lang="en-IN" dirty="0" smtClean="0">
                 <a:solidFill>
-                  <a:schemeClr val="bg1"/>
+                  <a:srgbClr val="FF0000"/>
                 </a:solidFill>
               </a:rPr>
-              <a:t>Model Based CF</a:t>
-            </a:r>
-            <a:endParaRPr lang="en-US" sz="2400" b="1" dirty="0">
-              <a:solidFill>
-                <a:schemeClr val="bg1"/>
-              </a:solidFill>
-            </a:endParaRPr>
-          </a:p>
-        </p:txBody>
-      </p:sp>
-      <p:sp>
-        <p:nvSpPr>
-          <p:cNvPr id="6" name="Rectangle: Rounded Corners 4"/>
-          <p:cNvSpPr/>
-          <p:nvPr/>
-        </p:nvSpPr>
-        <p:spPr>
-          <a:xfrm>
-            <a:off x="2926854" y="2277666"/>
-            <a:ext cx="1250014" cy="1101456"/>
-          </a:xfrm>
-          <a:prstGeom prst="roundRect">
-            <a:avLst/>
-          </a:prstGeom>
-        </p:spPr>
-        <p:style>
-          <a:lnRef idx="2">
-            <a:schemeClr val="accent1">
-              <a:shade val="50000"/>
-            </a:schemeClr>
-          </a:lnRef>
-          <a:fillRef idx="1">
-            <a:schemeClr val="accent1"/>
-          </a:fillRef>
-          <a:effectRef idx="0">
-            <a:schemeClr val="accent1"/>
-          </a:effectRef>
-          <a:fontRef idx="minor">
-            <a:schemeClr val="lt1"/>
-          </a:fontRef>
-        </p:style>
-        <p:txBody>
-          <a:bodyPr rtlCol="0" anchor="ctr"/>
-          <a:lstStyle/>
-          <a:p>
-            <a:pPr algn="ctr"/>
-            <a:r>
-              <a:rPr lang="en-US" dirty="0" smtClean="0"/>
-              <a:t>SVD</a:t>
-            </a:r>
-            <a:endParaRPr lang="en-US" dirty="0"/>
-          </a:p>
-        </p:txBody>
-      </p:sp>
-      <p:sp>
-        <p:nvSpPr>
-          <p:cNvPr id="7" name="Rectangle: Rounded Corners 4"/>
-          <p:cNvSpPr/>
-          <p:nvPr/>
-        </p:nvSpPr>
-        <p:spPr>
-          <a:xfrm>
-            <a:off x="4390642" y="2277666"/>
-            <a:ext cx="1704564" cy="1101456"/>
-          </a:xfrm>
-          <a:prstGeom prst="roundRect">
-            <a:avLst/>
-          </a:prstGeom>
-        </p:spPr>
-        <p:style>
-          <a:lnRef idx="2">
-            <a:schemeClr val="accent1">
-              <a:shade val="50000"/>
-            </a:schemeClr>
-          </a:lnRef>
-          <a:fillRef idx="1">
-            <a:schemeClr val="accent1"/>
-          </a:fillRef>
-          <a:effectRef idx="0">
-            <a:schemeClr val="accent1"/>
-          </a:effectRef>
-          <a:fontRef idx="minor">
-            <a:schemeClr val="lt1"/>
-          </a:fontRef>
-        </p:style>
-        <p:txBody>
-          <a:bodyPr rtlCol="0" anchor="ctr"/>
-          <a:lstStyle/>
-          <a:p>
-            <a:pPr algn="ctr"/>
-            <a:r>
-              <a:rPr lang="en-US" dirty="0" smtClean="0"/>
-              <a:t>Bayesian</a:t>
-            </a:r>
-            <a:endParaRPr lang="en-US" dirty="0"/>
-          </a:p>
-        </p:txBody>
-      </p:sp>
-      <p:sp>
-        <p:nvSpPr>
-          <p:cNvPr id="8" name="Rectangle: Rounded Corners 4"/>
-          <p:cNvSpPr/>
-          <p:nvPr/>
-        </p:nvSpPr>
-        <p:spPr>
-          <a:xfrm>
-            <a:off x="6311230" y="2277666"/>
-            <a:ext cx="1250014" cy="1101456"/>
-          </a:xfrm>
-          <a:prstGeom prst="roundRect">
-            <a:avLst/>
-          </a:prstGeom>
-        </p:spPr>
-        <p:style>
-          <a:lnRef idx="2">
-            <a:schemeClr val="accent1">
-              <a:shade val="50000"/>
-            </a:schemeClr>
-          </a:lnRef>
-          <a:fillRef idx="1">
-            <a:schemeClr val="accent1"/>
-          </a:fillRef>
-          <a:effectRef idx="0">
-            <a:schemeClr val="accent1"/>
-          </a:effectRef>
-          <a:fontRef idx="minor">
-            <a:schemeClr val="lt1"/>
-          </a:fontRef>
-        </p:style>
-        <p:txBody>
-          <a:bodyPr rtlCol="0" anchor="ctr"/>
-          <a:lstStyle/>
-          <a:p>
-            <a:pPr algn="ctr"/>
-            <a:r>
-              <a:rPr lang="en-US" dirty="0" smtClean="0"/>
-              <a:t>NN</a:t>
-            </a:r>
-            <a:endParaRPr lang="en-US" dirty="0"/>
-          </a:p>
-        </p:txBody>
-      </p:sp>
-      <p:sp>
-        <p:nvSpPr>
-          <p:cNvPr id="9" name="Rectangle: Rounded Corners 4"/>
-          <p:cNvSpPr/>
-          <p:nvPr/>
-        </p:nvSpPr>
-        <p:spPr>
-          <a:xfrm>
-            <a:off x="7858277" y="2277666"/>
-            <a:ext cx="1477289" cy="1101456"/>
-          </a:xfrm>
-          <a:prstGeom prst="roundRect">
-            <a:avLst/>
-          </a:prstGeom>
-        </p:spPr>
-        <p:style>
-          <a:lnRef idx="2">
-            <a:schemeClr val="accent1">
-              <a:shade val="50000"/>
-            </a:schemeClr>
-          </a:lnRef>
-          <a:fillRef idx="1">
-            <a:schemeClr val="accent1"/>
-          </a:fillRef>
-          <a:effectRef idx="0">
-            <a:schemeClr val="accent1"/>
-          </a:effectRef>
-          <a:fontRef idx="minor">
-            <a:schemeClr val="lt1"/>
-          </a:fontRef>
-        </p:style>
-        <p:txBody>
-          <a:bodyPr rtlCol="0" anchor="ctr"/>
-          <a:lstStyle/>
-          <a:p>
-            <a:pPr algn="ctr"/>
-            <a:r>
-              <a:rPr lang="en-US" dirty="0" smtClean="0"/>
-              <a:t>Fuzzy system</a:t>
-            </a:r>
-            <a:endParaRPr lang="en-US" dirty="0"/>
-          </a:p>
-        </p:txBody>
-      </p:sp>
-      <p:sp>
-        <p:nvSpPr>
-          <p:cNvPr id="10" name="Rectangle: Rounded Corners 4"/>
-          <p:cNvSpPr/>
-          <p:nvPr/>
-        </p:nvSpPr>
-        <p:spPr>
-          <a:xfrm>
-            <a:off x="2854846" y="3789834"/>
-            <a:ext cx="2045477" cy="1101456"/>
-          </a:xfrm>
-          <a:prstGeom prst="roundRect">
-            <a:avLst/>
-          </a:prstGeom>
-        </p:spPr>
-        <p:style>
-          <a:lnRef idx="2">
-            <a:schemeClr val="accent1">
-              <a:shade val="50000"/>
-            </a:schemeClr>
-          </a:lnRef>
-          <a:fillRef idx="1">
-            <a:schemeClr val="accent1"/>
-          </a:fillRef>
-          <a:effectRef idx="0">
-            <a:schemeClr val="accent1"/>
-          </a:effectRef>
-          <a:fontRef idx="minor">
-            <a:schemeClr val="lt1"/>
-          </a:fontRef>
-        </p:style>
-        <p:txBody>
-          <a:bodyPr rtlCol="0" anchor="ctr"/>
-          <a:lstStyle/>
-          <a:p>
-            <a:pPr algn="ctr"/>
-            <a:r>
-              <a:rPr lang="en-US" dirty="0" smtClean="0"/>
-              <a:t>Genetic </a:t>
-            </a:r>
-            <a:r>
-              <a:rPr lang="en-US" dirty="0" smtClean="0"/>
-              <a:t>A</a:t>
-            </a:r>
-            <a:r>
-              <a:rPr lang="en-US" dirty="0" smtClean="0"/>
-              <a:t>lgorithm</a:t>
-            </a:r>
-            <a:endParaRPr lang="en-US" dirty="0"/>
-          </a:p>
-        </p:txBody>
-      </p:sp>
-      <p:sp>
-        <p:nvSpPr>
-          <p:cNvPr id="11" name="Rectangle: Rounded Corners 4"/>
-          <p:cNvSpPr/>
-          <p:nvPr/>
-        </p:nvSpPr>
-        <p:spPr>
-          <a:xfrm>
-            <a:off x="5188355" y="3811170"/>
-            <a:ext cx="1590927" cy="1101456"/>
-          </a:xfrm>
-          <a:prstGeom prst="roundRect">
-            <a:avLst/>
-          </a:prstGeom>
-        </p:spPr>
-        <p:style>
-          <a:lnRef idx="2">
-            <a:schemeClr val="accent1">
-              <a:shade val="50000"/>
-            </a:schemeClr>
-          </a:lnRef>
-          <a:fillRef idx="1">
-            <a:schemeClr val="accent1"/>
-          </a:fillRef>
-          <a:effectRef idx="0">
-            <a:schemeClr val="accent1"/>
-          </a:effectRef>
-          <a:fontRef idx="minor">
-            <a:schemeClr val="lt1"/>
-          </a:fontRef>
-        </p:style>
-        <p:txBody>
-          <a:bodyPr rtlCol="0" anchor="ctr"/>
-          <a:lstStyle/>
-          <a:p>
-            <a:pPr algn="ctr"/>
-            <a:r>
-              <a:rPr lang="en-US" dirty="0" smtClean="0"/>
-              <a:t>Latent Feature</a:t>
-            </a:r>
-            <a:endParaRPr lang="en-US" dirty="0"/>
-          </a:p>
-        </p:txBody>
-      </p:sp>
-      <p:sp>
-        <p:nvSpPr>
-          <p:cNvPr id="12" name="Rectangle: Rounded Corners 4"/>
-          <p:cNvSpPr/>
-          <p:nvPr/>
-        </p:nvSpPr>
-        <p:spPr>
-          <a:xfrm>
-            <a:off x="7060563" y="3811170"/>
-            <a:ext cx="2272753" cy="1101456"/>
-          </a:xfrm>
-          <a:prstGeom prst="roundRect">
-            <a:avLst/>
-          </a:prstGeom>
-        </p:spPr>
-        <p:style>
-          <a:lnRef idx="2">
-            <a:schemeClr val="accent1">
-              <a:shade val="50000"/>
-            </a:schemeClr>
-          </a:lnRef>
-          <a:fillRef idx="1">
-            <a:schemeClr val="accent1"/>
-          </a:fillRef>
-          <a:effectRef idx="0">
-            <a:schemeClr val="accent1"/>
-          </a:effectRef>
-          <a:fontRef idx="minor">
-            <a:schemeClr val="lt1"/>
-          </a:fontRef>
-        </p:style>
-        <p:txBody>
-          <a:bodyPr rtlCol="0" anchor="ctr"/>
-          <a:lstStyle/>
-          <a:p>
-            <a:pPr algn="ctr"/>
-            <a:r>
-              <a:rPr lang="en-US" dirty="0" smtClean="0"/>
-              <a:t>Matrix Factorization</a:t>
-            </a:r>
-            <a:endParaRPr lang="en-US" dirty="0"/>
+              <a:t>Details</a:t>
+            </a:r>
+          </a:p>
+          <a:p>
+            <a:r>
+              <a:rPr lang="en-IN" dirty="0" smtClean="0"/>
+              <a:t>Weighted sum</a:t>
+            </a:r>
+          </a:p>
+          <a:p>
+            <a:r>
+              <a:rPr lang="en-IN" dirty="0" smtClean="0"/>
+              <a:t>Regression</a:t>
+            </a:r>
+            <a:endParaRPr lang="en-IN" dirty="0"/>
           </a:p>
         </p:txBody>
       </p:sp>
@@ -4498,7 +4067,7 @@
           <a:p>
             <a:r>
               <a:rPr lang="en-IN" dirty="0" smtClean="0"/>
-              <a:t>Model Based CF - SVD</a:t>
+              <a:t>Model Based CF</a:t>
             </a:r>
             <a:endParaRPr lang="en-IN" dirty="0"/>
           </a:p>
@@ -4506,32 +4075,471 @@
       </p:sp>
       <p:sp>
         <p:nvSpPr>
-          <p:cNvPr id="3" name="Content Placeholder 2"/>
-          <p:cNvSpPr>
-            <a:spLocks noGrp="1"/>
-          </p:cNvSpPr>
-          <p:nvPr>
-            <p:ph idx="1"/>
-          </p:nvPr>
-        </p:nvSpPr>
-        <p:spPr/>
-        <p:txBody>
-          <a:bodyPr/>
-          <a:lstStyle/>
-          <a:p>
-            <a:r>
-              <a:rPr lang="en-IN" dirty="0" smtClean="0">
+          <p:cNvPr id="5" name="Rectangle: Rounded Corners 5"/>
+          <p:cNvSpPr/>
+          <p:nvPr/>
+        </p:nvSpPr>
+        <p:spPr>
+          <a:xfrm>
+            <a:off x="2494806" y="1773610"/>
+            <a:ext cx="7272808" cy="4248472"/>
+          </a:xfrm>
+          <a:prstGeom prst="roundRect">
+            <a:avLst/>
+          </a:prstGeom>
+        </p:spPr>
+        <p:style>
+          <a:lnRef idx="1">
+            <a:schemeClr val="accent1"/>
+          </a:lnRef>
+          <a:fillRef idx="2">
+            <a:schemeClr val="accent1"/>
+          </a:fillRef>
+          <a:effectRef idx="1">
+            <a:schemeClr val="accent1"/>
+          </a:effectRef>
+          <a:fontRef idx="minor">
+            <a:schemeClr val="dk1"/>
+          </a:fontRef>
+        </p:style>
+        <p:txBody>
+          <a:bodyPr rtlCol="0" anchor="ctr"/>
+          <a:lstStyle/>
+          <a:p>
+            <a:pPr algn="ctr"/>
+            <a:endParaRPr lang="en-US" b="1" dirty="0" smtClean="0">
+              <a:solidFill>
+                <a:schemeClr val="bg1"/>
+              </a:solidFill>
+            </a:endParaRPr>
+          </a:p>
+          <a:p>
+            <a:pPr algn="ctr"/>
+            <a:endParaRPr lang="en-US" b="1" dirty="0" smtClean="0">
+              <a:solidFill>
+                <a:schemeClr val="bg1"/>
+              </a:solidFill>
+            </a:endParaRPr>
+          </a:p>
+          <a:p>
+            <a:pPr algn="ctr"/>
+            <a:endParaRPr lang="en-US" b="1" dirty="0" smtClean="0">
+              <a:solidFill>
+                <a:schemeClr val="bg1"/>
+              </a:solidFill>
+            </a:endParaRPr>
+          </a:p>
+          <a:p>
+            <a:pPr algn="ctr"/>
+            <a:endParaRPr lang="en-US" b="1" dirty="0" smtClean="0">
+              <a:solidFill>
+                <a:schemeClr val="bg1"/>
+              </a:solidFill>
+            </a:endParaRPr>
+          </a:p>
+          <a:p>
+            <a:pPr algn="ctr"/>
+            <a:endParaRPr lang="en-US" b="1" dirty="0" smtClean="0">
+              <a:solidFill>
+                <a:schemeClr val="bg1"/>
+              </a:solidFill>
+            </a:endParaRPr>
+          </a:p>
+          <a:p>
+            <a:pPr algn="ctr"/>
+            <a:endParaRPr lang="en-US" b="1" dirty="0" smtClean="0">
+              <a:solidFill>
+                <a:schemeClr val="bg1"/>
+              </a:solidFill>
+            </a:endParaRPr>
+          </a:p>
+          <a:p>
+            <a:pPr algn="ctr"/>
+            <a:endParaRPr lang="en-US" b="1" dirty="0" smtClean="0">
+              <a:solidFill>
+                <a:schemeClr val="bg1"/>
+              </a:solidFill>
+            </a:endParaRPr>
+          </a:p>
+          <a:p>
+            <a:pPr algn="ctr"/>
+            <a:endParaRPr lang="en-US" b="1" dirty="0" smtClean="0">
+              <a:solidFill>
+                <a:schemeClr val="bg1"/>
+              </a:solidFill>
+            </a:endParaRPr>
+          </a:p>
+          <a:p>
+            <a:pPr algn="ctr"/>
+            <a:endParaRPr lang="en-US" b="1" dirty="0" smtClean="0">
+              <a:solidFill>
+                <a:schemeClr val="bg1"/>
+              </a:solidFill>
+            </a:endParaRPr>
+          </a:p>
+          <a:p>
+            <a:pPr algn="ctr"/>
+            <a:endParaRPr lang="en-US" b="1" dirty="0" smtClean="0">
+              <a:solidFill>
+                <a:schemeClr val="bg1"/>
+              </a:solidFill>
+            </a:endParaRPr>
+          </a:p>
+          <a:p>
+            <a:pPr algn="ctr"/>
+            <a:endParaRPr lang="en-US" b="1" dirty="0" smtClean="0">
+              <a:solidFill>
+                <a:schemeClr val="bg1"/>
+              </a:solidFill>
+            </a:endParaRPr>
+          </a:p>
+          <a:p>
+            <a:pPr algn="ctr"/>
+            <a:endParaRPr lang="en-US" b="1" dirty="0" smtClean="0">
+              <a:solidFill>
+                <a:schemeClr val="bg1"/>
+              </a:solidFill>
+            </a:endParaRPr>
+          </a:p>
+          <a:p>
+            <a:pPr algn="ctr"/>
+            <a:endParaRPr lang="en-US" b="1" dirty="0" smtClean="0">
+              <a:solidFill>
+                <a:schemeClr val="bg1"/>
+              </a:solidFill>
+            </a:endParaRPr>
+          </a:p>
+          <a:p>
+            <a:pPr algn="ctr"/>
+            <a:r>
+              <a:rPr lang="en-US" sz="2400" b="1" dirty="0" smtClean="0">
                 <a:solidFill>
-                  <a:srgbClr val="FF0000"/>
+                  <a:schemeClr val="bg1"/>
                 </a:solidFill>
               </a:rPr>
-              <a:t>Details</a:t>
-            </a:r>
-            <a:endParaRPr lang="en-IN" dirty="0">
+              <a:t>Model Based CF</a:t>
+            </a:r>
+            <a:endParaRPr lang="en-US" sz="2400" b="1" dirty="0">
               <a:solidFill>
-                <a:srgbClr val="FF0000"/>
+                <a:schemeClr val="bg1"/>
               </a:solidFill>
             </a:endParaRPr>
+          </a:p>
+        </p:txBody>
+      </p:sp>
+      <p:sp>
+        <p:nvSpPr>
+          <p:cNvPr id="6" name="Rectangle: Rounded Corners 4"/>
+          <p:cNvSpPr/>
+          <p:nvPr/>
+        </p:nvSpPr>
+        <p:spPr>
+          <a:xfrm>
+            <a:off x="2926854" y="2277666"/>
+            <a:ext cx="1250014" cy="1101456"/>
+          </a:xfrm>
+          <a:prstGeom prst="roundRect">
+            <a:avLst/>
+          </a:prstGeom>
+        </p:spPr>
+        <p:style>
+          <a:lnRef idx="2">
+            <a:schemeClr val="accent1">
+              <a:shade val="50000"/>
+            </a:schemeClr>
+          </a:lnRef>
+          <a:fillRef idx="1">
+            <a:schemeClr val="accent1"/>
+          </a:fillRef>
+          <a:effectRef idx="0">
+            <a:schemeClr val="accent1"/>
+          </a:effectRef>
+          <a:fontRef idx="minor">
+            <a:schemeClr val="lt1"/>
+          </a:fontRef>
+        </p:style>
+        <p:txBody>
+          <a:bodyPr rtlCol="0" anchor="ctr"/>
+          <a:lstStyle/>
+          <a:p>
+            <a:pPr algn="ctr"/>
+            <a:r>
+              <a:rPr lang="en-US" dirty="0" smtClean="0"/>
+              <a:t>SVD</a:t>
+            </a:r>
+            <a:endParaRPr lang="en-US" dirty="0"/>
+          </a:p>
+        </p:txBody>
+      </p:sp>
+      <p:sp>
+        <p:nvSpPr>
+          <p:cNvPr id="7" name="Rectangle: Rounded Corners 4"/>
+          <p:cNvSpPr/>
+          <p:nvPr/>
+        </p:nvSpPr>
+        <p:spPr>
+          <a:xfrm>
+            <a:off x="4390642" y="2277666"/>
+            <a:ext cx="1704564" cy="1101456"/>
+          </a:xfrm>
+          <a:prstGeom prst="roundRect">
+            <a:avLst/>
+          </a:prstGeom>
+        </p:spPr>
+        <p:style>
+          <a:lnRef idx="2">
+            <a:schemeClr val="accent1">
+              <a:shade val="50000"/>
+            </a:schemeClr>
+          </a:lnRef>
+          <a:fillRef idx="1">
+            <a:schemeClr val="accent1"/>
+          </a:fillRef>
+          <a:effectRef idx="0">
+            <a:schemeClr val="accent1"/>
+          </a:effectRef>
+          <a:fontRef idx="minor">
+            <a:schemeClr val="lt1"/>
+          </a:fontRef>
+        </p:style>
+        <p:txBody>
+          <a:bodyPr rtlCol="0" anchor="ctr"/>
+          <a:lstStyle/>
+          <a:p>
+            <a:pPr algn="ctr"/>
+            <a:r>
+              <a:rPr lang="en-US" dirty="0" smtClean="0"/>
+              <a:t>Bayesian</a:t>
+            </a:r>
+            <a:endParaRPr lang="en-US" dirty="0"/>
+          </a:p>
+        </p:txBody>
+      </p:sp>
+      <p:sp>
+        <p:nvSpPr>
+          <p:cNvPr id="8" name="Rectangle: Rounded Corners 4"/>
+          <p:cNvSpPr/>
+          <p:nvPr/>
+        </p:nvSpPr>
+        <p:spPr>
+          <a:xfrm>
+            <a:off x="6311230" y="2277666"/>
+            <a:ext cx="1250014" cy="1101456"/>
+          </a:xfrm>
+          <a:prstGeom prst="roundRect">
+            <a:avLst/>
+          </a:prstGeom>
+        </p:spPr>
+        <p:style>
+          <a:lnRef idx="2">
+            <a:schemeClr val="accent1">
+              <a:shade val="50000"/>
+            </a:schemeClr>
+          </a:lnRef>
+          <a:fillRef idx="1">
+            <a:schemeClr val="accent1"/>
+          </a:fillRef>
+          <a:effectRef idx="0">
+            <a:schemeClr val="accent1"/>
+          </a:effectRef>
+          <a:fontRef idx="minor">
+            <a:schemeClr val="lt1"/>
+          </a:fontRef>
+        </p:style>
+        <p:txBody>
+          <a:bodyPr rtlCol="0" anchor="ctr"/>
+          <a:lstStyle/>
+          <a:p>
+            <a:pPr algn="ctr"/>
+            <a:r>
+              <a:rPr lang="en-US" dirty="0" smtClean="0"/>
+              <a:t>NN</a:t>
+            </a:r>
+            <a:endParaRPr lang="en-US" dirty="0"/>
+          </a:p>
+        </p:txBody>
+      </p:sp>
+      <p:sp>
+        <p:nvSpPr>
+          <p:cNvPr id="9" name="Rectangle: Rounded Corners 4"/>
+          <p:cNvSpPr/>
+          <p:nvPr/>
+        </p:nvSpPr>
+        <p:spPr>
+          <a:xfrm>
+            <a:off x="7858277" y="2277666"/>
+            <a:ext cx="1477289" cy="1101456"/>
+          </a:xfrm>
+          <a:prstGeom prst="roundRect">
+            <a:avLst/>
+          </a:prstGeom>
+        </p:spPr>
+        <p:style>
+          <a:lnRef idx="2">
+            <a:schemeClr val="accent1">
+              <a:shade val="50000"/>
+            </a:schemeClr>
+          </a:lnRef>
+          <a:fillRef idx="1">
+            <a:schemeClr val="accent1"/>
+          </a:fillRef>
+          <a:effectRef idx="0">
+            <a:schemeClr val="accent1"/>
+          </a:effectRef>
+          <a:fontRef idx="minor">
+            <a:schemeClr val="lt1"/>
+          </a:fontRef>
+        </p:style>
+        <p:txBody>
+          <a:bodyPr rtlCol="0" anchor="ctr"/>
+          <a:lstStyle/>
+          <a:p>
+            <a:pPr algn="ctr"/>
+            <a:r>
+              <a:rPr lang="en-US" dirty="0" smtClean="0"/>
+              <a:t>Fuzzy system</a:t>
+            </a:r>
+            <a:endParaRPr lang="en-US" dirty="0"/>
+          </a:p>
+        </p:txBody>
+      </p:sp>
+      <p:sp>
+        <p:nvSpPr>
+          <p:cNvPr id="10" name="Rectangle: Rounded Corners 4"/>
+          <p:cNvSpPr/>
+          <p:nvPr/>
+        </p:nvSpPr>
+        <p:spPr>
+          <a:xfrm>
+            <a:off x="2854846" y="3789834"/>
+            <a:ext cx="2045477" cy="1101456"/>
+          </a:xfrm>
+          <a:prstGeom prst="roundRect">
+            <a:avLst/>
+          </a:prstGeom>
+        </p:spPr>
+        <p:style>
+          <a:lnRef idx="2">
+            <a:schemeClr val="accent1">
+              <a:shade val="50000"/>
+            </a:schemeClr>
+          </a:lnRef>
+          <a:fillRef idx="1">
+            <a:schemeClr val="accent1"/>
+          </a:fillRef>
+          <a:effectRef idx="0">
+            <a:schemeClr val="accent1"/>
+          </a:effectRef>
+          <a:fontRef idx="minor">
+            <a:schemeClr val="lt1"/>
+          </a:fontRef>
+        </p:style>
+        <p:txBody>
+          <a:bodyPr rtlCol="0" anchor="ctr"/>
+          <a:lstStyle/>
+          <a:p>
+            <a:pPr algn="ctr"/>
+            <a:r>
+              <a:rPr lang="en-US" dirty="0" smtClean="0"/>
+              <a:t>Genetic </a:t>
+            </a:r>
+            <a:r>
+              <a:rPr lang="en-US" dirty="0" smtClean="0"/>
+              <a:t>A</a:t>
+            </a:r>
+            <a:r>
+              <a:rPr lang="en-US" dirty="0" smtClean="0"/>
+              <a:t>lgorithm</a:t>
+            </a:r>
+            <a:endParaRPr lang="en-US" dirty="0"/>
+          </a:p>
+        </p:txBody>
+      </p:sp>
+      <p:sp>
+        <p:nvSpPr>
+          <p:cNvPr id="11" name="Rectangle: Rounded Corners 4"/>
+          <p:cNvSpPr/>
+          <p:nvPr/>
+        </p:nvSpPr>
+        <p:spPr>
+          <a:xfrm>
+            <a:off x="5188355" y="3811170"/>
+            <a:ext cx="1590927" cy="1101456"/>
+          </a:xfrm>
+          <a:prstGeom prst="roundRect">
+            <a:avLst/>
+          </a:prstGeom>
+        </p:spPr>
+        <p:style>
+          <a:lnRef idx="2">
+            <a:schemeClr val="accent1">
+              <a:shade val="50000"/>
+            </a:schemeClr>
+          </a:lnRef>
+          <a:fillRef idx="1">
+            <a:schemeClr val="accent1"/>
+          </a:fillRef>
+          <a:effectRef idx="0">
+            <a:schemeClr val="accent1"/>
+          </a:effectRef>
+          <a:fontRef idx="minor">
+            <a:schemeClr val="lt1"/>
+          </a:fontRef>
+        </p:style>
+        <p:txBody>
+          <a:bodyPr rtlCol="0" anchor="ctr"/>
+          <a:lstStyle/>
+          <a:p>
+            <a:pPr algn="ctr"/>
+            <a:r>
+              <a:rPr lang="en-US" dirty="0" smtClean="0"/>
+              <a:t>Latent Feature</a:t>
+            </a:r>
+            <a:endParaRPr lang="en-US" dirty="0"/>
+          </a:p>
+        </p:txBody>
+      </p:sp>
+      <p:sp>
+        <p:nvSpPr>
+          <p:cNvPr id="12" name="Rectangle: Rounded Corners 4"/>
+          <p:cNvSpPr/>
+          <p:nvPr/>
+        </p:nvSpPr>
+        <p:spPr>
+          <a:xfrm>
+            <a:off x="7060563" y="3811170"/>
+            <a:ext cx="2272753" cy="1101456"/>
+          </a:xfrm>
+          <a:prstGeom prst="roundRect">
+            <a:avLst/>
+          </a:prstGeom>
+        </p:spPr>
+        <p:style>
+          <a:lnRef idx="2">
+            <a:schemeClr val="accent1">
+              <a:shade val="50000"/>
+            </a:schemeClr>
+          </a:lnRef>
+          <a:fillRef idx="1">
+            <a:schemeClr val="accent1"/>
+          </a:fillRef>
+          <a:effectRef idx="0">
+            <a:schemeClr val="accent1"/>
+          </a:effectRef>
+          <a:fontRef idx="minor">
+            <a:schemeClr val="lt1"/>
+          </a:fontRef>
+        </p:style>
+        <p:txBody>
+          <a:bodyPr rtlCol="0" anchor="ctr"/>
+          <a:lstStyle/>
+          <a:p>
+            <a:pPr algn="ctr"/>
+            <a:r>
+              <a:rPr lang="en-US" dirty="0" smtClean="0"/>
+              <a:t>Matrix Factorization</a:t>
+            </a:r>
+            <a:endParaRPr lang="en-US" dirty="0"/>
           </a:p>
         </p:txBody>
       </p:sp>
@@ -4562,44 +4570,6 @@
       </p:grpSpPr>
       <p:sp>
         <p:nvSpPr>
-          <p:cNvPr id="10" name="Rectangle 9"/>
-          <p:cNvSpPr/>
-          <p:nvPr/>
-        </p:nvSpPr>
-        <p:spPr>
-          <a:xfrm>
-            <a:off x="9119542" y="2421682"/>
-            <a:ext cx="2448272" cy="1224136"/>
-          </a:xfrm>
-          <a:prstGeom prst="rect">
-            <a:avLst/>
-          </a:prstGeom>
-        </p:spPr>
-        <p:style>
-          <a:lnRef idx="2">
-            <a:schemeClr val="dk1"/>
-          </a:lnRef>
-          <a:fillRef idx="1">
-            <a:schemeClr val="lt1"/>
-          </a:fillRef>
-          <a:effectRef idx="0">
-            <a:schemeClr val="dk1"/>
-          </a:effectRef>
-          <a:fontRef idx="minor">
-            <a:schemeClr val="dk1"/>
-          </a:fontRef>
-        </p:style>
-        <p:txBody>
-          <a:bodyPr rtlCol="0" anchor="ctr"/>
-          <a:lstStyle/>
-          <a:p>
-            <a:pPr algn="ctr"/>
-            <a:endParaRPr lang="en-IN"/>
-          </a:p>
-        </p:txBody>
-      </p:sp>
-      <p:sp>
-        <p:nvSpPr>
           <p:cNvPr id="2" name="Title 1"/>
           <p:cNvSpPr>
             <a:spLocks noGrp="1"/>
@@ -4615,147 +4585,40 @@
           <a:p>
             <a:r>
               <a:rPr lang="en-IN" dirty="0" smtClean="0"/>
-              <a:t>Model Based CF – Matrix Factorization</a:t>
+              <a:t>Model Based CF - SVD</a:t>
             </a:r>
             <a:endParaRPr lang="en-IN" dirty="0"/>
           </a:p>
         </p:txBody>
       </p:sp>
-      <p:pic>
-        <p:nvPicPr>
-          <p:cNvPr id="5122" name="Picture 2" descr="D:\Final Year Project\summer\ppt\factorization 1.JPG"/>
-          <p:cNvPicPr>
-            <a:picLocks noChangeAspect="1" noChangeArrowheads="1"/>
-          </p:cNvPicPr>
-          <p:nvPr/>
-        </p:nvPicPr>
-        <p:blipFill>
-          <a:blip r:embed="rId2" cstate="print"/>
-          <a:srcRect/>
-          <a:stretch>
-            <a:fillRect/>
-          </a:stretch>
-        </p:blipFill>
-        <p:spPr bwMode="auto">
-          <a:xfrm>
-            <a:off x="9684236" y="2925738"/>
-            <a:ext cx="1379522" cy="576064"/>
-          </a:xfrm>
-          <a:prstGeom prst="rect">
-            <a:avLst/>
-          </a:prstGeom>
-          <a:noFill/>
-        </p:spPr>
-      </p:pic>
-      <p:pic>
-        <p:nvPicPr>
-          <p:cNvPr id="5123" name="Picture 3" descr="D:\Final Year Project\summer\ppt\factorization 2.JPG"/>
-          <p:cNvPicPr>
-            <a:picLocks noChangeAspect="1" noChangeArrowheads="1"/>
-          </p:cNvPicPr>
-          <p:nvPr/>
-        </p:nvPicPr>
-        <p:blipFill>
-          <a:blip r:embed="rId3" cstate="print"/>
-          <a:srcRect/>
-          <a:stretch>
-            <a:fillRect/>
-          </a:stretch>
-        </p:blipFill>
-        <p:spPr bwMode="auto">
-          <a:xfrm>
-            <a:off x="2860305" y="5878066"/>
-            <a:ext cx="4427726" cy="720080"/>
-          </a:xfrm>
-          <a:prstGeom prst="rect">
-            <a:avLst/>
-          </a:prstGeom>
-          <a:noFill/>
-        </p:spPr>
-      </p:pic>
-      <p:sp>
-        <p:nvSpPr>
-          <p:cNvPr id="6" name="TextBox 5"/>
-          <p:cNvSpPr txBox="1"/>
-          <p:nvPr/>
-        </p:nvSpPr>
-        <p:spPr>
-          <a:xfrm>
-            <a:off x="1054646" y="5229994"/>
-            <a:ext cx="3605859" cy="523220"/>
-          </a:xfrm>
-          <a:prstGeom prst="rect">
-            <a:avLst/>
-          </a:prstGeom>
-          <a:noFill/>
-        </p:spPr>
-        <p:txBody>
-          <a:bodyPr wrap="none" rtlCol="0">
-            <a:spAutoFit/>
-          </a:bodyPr>
-          <a:lstStyle/>
-          <a:p>
-            <a:r>
-              <a:rPr lang="en-IN" sz="2800" dirty="0" smtClean="0"/>
-              <a:t>Using Gradient Descent</a:t>
-            </a:r>
-            <a:endParaRPr lang="en-IN" sz="2800" dirty="0"/>
-          </a:p>
-        </p:txBody>
-      </p:sp>
-      <p:pic>
-        <p:nvPicPr>
-          <p:cNvPr id="5124" name="Picture 4" descr="D:\Final Year Project\summer\ppt\factorization 3.JPG"/>
-          <p:cNvPicPr>
-            <a:picLocks noChangeAspect="1" noChangeArrowheads="1"/>
-          </p:cNvPicPr>
-          <p:nvPr/>
-        </p:nvPicPr>
-        <p:blipFill>
-          <a:blip r:embed="rId4" cstate="print"/>
-          <a:srcRect/>
-          <a:stretch>
-            <a:fillRect/>
-          </a:stretch>
-        </p:blipFill>
-        <p:spPr bwMode="auto">
-          <a:xfrm>
-            <a:off x="1846734" y="1629594"/>
-            <a:ext cx="6336704" cy="2732704"/>
-          </a:xfrm>
-          <a:prstGeom prst="rect">
-            <a:avLst/>
-          </a:prstGeom>
-          <a:noFill/>
-        </p:spPr>
-      </p:pic>
-      <p:sp>
-        <p:nvSpPr>
-          <p:cNvPr id="9" name="TextBox 8"/>
-          <p:cNvSpPr txBox="1"/>
-          <p:nvPr/>
-        </p:nvSpPr>
-        <p:spPr>
-          <a:xfrm>
-            <a:off x="9194078" y="2493690"/>
-            <a:ext cx="1797672" cy="369332"/>
-          </a:xfrm>
-          <a:prstGeom prst="rect">
-            <a:avLst/>
-          </a:prstGeom>
-          <a:noFill/>
-        </p:spPr>
-        <p:txBody>
-          <a:bodyPr wrap="none" rtlCol="0">
-            <a:spAutoFit/>
-          </a:bodyPr>
-          <a:lstStyle/>
-          <a:p>
-            <a:r>
-              <a:rPr lang="en-IN" dirty="0" smtClean="0"/>
-              <a:t>Predicted Rating-</a:t>
-            </a:r>
-            <a:endParaRPr lang="en-IN" dirty="0"/>
+      <p:sp>
+        <p:nvSpPr>
+          <p:cNvPr id="3" name="Content Placeholder 2"/>
+          <p:cNvSpPr>
+            <a:spLocks noGrp="1"/>
+          </p:cNvSpPr>
+          <p:nvPr>
+            <p:ph idx="1"/>
+          </p:nvPr>
+        </p:nvSpPr>
+        <p:spPr/>
+        <p:txBody>
+          <a:bodyPr/>
+          <a:lstStyle/>
+          <a:p>
+            <a:r>
+              <a:rPr lang="en-IN" dirty="0" smtClean="0">
+                <a:solidFill>
+                  <a:srgbClr val="FF0000"/>
+                </a:solidFill>
+              </a:rPr>
+              <a:t>Details</a:t>
+            </a:r>
+            <a:endParaRPr lang="en-IN" dirty="0">
+              <a:solidFill>
+                <a:srgbClr val="FF0000"/>
+              </a:solidFill>
+            </a:endParaRPr>
           </a:p>
         </p:txBody>
       </p:sp>
@@ -4786,331 +4649,14 @@
       </p:grpSpPr>
       <p:sp>
         <p:nvSpPr>
-          <p:cNvPr id="2" name="Title 1"/>
-          <p:cNvSpPr>
-            <a:spLocks noGrp="1"/>
-          </p:cNvSpPr>
-          <p:nvPr>
-            <p:ph type="title"/>
-          </p:nvPr>
-        </p:nvSpPr>
-        <p:spPr/>
-        <p:txBody>
-          <a:bodyPr/>
-          <a:lstStyle/>
-          <a:p>
-            <a:r>
-              <a:rPr lang="en-IN" dirty="0" smtClean="0"/>
-              <a:t>Model Based CF – Matrix </a:t>
-            </a:r>
-            <a:r>
-              <a:rPr lang="en-IN" dirty="0" smtClean="0"/>
-              <a:t>Factorization</a:t>
-            </a:r>
-            <a:endParaRPr lang="en-IN" dirty="0"/>
-          </a:p>
-        </p:txBody>
-      </p:sp>
-      <p:sp>
-        <p:nvSpPr>
-          <p:cNvPr id="3" name="Content Placeholder 2"/>
-          <p:cNvSpPr>
-            <a:spLocks noGrp="1"/>
-          </p:cNvSpPr>
-          <p:nvPr>
-            <p:ph idx="1"/>
-          </p:nvPr>
+          <p:cNvPr id="10" name="Rectangle 9"/>
+          <p:cNvSpPr/>
+          <p:nvPr/>
         </p:nvSpPr>
         <p:spPr>
           <a:xfrm>
-            <a:off x="838091" y="1826048"/>
-            <a:ext cx="10514231" cy="451618"/>
-          </a:xfrm>
-        </p:spPr>
-        <p:txBody>
-          <a:bodyPr>
-            <a:normAutofit lnSpcReduction="10000"/>
-          </a:bodyPr>
-          <a:lstStyle/>
-          <a:p>
-            <a:r>
-              <a:rPr lang="en-IN" dirty="0" smtClean="0"/>
-              <a:t>Considering Bias - </a:t>
-            </a:r>
-            <a:endParaRPr lang="en-IN" dirty="0"/>
-          </a:p>
-        </p:txBody>
-      </p:sp>
-      <p:pic>
-        <p:nvPicPr>
-          <p:cNvPr id="6146" name="Picture 2" descr="D:\Final Year Project\summer\ppt\bias1.JPG"/>
-          <p:cNvPicPr>
-            <a:picLocks noChangeAspect="1" noChangeArrowheads="1"/>
-          </p:cNvPicPr>
-          <p:nvPr/>
-        </p:nvPicPr>
-        <p:blipFill>
-          <a:blip r:embed="rId2" cstate="print"/>
-          <a:srcRect/>
-          <a:stretch>
-            <a:fillRect/>
-          </a:stretch>
-        </p:blipFill>
-        <p:spPr bwMode="auto">
-          <a:xfrm>
-            <a:off x="3862958" y="2061642"/>
-            <a:ext cx="2559054" cy="792088"/>
-          </a:xfrm>
-          <a:prstGeom prst="rect">
-            <a:avLst/>
-          </a:prstGeom>
-          <a:noFill/>
-        </p:spPr>
-      </p:pic>
-      <p:pic>
-        <p:nvPicPr>
-          <p:cNvPr id="6147" name="Picture 3" descr="D:\Final Year Project\summer\ppt\bias2.JPG"/>
-          <p:cNvPicPr>
-            <a:picLocks noChangeAspect="1" noChangeArrowheads="1"/>
-          </p:cNvPicPr>
-          <p:nvPr/>
-        </p:nvPicPr>
-        <p:blipFill>
-          <a:blip r:embed="rId3" cstate="print"/>
-          <a:srcRect/>
-          <a:stretch>
-            <a:fillRect/>
-          </a:stretch>
-        </p:blipFill>
-        <p:spPr bwMode="auto">
-          <a:xfrm>
-            <a:off x="3574926" y="3573810"/>
-            <a:ext cx="3425246" cy="792088"/>
-          </a:xfrm>
-          <a:prstGeom prst="rect">
-            <a:avLst/>
-          </a:prstGeom>
-          <a:noFill/>
-        </p:spPr>
-      </p:pic>
-      <p:pic>
-        <p:nvPicPr>
-          <p:cNvPr id="6148" name="Picture 4" descr="D:\Final Year Project\summer\ppt\bias3.JPG"/>
-          <p:cNvPicPr>
-            <a:picLocks noChangeAspect="1" noChangeArrowheads="1"/>
-          </p:cNvPicPr>
-          <p:nvPr/>
-        </p:nvPicPr>
-        <p:blipFill>
-          <a:blip r:embed="rId4" cstate="print"/>
-          <a:srcRect/>
-          <a:stretch>
-            <a:fillRect/>
-          </a:stretch>
-        </p:blipFill>
-        <p:spPr bwMode="auto">
-          <a:xfrm>
-            <a:off x="3214886" y="5229994"/>
-            <a:ext cx="4683651" cy="1224136"/>
-          </a:xfrm>
-          <a:prstGeom prst="rect">
-            <a:avLst/>
-          </a:prstGeom>
-          <a:noFill/>
-        </p:spPr>
-      </p:pic>
-      <p:sp>
-        <p:nvSpPr>
-          <p:cNvPr id="7" name="Content Placeholder 2"/>
-          <p:cNvSpPr txBox="1">
-            <a:spLocks/>
-          </p:cNvSpPr>
-          <p:nvPr/>
-        </p:nvSpPr>
-        <p:spPr>
-          <a:xfrm>
-            <a:off x="838622" y="2997746"/>
-            <a:ext cx="10514231" cy="451618"/>
-          </a:xfrm>
-          <a:prstGeom prst="rect">
-            <a:avLst/>
-          </a:prstGeom>
-        </p:spPr>
-        <p:txBody>
-          <a:bodyPr vert="horz" lIns="91440" tIns="45720" rIns="91440" bIns="45720" rtlCol="0">
-            <a:normAutofit lnSpcReduction="10000"/>
-          </a:bodyPr>
-          <a:lstStyle/>
-          <a:p>
-            <a:pPr marL="228577" marR="0" lvl="0" indent="-228577" algn="l" defTabSz="914309" rtl="0" eaLnBrk="1" fontAlgn="auto" latinLnBrk="0" hangingPunct="1">
-              <a:lnSpc>
-                <a:spcPct val="90000"/>
-              </a:lnSpc>
-              <a:spcBef>
-                <a:spcPts val="1000"/>
-              </a:spcBef>
-              <a:spcAft>
-                <a:spcPts val="0"/>
-              </a:spcAft>
-              <a:buClrTx/>
-              <a:buSzTx/>
-              <a:buFont typeface="Arial" panose="020B0604020202020204" pitchFamily="34" charset="0"/>
-              <a:buChar char="•"/>
-              <a:tabLst/>
-              <a:defRPr/>
-            </a:pPr>
-            <a:r>
-              <a:rPr kumimoji="0" lang="en-IN" sz="2800" b="0" i="0" u="none" strike="noStrike" kern="1200" cap="none" spc="0" normalizeH="0" baseline="0" noProof="0" dirty="0" smtClean="0">
-                <a:ln>
-                  <a:noFill/>
-                </a:ln>
-                <a:solidFill>
-                  <a:schemeClr val="tx1"/>
-                </a:solidFill>
-                <a:effectLst/>
-                <a:uLnTx/>
-                <a:uFillTx/>
-                <a:latin typeface="+mn-lt"/>
-                <a:ea typeface="+mn-ea"/>
-                <a:cs typeface="+mn-cs"/>
-              </a:rPr>
-              <a:t>Adding Bias to factorization - </a:t>
-            </a:r>
-            <a:endParaRPr kumimoji="0" lang="en-IN" sz="2800" b="0" i="0" u="none" strike="noStrike" kern="1200" cap="none" spc="0" normalizeH="0" baseline="0" noProof="0" dirty="0">
-              <a:ln>
-                <a:noFill/>
-              </a:ln>
-              <a:solidFill>
-                <a:schemeClr val="tx1"/>
-              </a:solidFill>
-              <a:effectLst/>
-              <a:uLnTx/>
-              <a:uFillTx/>
-              <a:latin typeface="+mn-lt"/>
-              <a:ea typeface="+mn-ea"/>
-              <a:cs typeface="+mn-cs"/>
-            </a:endParaRPr>
-          </a:p>
-        </p:txBody>
-      </p:sp>
-      <p:sp>
-        <p:nvSpPr>
-          <p:cNvPr id="8" name="Content Placeholder 2"/>
-          <p:cNvSpPr txBox="1">
-            <a:spLocks/>
-          </p:cNvSpPr>
-          <p:nvPr/>
-        </p:nvSpPr>
-        <p:spPr>
-          <a:xfrm>
-            <a:off x="838622" y="4634360"/>
-            <a:ext cx="10514231" cy="451618"/>
-          </a:xfrm>
-          <a:prstGeom prst="rect">
-            <a:avLst/>
-          </a:prstGeom>
-        </p:spPr>
-        <p:txBody>
-          <a:bodyPr vert="horz" lIns="91440" tIns="45720" rIns="91440" bIns="45720" rtlCol="0">
-            <a:normAutofit lnSpcReduction="10000"/>
-          </a:bodyPr>
-          <a:lstStyle/>
-          <a:p>
-            <a:pPr marL="228577" marR="0" lvl="0" indent="-228577" algn="l" defTabSz="914309" rtl="0" eaLnBrk="1" fontAlgn="auto" latinLnBrk="0" hangingPunct="1">
-              <a:lnSpc>
-                <a:spcPct val="90000"/>
-              </a:lnSpc>
-              <a:spcBef>
-                <a:spcPts val="1000"/>
-              </a:spcBef>
-              <a:spcAft>
-                <a:spcPts val="0"/>
-              </a:spcAft>
-              <a:buClrTx/>
-              <a:buSzTx/>
-              <a:buFont typeface="Arial" panose="020B0604020202020204" pitchFamily="34" charset="0"/>
-              <a:buChar char="•"/>
-              <a:tabLst/>
-              <a:defRPr/>
-            </a:pPr>
-            <a:r>
-              <a:rPr kumimoji="0" lang="en-IN" sz="2800" b="0" i="0" u="none" strike="noStrike" kern="1200" cap="none" spc="0" normalizeH="0" baseline="0" noProof="0" dirty="0" smtClean="0">
-                <a:ln>
-                  <a:noFill/>
-                </a:ln>
-                <a:solidFill>
-                  <a:schemeClr val="tx1"/>
-                </a:solidFill>
-                <a:effectLst/>
-                <a:uLnTx/>
-                <a:uFillTx/>
-                <a:latin typeface="+mn-lt"/>
-                <a:ea typeface="+mn-ea"/>
-                <a:cs typeface="+mn-cs"/>
-              </a:rPr>
-              <a:t>Updated</a:t>
-            </a:r>
-            <a:r>
-              <a:rPr kumimoji="0" lang="en-IN" sz="2800" b="0" i="0" u="none" strike="noStrike" kern="1200" cap="none" spc="0" normalizeH="0" noProof="0" dirty="0" smtClean="0">
-                <a:ln>
-                  <a:noFill/>
-                </a:ln>
-                <a:solidFill>
-                  <a:schemeClr val="tx1"/>
-                </a:solidFill>
-                <a:effectLst/>
-                <a:uLnTx/>
-                <a:uFillTx/>
-                <a:latin typeface="+mn-lt"/>
-                <a:ea typeface="+mn-ea"/>
-                <a:cs typeface="+mn-cs"/>
-              </a:rPr>
-              <a:t> Gradient Descent</a:t>
-            </a:r>
-            <a:r>
-              <a:rPr kumimoji="0" lang="en-IN" sz="2800" b="0" i="0" u="none" strike="noStrike" kern="1200" cap="none" spc="0" normalizeH="0" baseline="0" noProof="0" dirty="0" smtClean="0">
-                <a:ln>
-                  <a:noFill/>
-                </a:ln>
-                <a:solidFill>
-                  <a:schemeClr val="tx1"/>
-                </a:solidFill>
-                <a:effectLst/>
-                <a:uLnTx/>
-                <a:uFillTx/>
-                <a:latin typeface="+mn-lt"/>
-                <a:ea typeface="+mn-ea"/>
-                <a:cs typeface="+mn-cs"/>
-              </a:rPr>
-              <a:t> - </a:t>
-            </a:r>
-            <a:endParaRPr kumimoji="0" lang="en-IN" sz="2800" b="0" i="0" u="none" strike="noStrike" kern="1200" cap="none" spc="0" normalizeH="0" baseline="0" noProof="0" dirty="0">
-              <a:ln>
-                <a:noFill/>
-              </a:ln>
-              <a:solidFill>
-                <a:schemeClr val="tx1"/>
-              </a:solidFill>
-              <a:effectLst/>
-              <a:uLnTx/>
-              <a:uFillTx/>
-              <a:latin typeface="+mn-lt"/>
-              <a:ea typeface="+mn-ea"/>
-              <a:cs typeface="+mn-cs"/>
-            </a:endParaRPr>
-          </a:p>
-        </p:txBody>
-      </p:sp>
-      <p:sp>
-        <p:nvSpPr>
-          <p:cNvPr id="9" name="TextBox 8"/>
-          <p:cNvSpPr txBox="1"/>
-          <p:nvPr/>
-        </p:nvSpPr>
-        <p:spPr>
-          <a:xfrm>
-            <a:off x="8471470" y="5302002"/>
-            <a:ext cx="3312368" cy="923330"/>
+            <a:off x="9119542" y="2421682"/>
+            <a:ext cx="2448272" cy="1224136"/>
           </a:xfrm>
           <a:prstGeom prst="rect">
             <a:avLst/>
@@ -5131,14 +4677,170 @@
           </a:fontRef>
         </p:style>
         <p:txBody>
-          <a:bodyPr wrap="square" rtlCol="0">
+          <a:bodyPr rtlCol="0" anchor="ctr"/>
+          <a:lstStyle/>
+          <a:p>
+            <a:pPr algn="ctr"/>
+            <a:endParaRPr lang="en-IN"/>
+          </a:p>
+        </p:txBody>
+      </p:sp>
+      <p:sp>
+        <p:nvSpPr>
+          <p:cNvPr id="2" name="Title 1"/>
+          <p:cNvSpPr>
+            <a:spLocks noGrp="1"/>
+          </p:cNvSpPr>
+          <p:nvPr>
+            <p:ph type="title"/>
+          </p:nvPr>
+        </p:nvSpPr>
+        <p:spPr/>
+        <p:txBody>
+          <a:bodyPr/>
+          <a:lstStyle/>
+          <a:p>
+            <a:r>
+              <a:rPr lang="en-IN" dirty="0" smtClean="0"/>
+              <a:t>Model Based CF – Matrix Factorization</a:t>
+            </a:r>
+            <a:endParaRPr lang="en-IN" dirty="0"/>
+          </a:p>
+        </p:txBody>
+      </p:sp>
+      <p:pic>
+        <p:nvPicPr>
+          <p:cNvPr id="5122" name="Picture 2" descr="D:\Final Year Project\summer\ppt\factorization 1.JPG"/>
+          <p:cNvPicPr>
+            <a:picLocks noChangeAspect="1" noChangeArrowheads="1"/>
+          </p:cNvPicPr>
+          <p:nvPr/>
+        </p:nvPicPr>
+        <p:blipFill>
+          <a:blip r:embed="rId2" cstate="print"/>
+          <a:srcRect/>
+          <a:stretch>
+            <a:fillRect/>
+          </a:stretch>
+        </p:blipFill>
+        <p:spPr bwMode="auto">
+          <a:xfrm>
+            <a:off x="9684236" y="2925738"/>
+            <a:ext cx="1379522" cy="576064"/>
+          </a:xfrm>
+          <a:prstGeom prst="rect">
+            <a:avLst/>
+          </a:prstGeom>
+          <a:noFill/>
+        </p:spPr>
+      </p:pic>
+      <p:pic>
+        <p:nvPicPr>
+          <p:cNvPr id="5123" name="Picture 3" descr="D:\Final Year Project\summer\ppt\factorization 2.JPG"/>
+          <p:cNvPicPr>
+            <a:picLocks noChangeAspect="1" noChangeArrowheads="1"/>
+          </p:cNvPicPr>
+          <p:nvPr/>
+        </p:nvPicPr>
+        <p:blipFill>
+          <a:blip r:embed="rId3" cstate="print"/>
+          <a:srcRect/>
+          <a:stretch>
+            <a:fillRect/>
+          </a:stretch>
+        </p:blipFill>
+        <p:spPr bwMode="auto">
+          <a:xfrm>
+            <a:off x="2860305" y="5878066"/>
+            <a:ext cx="4427726" cy="720080"/>
+          </a:xfrm>
+          <a:prstGeom prst="rect">
+            <a:avLst/>
+          </a:prstGeom>
+          <a:noFill/>
+        </p:spPr>
+      </p:pic>
+      <p:sp>
+        <p:nvSpPr>
+          <p:cNvPr id="6" name="TextBox 5"/>
+          <p:cNvSpPr txBox="1"/>
+          <p:nvPr/>
+        </p:nvSpPr>
+        <p:spPr>
+          <a:xfrm>
+            <a:off x="1054646" y="5229994"/>
+            <a:ext cx="3605859" cy="523220"/>
+          </a:xfrm>
+          <a:prstGeom prst="rect">
+            <a:avLst/>
+          </a:prstGeom>
+          <a:noFill/>
+        </p:spPr>
+        <p:txBody>
+          <a:bodyPr wrap="none" rtlCol="0">
             <a:spAutoFit/>
           </a:bodyPr>
           <a:lstStyle/>
           <a:p>
             <a:r>
-              <a:rPr lang="en-IN" dirty="0" smtClean="0"/>
-              <a:t>Regularization term is Required as the Rating matrix is Sparse, which may lead to over fitting.</a:t>
+              <a:rPr lang="en-IN" sz="2800" dirty="0" smtClean="0"/>
+              <a:t>Using Gradient Descent</a:t>
+            </a:r>
+            <a:endParaRPr lang="en-IN" sz="2800" dirty="0"/>
+          </a:p>
+        </p:txBody>
+      </p:sp>
+      <p:pic>
+        <p:nvPicPr>
+          <p:cNvPr id="5124" name="Picture 4" descr="D:\Final Year Project\summer\ppt\factorization 3.JPG"/>
+          <p:cNvPicPr>
+            <a:picLocks noChangeAspect="1" noChangeArrowheads="1"/>
+          </p:cNvPicPr>
+          <p:nvPr/>
+        </p:nvPicPr>
+        <p:blipFill>
+          <a:blip r:embed="rId4" cstate="print"/>
+          <a:srcRect/>
+          <a:stretch>
+            <a:fillRect/>
+          </a:stretch>
+        </p:blipFill>
+        <p:spPr bwMode="auto">
+          <a:xfrm>
+            <a:off x="1846734" y="1629594"/>
+            <a:ext cx="6336704" cy="2732704"/>
+          </a:xfrm>
+          <a:prstGeom prst="rect">
+            <a:avLst/>
+          </a:prstGeom>
+          <a:noFill/>
+        </p:spPr>
+      </p:pic>
+      <p:sp>
+        <p:nvSpPr>
+          <p:cNvPr id="9" name="TextBox 8"/>
+          <p:cNvSpPr txBox="1"/>
+          <p:nvPr/>
+        </p:nvSpPr>
+        <p:spPr>
+          <a:xfrm>
+            <a:off x="9194078" y="2493690"/>
+            <a:ext cx="1797672" cy="369332"/>
+          </a:xfrm>
+          <a:prstGeom prst="rect">
+            <a:avLst/>
+          </a:prstGeom>
+          <a:noFill/>
+        </p:spPr>
+        <p:txBody>
+          <a:bodyPr wrap="none" rtlCol="0">
+            <a:spAutoFit/>
+          </a:bodyPr>
+          <a:lstStyle/>
+          <a:p>
+            <a:r>
+              <a:rPr lang="en-IN" dirty="0" smtClean="0"/>
+              <a:t>Predicted Rating-</a:t>
             </a:r>
             <a:endParaRPr lang="en-IN" dirty="0"/>
           </a:p>
@@ -5186,7 +4888,41 @@
           <a:p>
             <a:r>
               <a:rPr lang="en-IN" dirty="0" smtClean="0"/>
-              <a:t>Group Recommendation</a:t>
+              <a:t>Model Based CF – Matrix </a:t>
+            </a:r>
+            <a:r>
+              <a:rPr lang="en-IN" dirty="0" smtClean="0"/>
+              <a:t>Factorization</a:t>
+            </a:r>
+            <a:endParaRPr lang="en-IN" dirty="0"/>
+          </a:p>
+        </p:txBody>
+      </p:sp>
+      <p:sp>
+        <p:nvSpPr>
+          <p:cNvPr id="3" name="Content Placeholder 2"/>
+          <p:cNvSpPr>
+            <a:spLocks noGrp="1"/>
+          </p:cNvSpPr>
+          <p:nvPr>
+            <p:ph idx="1"/>
+          </p:nvPr>
+        </p:nvSpPr>
+        <p:spPr>
+          <a:xfrm>
+            <a:off x="838091" y="1826048"/>
+            <a:ext cx="10514231" cy="451618"/>
+          </a:xfrm>
+        </p:spPr>
+        <p:txBody>
+          <a:bodyPr>
+            <a:normAutofit lnSpcReduction="10000"/>
+          </a:bodyPr>
+          <a:lstStyle/>
+          <a:p>
+            <a:r>
+              <a:rPr lang="en-IN" dirty="0" smtClean="0"/>
+              <a:t>Considering Bias - </a:t>
             </a:r>
             <a:endParaRPr lang="en-IN" dirty="0"/>
           </a:p>
@@ -5194,7 +4930,7 @@
       </p:sp>
       <p:pic>
         <p:nvPicPr>
-          <p:cNvPr id="3074" name="Picture 2" descr="D:\Final Year Project\summer\ppt\group.JPG"/>
+          <p:cNvPr id="6146" name="Picture 2" descr="D:\Final Year Project\summer\ppt\bias1.JPG"/>
           <p:cNvPicPr>
             <a:picLocks noChangeAspect="1" noChangeArrowheads="1"/>
           </p:cNvPicPr>
@@ -5209,8 +4945,8 @@
         </p:blipFill>
         <p:spPr bwMode="auto">
           <a:xfrm>
-            <a:off x="1414686" y="1674292"/>
-            <a:ext cx="9434258" cy="4779838"/>
+            <a:off x="3862958" y="2061642"/>
+            <a:ext cx="2559054" cy="792088"/>
           </a:xfrm>
           <a:prstGeom prst="rect">
             <a:avLst/>
@@ -5218,6 +4954,283 @@
           <a:noFill/>
         </p:spPr>
       </p:pic>
+      <p:pic>
+        <p:nvPicPr>
+          <p:cNvPr id="6147" name="Picture 3" descr="D:\Final Year Project\summer\ppt\bias2.JPG"/>
+          <p:cNvPicPr>
+            <a:picLocks noChangeAspect="1" noChangeArrowheads="1"/>
+          </p:cNvPicPr>
+          <p:nvPr/>
+        </p:nvPicPr>
+        <p:blipFill>
+          <a:blip r:embed="rId3" cstate="print"/>
+          <a:srcRect/>
+          <a:stretch>
+            <a:fillRect/>
+          </a:stretch>
+        </p:blipFill>
+        <p:spPr bwMode="auto">
+          <a:xfrm>
+            <a:off x="3574926" y="3573810"/>
+            <a:ext cx="3425246" cy="792088"/>
+          </a:xfrm>
+          <a:prstGeom prst="rect">
+            <a:avLst/>
+          </a:prstGeom>
+          <a:noFill/>
+        </p:spPr>
+      </p:pic>
+      <p:pic>
+        <p:nvPicPr>
+          <p:cNvPr id="6148" name="Picture 4" descr="D:\Final Year Project\summer\ppt\bias3.JPG"/>
+          <p:cNvPicPr>
+            <a:picLocks noChangeAspect="1" noChangeArrowheads="1"/>
+          </p:cNvPicPr>
+          <p:nvPr/>
+        </p:nvPicPr>
+        <p:blipFill>
+          <a:blip r:embed="rId4" cstate="print"/>
+          <a:srcRect/>
+          <a:stretch>
+            <a:fillRect/>
+          </a:stretch>
+        </p:blipFill>
+        <p:spPr bwMode="auto">
+          <a:xfrm>
+            <a:off x="3214886" y="5229994"/>
+            <a:ext cx="4683651" cy="1224136"/>
+          </a:xfrm>
+          <a:prstGeom prst="rect">
+            <a:avLst/>
+          </a:prstGeom>
+          <a:noFill/>
+        </p:spPr>
+      </p:pic>
+      <p:sp>
+        <p:nvSpPr>
+          <p:cNvPr id="7" name="Content Placeholder 2"/>
+          <p:cNvSpPr txBox="1">
+            <a:spLocks/>
+          </p:cNvSpPr>
+          <p:nvPr/>
+        </p:nvSpPr>
+        <p:spPr>
+          <a:xfrm>
+            <a:off x="838622" y="2997746"/>
+            <a:ext cx="10514231" cy="451618"/>
+          </a:xfrm>
+          <a:prstGeom prst="rect">
+            <a:avLst/>
+          </a:prstGeom>
+        </p:spPr>
+        <p:txBody>
+          <a:bodyPr vert="horz" lIns="91440" tIns="45720" rIns="91440" bIns="45720" rtlCol="0">
+            <a:normAutofit lnSpcReduction="10000"/>
+          </a:bodyPr>
+          <a:lstStyle/>
+          <a:p>
+            <a:pPr marL="228577" marR="0" lvl="0" indent="-228577" algn="l" defTabSz="914309" rtl="0" eaLnBrk="1" fontAlgn="auto" latinLnBrk="0" hangingPunct="1">
+              <a:lnSpc>
+                <a:spcPct val="90000"/>
+              </a:lnSpc>
+              <a:spcBef>
+                <a:spcPts val="1000"/>
+              </a:spcBef>
+              <a:spcAft>
+                <a:spcPts val="0"/>
+              </a:spcAft>
+              <a:buClrTx/>
+              <a:buSzTx/>
+              <a:buFont typeface="Arial" panose="020B0604020202020204" pitchFamily="34" charset="0"/>
+              <a:buChar char="•"/>
+              <a:tabLst/>
+              <a:defRPr/>
+            </a:pPr>
+            <a:r>
+              <a:rPr kumimoji="0" lang="en-IN" sz="2800" b="0" i="0" u="none" strike="noStrike" kern="1200" cap="none" spc="0" normalizeH="0" baseline="0" noProof="0" dirty="0" smtClean="0">
+                <a:ln>
+                  <a:noFill/>
+                </a:ln>
+                <a:solidFill>
+                  <a:schemeClr val="tx1"/>
+                </a:solidFill>
+                <a:effectLst/>
+                <a:uLnTx/>
+                <a:uFillTx/>
+                <a:latin typeface="+mn-lt"/>
+                <a:ea typeface="+mn-ea"/>
+                <a:cs typeface="+mn-cs"/>
+              </a:rPr>
+              <a:t>Adding Bias to factorization - </a:t>
+            </a:r>
+            <a:endParaRPr kumimoji="0" lang="en-IN" sz="2800" b="0" i="0" u="none" strike="noStrike" kern="1200" cap="none" spc="0" normalizeH="0" baseline="0" noProof="0" dirty="0">
+              <a:ln>
+                <a:noFill/>
+              </a:ln>
+              <a:solidFill>
+                <a:schemeClr val="tx1"/>
+              </a:solidFill>
+              <a:effectLst/>
+              <a:uLnTx/>
+              <a:uFillTx/>
+              <a:latin typeface="+mn-lt"/>
+              <a:ea typeface="+mn-ea"/>
+              <a:cs typeface="+mn-cs"/>
+            </a:endParaRPr>
+          </a:p>
+        </p:txBody>
+      </p:sp>
+      <p:sp>
+        <p:nvSpPr>
+          <p:cNvPr id="8" name="Content Placeholder 2"/>
+          <p:cNvSpPr txBox="1">
+            <a:spLocks/>
+          </p:cNvSpPr>
+          <p:nvPr/>
+        </p:nvSpPr>
+        <p:spPr>
+          <a:xfrm>
+            <a:off x="838622" y="4634360"/>
+            <a:ext cx="10514231" cy="451618"/>
+          </a:xfrm>
+          <a:prstGeom prst="rect">
+            <a:avLst/>
+          </a:prstGeom>
+        </p:spPr>
+        <p:txBody>
+          <a:bodyPr vert="horz" lIns="91440" tIns="45720" rIns="91440" bIns="45720" rtlCol="0">
+            <a:normAutofit lnSpcReduction="10000"/>
+          </a:bodyPr>
+          <a:lstStyle/>
+          <a:p>
+            <a:pPr marL="228577" marR="0" lvl="0" indent="-228577" algn="l" defTabSz="914309" rtl="0" eaLnBrk="1" fontAlgn="auto" latinLnBrk="0" hangingPunct="1">
+              <a:lnSpc>
+                <a:spcPct val="90000"/>
+              </a:lnSpc>
+              <a:spcBef>
+                <a:spcPts val="1000"/>
+              </a:spcBef>
+              <a:spcAft>
+                <a:spcPts val="0"/>
+              </a:spcAft>
+              <a:buClrTx/>
+              <a:buSzTx/>
+              <a:buFont typeface="Arial" panose="020B0604020202020204" pitchFamily="34" charset="0"/>
+              <a:buChar char="•"/>
+              <a:tabLst/>
+              <a:defRPr/>
+            </a:pPr>
+            <a:r>
+              <a:rPr kumimoji="0" lang="en-IN" sz="2800" b="0" i="0" u="none" strike="noStrike" kern="1200" cap="none" spc="0" normalizeH="0" baseline="0" noProof="0" dirty="0" smtClean="0">
+                <a:ln>
+                  <a:noFill/>
+                </a:ln>
+                <a:solidFill>
+                  <a:schemeClr val="tx1"/>
+                </a:solidFill>
+                <a:effectLst/>
+                <a:uLnTx/>
+                <a:uFillTx/>
+                <a:latin typeface="+mn-lt"/>
+                <a:ea typeface="+mn-ea"/>
+                <a:cs typeface="+mn-cs"/>
+              </a:rPr>
+              <a:t>Updated</a:t>
+            </a:r>
+            <a:r>
+              <a:rPr kumimoji="0" lang="en-IN" sz="2800" b="0" i="0" u="none" strike="noStrike" kern="1200" cap="none" spc="0" normalizeH="0" noProof="0" dirty="0" smtClean="0">
+                <a:ln>
+                  <a:noFill/>
+                </a:ln>
+                <a:solidFill>
+                  <a:schemeClr val="tx1"/>
+                </a:solidFill>
+                <a:effectLst/>
+                <a:uLnTx/>
+                <a:uFillTx/>
+                <a:latin typeface="+mn-lt"/>
+                <a:ea typeface="+mn-ea"/>
+                <a:cs typeface="+mn-cs"/>
+              </a:rPr>
+              <a:t> Gradient Descent</a:t>
+            </a:r>
+            <a:r>
+              <a:rPr kumimoji="0" lang="en-IN" sz="2800" b="0" i="0" u="none" strike="noStrike" kern="1200" cap="none" spc="0" normalizeH="0" baseline="0" noProof="0" dirty="0" smtClean="0">
+                <a:ln>
+                  <a:noFill/>
+                </a:ln>
+                <a:solidFill>
+                  <a:schemeClr val="tx1"/>
+                </a:solidFill>
+                <a:effectLst/>
+                <a:uLnTx/>
+                <a:uFillTx/>
+                <a:latin typeface="+mn-lt"/>
+                <a:ea typeface="+mn-ea"/>
+                <a:cs typeface="+mn-cs"/>
+              </a:rPr>
+              <a:t> - </a:t>
+            </a:r>
+            <a:endParaRPr kumimoji="0" lang="en-IN" sz="2800" b="0" i="0" u="none" strike="noStrike" kern="1200" cap="none" spc="0" normalizeH="0" baseline="0" noProof="0" dirty="0">
+              <a:ln>
+                <a:noFill/>
+              </a:ln>
+              <a:solidFill>
+                <a:schemeClr val="tx1"/>
+              </a:solidFill>
+              <a:effectLst/>
+              <a:uLnTx/>
+              <a:uFillTx/>
+              <a:latin typeface="+mn-lt"/>
+              <a:ea typeface="+mn-ea"/>
+              <a:cs typeface="+mn-cs"/>
+            </a:endParaRPr>
+          </a:p>
+        </p:txBody>
+      </p:sp>
+      <p:sp>
+        <p:nvSpPr>
+          <p:cNvPr id="9" name="TextBox 8"/>
+          <p:cNvSpPr txBox="1"/>
+          <p:nvPr/>
+        </p:nvSpPr>
+        <p:spPr>
+          <a:xfrm>
+            <a:off x="8471470" y="5302002"/>
+            <a:ext cx="3312368" cy="923330"/>
+          </a:xfrm>
+          <a:prstGeom prst="rect">
+            <a:avLst/>
+          </a:prstGeom>
+        </p:spPr>
+        <p:style>
+          <a:lnRef idx="2">
+            <a:schemeClr val="dk1"/>
+          </a:lnRef>
+          <a:fillRef idx="1">
+            <a:schemeClr val="lt1"/>
+          </a:fillRef>
+          <a:effectRef idx="0">
+            <a:schemeClr val="dk1"/>
+          </a:effectRef>
+          <a:fontRef idx="minor">
+            <a:schemeClr val="dk1"/>
+          </a:fontRef>
+        </p:style>
+        <p:txBody>
+          <a:bodyPr wrap="square" rtlCol="0">
+            <a:spAutoFit/>
+          </a:bodyPr>
+          <a:lstStyle/>
+          <a:p>
+            <a:r>
+              <a:rPr lang="en-IN" dirty="0" smtClean="0"/>
+              <a:t>Regularization term is Required as the Rating matrix is Sparse, which may lead to over fitting.</a:t>
+            </a:r>
+            <a:endParaRPr lang="en-IN" dirty="0"/>
+          </a:p>
+        </p:txBody>
+      </p:sp>
     </p:spTree>
   </p:cSld>
   <p:clrMapOvr>
@@ -5260,47 +5273,38 @@
           <a:p>
             <a:r>
               <a:rPr lang="en-IN" dirty="0" smtClean="0"/>
-              <a:t>Collaborative Filtering</a:t>
+              <a:t>Group Recommendation</a:t>
             </a:r>
             <a:endParaRPr lang="en-IN" dirty="0"/>
           </a:p>
         </p:txBody>
       </p:sp>
-      <p:sp>
-        <p:nvSpPr>
-          <p:cNvPr id="3" name="Content Placeholder 2"/>
-          <p:cNvSpPr>
-            <a:spLocks noGrp="1"/>
-          </p:cNvSpPr>
-          <p:nvPr>
-            <p:ph idx="1"/>
-          </p:nvPr>
-        </p:nvSpPr>
-        <p:spPr/>
-        <p:txBody>
-          <a:bodyPr/>
-          <a:lstStyle/>
-          <a:p>
-            <a:r>
-              <a:rPr lang="en-IN" dirty="0" smtClean="0">
-                <a:solidFill>
-                  <a:srgbClr val="FF0000"/>
-                </a:solidFill>
-              </a:rPr>
-              <a:t>Drawbacks</a:t>
-            </a:r>
-          </a:p>
-          <a:p>
-            <a:r>
-              <a:rPr lang="en-IN" dirty="0" smtClean="0"/>
-              <a:t>Cold Start Problem</a:t>
-            </a:r>
-          </a:p>
-          <a:p>
-            <a:endParaRPr lang="en-IN" dirty="0"/>
-          </a:p>
-        </p:txBody>
-      </p:sp>
+      <p:pic>
+        <p:nvPicPr>
+          <p:cNvPr id="3074" name="Picture 2" descr="D:\Final Year Project\summer\ppt\group.JPG"/>
+          <p:cNvPicPr>
+            <a:picLocks noChangeAspect="1" noChangeArrowheads="1"/>
+          </p:cNvPicPr>
+          <p:nvPr/>
+        </p:nvPicPr>
+        <p:blipFill>
+          <a:blip r:embed="rId2" cstate="print"/>
+          <a:srcRect/>
+          <a:stretch>
+            <a:fillRect/>
+          </a:stretch>
+        </p:blipFill>
+        <p:spPr bwMode="auto">
+          <a:xfrm>
+            <a:off x="1414686" y="1674292"/>
+            <a:ext cx="9434258" cy="4779838"/>
+          </a:xfrm>
+          <a:prstGeom prst="rect">
+            <a:avLst/>
+          </a:prstGeom>
+          <a:noFill/>
+        </p:spPr>
+      </p:pic>
     </p:spTree>
   </p:cSld>
   <p:clrMapOvr>
@@ -5361,22 +5365,102 @@
         </p:nvSpPr>
         <p:spPr/>
         <p:txBody>
-          <a:bodyPr/>
-          <a:lstStyle/>
-          <a:p>
-            <a:r>
-              <a:rPr lang="en-IN" dirty="0" smtClean="0">
-                <a:solidFill>
-                  <a:srgbClr val="FF0000"/>
-                </a:solidFill>
-              </a:rPr>
-              <a:t>Details</a:t>
-            </a:r>
-            <a:endParaRPr lang="en-IN" dirty="0">
-              <a:solidFill>
-                <a:srgbClr val="FF0000"/>
-              </a:solidFill>
-            </a:endParaRPr>
+          <a:bodyPr>
+            <a:normAutofit fontScale="92500" lnSpcReduction="20000"/>
+          </a:bodyPr>
+          <a:lstStyle/>
+          <a:p>
+            <a:r>
+              <a:rPr lang="en-IN" dirty="0" smtClean="0"/>
+              <a:t>Recommends </a:t>
+            </a:r>
+            <a:r>
+              <a:rPr lang="en-IN" dirty="0" smtClean="0"/>
+              <a:t>Items liked by users having similar demographic info</a:t>
+            </a:r>
+            <a:r>
+              <a:rPr lang="en-IN" dirty="0" smtClean="0"/>
+              <a:t> </a:t>
+            </a:r>
+            <a:r>
+              <a:rPr lang="en-IN" dirty="0" smtClean="0"/>
+              <a:t>as the user.</a:t>
+            </a:r>
+          </a:p>
+          <a:p>
+            <a:r>
+              <a:rPr lang="en-IN" dirty="0" smtClean="0"/>
+              <a:t>Uses Demographic Information-</a:t>
+            </a:r>
+          </a:p>
+          <a:p>
+            <a:pPr lvl="1"/>
+            <a:r>
+              <a:rPr lang="en-IN" dirty="0" smtClean="0"/>
+              <a:t>Ex – Age, Job, Location, etc</a:t>
+            </a:r>
+            <a:r>
+              <a:rPr lang="en-IN" dirty="0" smtClean="0"/>
+              <a:t>.</a:t>
+            </a:r>
+          </a:p>
+          <a:p>
+            <a:endParaRPr lang="en-IN" dirty="0" smtClean="0"/>
+          </a:p>
+          <a:p>
+            <a:r>
+              <a:rPr lang="en-IN" dirty="0" smtClean="0"/>
+              <a:t>Pros-</a:t>
+            </a:r>
+          </a:p>
+          <a:p>
+            <a:pPr lvl="1"/>
+            <a:r>
+              <a:rPr lang="en-IN" dirty="0" smtClean="0"/>
+              <a:t>No </a:t>
+            </a:r>
+            <a:r>
+              <a:rPr lang="en-IN" dirty="0" smtClean="0"/>
+              <a:t>f</a:t>
+            </a:r>
+            <a:r>
+              <a:rPr lang="en-IN" dirty="0" smtClean="0"/>
+              <a:t>eedback needed</a:t>
+            </a:r>
+          </a:p>
+          <a:p>
+            <a:pPr lvl="1"/>
+            <a:r>
+              <a:rPr lang="en-IN" dirty="0" smtClean="0"/>
+              <a:t>No cold start problem</a:t>
+            </a:r>
+          </a:p>
+          <a:p>
+            <a:r>
+              <a:rPr lang="en-IN" dirty="0" smtClean="0"/>
+              <a:t>Cons-</a:t>
+            </a:r>
+          </a:p>
+          <a:p>
+            <a:pPr lvl="1"/>
+            <a:r>
+              <a:rPr lang="en-IN" dirty="0" smtClean="0"/>
+              <a:t>Can’t provide Personalization</a:t>
+            </a:r>
+          </a:p>
+          <a:p>
+            <a:pPr lvl="1"/>
+            <a:r>
+              <a:rPr lang="en-IN" dirty="0" smtClean="0"/>
+              <a:t>Low Accuracy</a:t>
+            </a:r>
+          </a:p>
+          <a:p>
+            <a:pPr lvl="1"/>
+            <a:r>
+              <a:rPr lang="en-IN" dirty="0" smtClean="0"/>
+              <a:t>Too general</a:t>
+            </a:r>
           </a:p>
         </p:txBody>
       </p:sp>
@@ -5913,37 +5997,214 @@
           </a:p>
         </p:txBody>
       </p:sp>
-      <p:sp>
-        <p:nvSpPr>
-          <p:cNvPr id="3" name="Content Placeholder 2"/>
-          <p:cNvSpPr>
-            <a:spLocks noGrp="1"/>
-          </p:cNvSpPr>
-          <p:nvPr>
-            <p:ph idx="1"/>
-          </p:nvPr>
-        </p:nvSpPr>
-        <p:spPr/>
-        <p:txBody>
-          <a:bodyPr/>
-          <a:lstStyle/>
-          <a:p>
-            <a:r>
-              <a:rPr lang="en-IN" dirty="0" smtClean="0">
-                <a:solidFill>
-                  <a:srgbClr val="FF0000"/>
-                </a:solidFill>
-              </a:rPr>
-              <a:t>ADD PICS</a:t>
-            </a:r>
-            <a:endParaRPr lang="en-IN" dirty="0">
-              <a:solidFill>
-                <a:srgbClr val="FF0000"/>
-              </a:solidFill>
-            </a:endParaRPr>
-          </a:p>
-        </p:txBody>
-      </p:sp>
+      <p:pic>
+        <p:nvPicPr>
+          <p:cNvPr id="7170" name="Picture 2" descr="D:\Final Year Project\summer\ppt\evaluation6.JPG"/>
+          <p:cNvPicPr>
+            <a:picLocks noChangeAspect="1" noChangeArrowheads="1"/>
+          </p:cNvPicPr>
+          <p:nvPr/>
+        </p:nvPicPr>
+        <p:blipFill>
+          <a:blip r:embed="rId2" cstate="print"/>
+          <a:srcRect/>
+          <a:stretch>
+            <a:fillRect/>
+          </a:stretch>
+        </p:blipFill>
+        <p:spPr bwMode="auto">
+          <a:xfrm>
+            <a:off x="7052562" y="4116003"/>
+            <a:ext cx="3291116" cy="681943"/>
+          </a:xfrm>
+          <a:prstGeom prst="rect">
+            <a:avLst/>
+          </a:prstGeom>
+          <a:noFill/>
+        </p:spPr>
+      </p:pic>
+      <p:pic>
+        <p:nvPicPr>
+          <p:cNvPr id="7171" name="Picture 3" descr="D:\Final Year Project\summer\ppt\evaluation6b.JPG"/>
+          <p:cNvPicPr>
+            <a:picLocks noChangeAspect="1" noChangeArrowheads="1"/>
+          </p:cNvPicPr>
+          <p:nvPr/>
+        </p:nvPicPr>
+        <p:blipFill>
+          <a:blip r:embed="rId3" cstate="print"/>
+          <a:srcRect/>
+          <a:stretch>
+            <a:fillRect/>
+          </a:stretch>
+        </p:blipFill>
+        <p:spPr bwMode="auto">
+          <a:xfrm>
+            <a:off x="7031310" y="4846687"/>
+            <a:ext cx="3735860" cy="1319411"/>
+          </a:xfrm>
+          <a:prstGeom prst="rect">
+            <a:avLst/>
+          </a:prstGeom>
+          <a:noFill/>
+        </p:spPr>
+      </p:pic>
+      <p:pic>
+        <p:nvPicPr>
+          <p:cNvPr id="7172" name="Picture 4" descr="D:\Final Year Project\summer\ppt\evaluation1.JPG"/>
+          <p:cNvPicPr>
+            <a:picLocks noChangeAspect="1" noChangeArrowheads="1"/>
+          </p:cNvPicPr>
+          <p:nvPr/>
+        </p:nvPicPr>
+        <p:blipFill>
+          <a:blip r:embed="rId4" cstate="print"/>
+          <a:srcRect/>
+          <a:stretch>
+            <a:fillRect/>
+          </a:stretch>
+        </p:blipFill>
+        <p:spPr bwMode="auto">
+          <a:xfrm>
+            <a:off x="1198662" y="1557586"/>
+            <a:ext cx="2964969" cy="1230462"/>
+          </a:xfrm>
+          <a:prstGeom prst="rect">
+            <a:avLst/>
+          </a:prstGeom>
+          <a:noFill/>
+        </p:spPr>
+      </p:pic>
+      <p:pic>
+        <p:nvPicPr>
+          <p:cNvPr id="7173" name="Picture 5" descr="D:\Final Year Project\summer\ppt\evaluation1b.JPG"/>
+          <p:cNvPicPr>
+            <a:picLocks noChangeAspect="1" noChangeArrowheads="1"/>
+          </p:cNvPicPr>
+          <p:nvPr/>
+        </p:nvPicPr>
+        <p:blipFill>
+          <a:blip r:embed="rId5" cstate="print"/>
+          <a:srcRect/>
+          <a:stretch>
+            <a:fillRect/>
+          </a:stretch>
+        </p:blipFill>
+        <p:spPr bwMode="auto">
+          <a:xfrm>
+            <a:off x="1198751" y="2900343"/>
+            <a:ext cx="4032359" cy="889491"/>
+          </a:xfrm>
+          <a:prstGeom prst="rect">
+            <a:avLst/>
+          </a:prstGeom>
+          <a:noFill/>
+        </p:spPr>
+      </p:pic>
+      <p:pic>
+        <p:nvPicPr>
+          <p:cNvPr id="7174" name="Picture 6" descr="D:\Final Year Project\summer\ppt\evaluation2.JPG"/>
+          <p:cNvPicPr>
+            <a:picLocks noChangeAspect="1" noChangeArrowheads="1"/>
+          </p:cNvPicPr>
+          <p:nvPr/>
+        </p:nvPicPr>
+        <p:blipFill>
+          <a:blip r:embed="rId6" cstate="print"/>
+          <a:srcRect/>
+          <a:stretch>
+            <a:fillRect/>
+          </a:stretch>
+        </p:blipFill>
+        <p:spPr bwMode="auto">
+          <a:xfrm>
+            <a:off x="1270670" y="3789834"/>
+            <a:ext cx="4165782" cy="1645558"/>
+          </a:xfrm>
+          <a:prstGeom prst="rect">
+            <a:avLst/>
+          </a:prstGeom>
+          <a:noFill/>
+        </p:spPr>
+      </p:pic>
+      <p:pic>
+        <p:nvPicPr>
+          <p:cNvPr id="7175" name="Picture 7" descr="D:\Final Year Project\summer\ppt\evaluation3.JPG"/>
+          <p:cNvPicPr>
+            <a:picLocks noChangeAspect="1" noChangeArrowheads="1"/>
+          </p:cNvPicPr>
+          <p:nvPr/>
+        </p:nvPicPr>
+        <p:blipFill>
+          <a:blip r:embed="rId7" cstate="print"/>
+          <a:srcRect/>
+          <a:stretch>
+            <a:fillRect/>
+          </a:stretch>
+        </p:blipFill>
+        <p:spPr bwMode="auto">
+          <a:xfrm>
+            <a:off x="1270670" y="5446018"/>
+            <a:ext cx="2816720" cy="1319411"/>
+          </a:xfrm>
+          <a:prstGeom prst="rect">
+            <a:avLst/>
+          </a:prstGeom>
+          <a:noFill/>
+        </p:spPr>
+      </p:pic>
+      <p:pic>
+        <p:nvPicPr>
+          <p:cNvPr id="7176" name="Picture 8" descr="D:\Final Year Project\summer\ppt\evaluation4.JPG"/>
+          <p:cNvPicPr>
+            <a:picLocks noChangeAspect="1" noChangeArrowheads="1"/>
+          </p:cNvPicPr>
+          <p:nvPr/>
+        </p:nvPicPr>
+        <p:blipFill>
+          <a:blip r:embed="rId8" cstate="print"/>
+          <a:srcRect/>
+          <a:stretch>
+            <a:fillRect/>
+          </a:stretch>
+        </p:blipFill>
+        <p:spPr bwMode="auto">
+          <a:xfrm>
+            <a:off x="7031310" y="1989634"/>
+            <a:ext cx="3750687" cy="1171163"/>
+          </a:xfrm>
+          <a:prstGeom prst="rect">
+            <a:avLst/>
+          </a:prstGeom>
+          <a:noFill/>
+        </p:spPr>
+      </p:pic>
+      <p:pic>
+        <p:nvPicPr>
+          <p:cNvPr id="7177" name="Picture 9" descr="D:\Final Year Project\summer\ppt\evaluation5.JPG"/>
+          <p:cNvPicPr>
+            <a:picLocks noChangeAspect="1" noChangeArrowheads="1"/>
+          </p:cNvPicPr>
+          <p:nvPr/>
+        </p:nvPicPr>
+        <p:blipFill>
+          <a:blip r:embed="rId9" cstate="print"/>
+          <a:srcRect/>
+          <a:stretch>
+            <a:fillRect/>
+          </a:stretch>
+        </p:blipFill>
+        <p:spPr bwMode="auto">
+          <a:xfrm>
+            <a:off x="7031310" y="3357786"/>
+            <a:ext cx="3572786" cy="637468"/>
+          </a:xfrm>
+          <a:prstGeom prst="rect">
+            <a:avLst/>
+          </a:prstGeom>
+          <a:noFill/>
+        </p:spPr>
+      </p:pic>
     </p:spTree>
   </p:cSld>
   <p:clrMapOvr>
@@ -6213,16 +6474,6 @@
                   <a:srgbClr val="FF0000"/>
                 </a:solidFill>
               </a:rPr>
-              <a:t>Group</a:t>
-            </a:r>
-          </a:p>
-          <a:p>
-            <a:r>
-              <a:rPr lang="en-IN" dirty="0" smtClean="0">
-                <a:solidFill>
-                  <a:srgbClr val="FF0000"/>
-                </a:solidFill>
-              </a:rPr>
               <a:t>Graph</a:t>
             </a:r>
           </a:p>
@@ -6287,16 +6538,6 @@
                 </a:solidFill>
               </a:rPr>
               <a:t>Normalization</a:t>
-            </a:r>
-          </a:p>
-          <a:p>
-            <a:r>
-              <a:rPr lang="en-IN" dirty="0" smtClean="0">
-                <a:solidFill>
-                  <a:srgbClr val="FF0000"/>
-                </a:solidFill>
-              </a:rPr>
-              <a:t>Bias</a:t>
             </a:r>
           </a:p>
         </p:txBody>
@@ -7302,7 +7543,7 @@
           <a:p>
             <a:r>
               <a:rPr lang="en-IN" dirty="0" smtClean="0"/>
-              <a:t>Content Based Filtering</a:t>
+              <a:t>Content Based Filtering (CBF)</a:t>
             </a:r>
             <a:endParaRPr lang="en-IN" dirty="0"/>
           </a:p>
@@ -7320,34 +7561,62 @@
         </p:nvSpPr>
         <p:spPr/>
         <p:txBody>
-          <a:bodyPr/>
-          <a:lstStyle/>
-          <a:p>
-            <a:r>
-              <a:rPr lang="en-IN" dirty="0" smtClean="0">
-                <a:solidFill>
-                  <a:srgbClr val="FF0000"/>
-                </a:solidFill>
-              </a:rPr>
-              <a:t>Details</a:t>
-            </a:r>
-          </a:p>
-          <a:p>
-            <a:r>
-              <a:rPr lang="en-IN" dirty="0" smtClean="0"/>
-              <a:t>Item details are used to find similarity between items.</a:t>
-            </a:r>
+          <a:bodyPr>
+            <a:normAutofit fontScale="55000" lnSpcReduction="20000"/>
+          </a:bodyPr>
+          <a:lstStyle/>
+          <a:p>
+            <a:r>
+              <a:rPr lang="en-IN" dirty="0" smtClean="0"/>
+              <a:t>Recommends Items with similar content to the items the user has liked in the past.</a:t>
+            </a:r>
+          </a:p>
+          <a:p>
+            <a:r>
+              <a:rPr lang="en-IN" dirty="0" smtClean="0"/>
+              <a:t>Only item details are used to find similarity between items, by using various Info retrieval and machine learning techniques.</a:t>
+            </a:r>
+          </a:p>
+          <a:p>
             <a:endParaRPr lang="en-IN" dirty="0" smtClean="0"/>
           </a:p>
           <a:p>
-            <a:endParaRPr lang="en-IN" dirty="0" smtClean="0">
-              <a:solidFill>
-                <a:srgbClr val="FF0000"/>
-              </a:solidFill>
-            </a:endParaRPr>
-          </a:p>
-          <a:p>
             <a:pPr>
+              <a:buNone/>
+            </a:pPr>
+            <a:r>
+              <a:rPr lang="en-IN" dirty="0" smtClean="0"/>
+              <a:t>Example-</a:t>
+            </a:r>
+          </a:p>
+          <a:p>
+            <a:r>
+              <a:rPr lang="en-IN" dirty="0" smtClean="0"/>
+              <a:t>Movie Recommendation-</a:t>
+            </a:r>
+          </a:p>
+          <a:p>
+            <a:pPr lvl="1"/>
+            <a:r>
+              <a:rPr lang="en-IN" dirty="0" smtClean="0"/>
+              <a:t>Recommend movies with similar actors, detectors, genre, etc.</a:t>
+            </a:r>
+          </a:p>
+          <a:p>
+            <a:r>
+              <a:rPr lang="en-IN" dirty="0" smtClean="0"/>
+              <a:t>Website, blog, news-</a:t>
+            </a:r>
+          </a:p>
+          <a:p>
+            <a:pPr lvl="1"/>
+            <a:r>
+              <a:rPr lang="en-IN" dirty="0" smtClean="0"/>
+              <a:t>Recommend those sites with similar content</a:t>
+            </a:r>
+          </a:p>
+          <a:p>
+            <a:pPr lvl="1">
               <a:buNone/>
             </a:pPr>
             <a:endParaRPr lang="en-IN" dirty="0" smtClean="0">
@@ -7358,21 +7627,46 @@
           </a:p>
           <a:p>
             <a:r>
-              <a:rPr lang="en-IN" dirty="0" smtClean="0">
-                <a:solidFill>
-                  <a:srgbClr val="FF0000"/>
-                </a:solidFill>
-              </a:rPr>
-              <a:t>DRAWBACKS</a:t>
-            </a:r>
-          </a:p>
-          <a:p>
+              <a:rPr lang="en-IN" dirty="0" smtClean="0"/>
+              <a:t>Pros-</a:t>
+            </a:r>
+          </a:p>
+          <a:p>
+            <a:pPr lvl="1"/>
+            <a:r>
+              <a:rPr lang="en-IN" dirty="0" smtClean="0"/>
+              <a:t>New items can be recommended by analysing there content.</a:t>
+            </a:r>
+          </a:p>
+          <a:p>
+            <a:pPr lvl="1"/>
+            <a:r>
+              <a:rPr lang="en-IN" dirty="0" smtClean="0"/>
+              <a:t>Community not required.</a:t>
+            </a:r>
+          </a:p>
+          <a:p>
+            <a:r>
+              <a:rPr lang="en-IN" dirty="0" smtClean="0"/>
+              <a:t>Cons-</a:t>
+            </a:r>
+          </a:p>
+          <a:p>
+            <a:pPr lvl="1"/>
             <a:r>
               <a:rPr lang="en-IN" dirty="0" smtClean="0"/>
               <a:t>Over Specification</a:t>
             </a:r>
           </a:p>
           <a:p>
+            <a:pPr lvl="1"/>
+            <a:r>
+              <a:rPr lang="en-IN" dirty="0" smtClean="0"/>
+              <a:t>Cold start for new users</a:t>
+            </a:r>
+          </a:p>
+          <a:p>
+            <a:pPr lvl="1"/>
             <a:r>
               <a:rPr lang="en-IN" dirty="0" smtClean="0"/>
               <a:t>Limited Content Analysis</a:t>
@@ -7392,6 +7686,152 @@
 </file>
 
 <file path=ppt/slides/slide6.xml><?xml version="1.0" encoding="utf-8"?>
+<p:sld xmlns:a="http://schemas.openxmlformats.org/drawingml/2006/main" xmlns:r="http://schemas.openxmlformats.org/officeDocument/2006/relationships" xmlns:p="http://schemas.openxmlformats.org/presentationml/2006/main">
+  <p:cSld>
+    <p:spTree>
+      <p:nvGrpSpPr>
+        <p:cNvPr id="1" name=""/>
+        <p:cNvGrpSpPr/>
+        <p:nvPr/>
+      </p:nvGrpSpPr>
+      <p:grpSpPr>
+        <a:xfrm>
+          <a:off x="0" y="0"/>
+          <a:ext cx="0" cy="0"/>
+          <a:chOff x="0" y="0"/>
+          <a:chExt cx="0" cy="0"/>
+        </a:xfrm>
+      </p:grpSpPr>
+      <p:sp>
+        <p:nvSpPr>
+          <p:cNvPr id="2" name="Title 1"/>
+          <p:cNvSpPr>
+            <a:spLocks noGrp="1"/>
+          </p:cNvSpPr>
+          <p:nvPr>
+            <p:ph type="title"/>
+          </p:nvPr>
+        </p:nvSpPr>
+        <p:spPr/>
+        <p:txBody>
+          <a:bodyPr/>
+          <a:lstStyle/>
+          <a:p>
+            <a:r>
+              <a:rPr lang="en-IN" dirty="0" smtClean="0"/>
+              <a:t>Collaborative Filtering (CF)</a:t>
+            </a:r>
+            <a:endParaRPr lang="en-IN" dirty="0"/>
+          </a:p>
+        </p:txBody>
+      </p:sp>
+      <p:sp>
+        <p:nvSpPr>
+          <p:cNvPr id="3" name="Content Placeholder 2"/>
+          <p:cNvSpPr>
+            <a:spLocks noGrp="1"/>
+          </p:cNvSpPr>
+          <p:nvPr>
+            <p:ph idx="1"/>
+          </p:nvPr>
+        </p:nvSpPr>
+        <p:spPr/>
+        <p:txBody>
+          <a:bodyPr>
+            <a:normAutofit lnSpcReduction="10000"/>
+          </a:bodyPr>
+          <a:lstStyle/>
+          <a:p>
+            <a:r>
+              <a:rPr lang="en-IN" dirty="0" smtClean="0"/>
+              <a:t>Recommends Items </a:t>
+            </a:r>
+            <a:r>
+              <a:rPr lang="en-IN" dirty="0" smtClean="0"/>
+              <a:t>rated highly by similar users (with </a:t>
+            </a:r>
+            <a:r>
+              <a:rPr lang="en-IN" dirty="0" smtClean="0"/>
+              <a:t>similar </a:t>
+            </a:r>
+            <a:r>
+              <a:rPr lang="en-IN" dirty="0" smtClean="0"/>
+              <a:t>ratings) to the user rated </a:t>
+            </a:r>
+            <a:r>
+              <a:rPr lang="en-IN" dirty="0" smtClean="0"/>
+              <a:t>in the past</a:t>
+            </a:r>
+            <a:r>
+              <a:rPr lang="en-IN" dirty="0" smtClean="0"/>
+              <a:t>.</a:t>
+            </a:r>
+          </a:p>
+          <a:p>
+            <a:r>
+              <a:rPr lang="en-IN" dirty="0" smtClean="0"/>
+              <a:t>Many different similarity metrics are used to find </a:t>
+            </a:r>
+            <a:r>
+              <a:rPr lang="en-IN" dirty="0" smtClean="0"/>
+              <a:t>similarity between users or items </a:t>
+            </a:r>
+            <a:r>
+              <a:rPr lang="en-IN" dirty="0" smtClean="0"/>
+              <a:t>from the user-item rating matrix.</a:t>
+            </a:r>
+          </a:p>
+          <a:p>
+            <a:endParaRPr lang="en-IN" dirty="0" smtClean="0"/>
+          </a:p>
+          <a:p>
+            <a:r>
+              <a:rPr lang="en-IN" dirty="0" smtClean="0"/>
+              <a:t>Pros-</a:t>
+            </a:r>
+          </a:p>
+          <a:p>
+            <a:pPr lvl="1"/>
+            <a:r>
+              <a:rPr lang="en-IN" dirty="0" smtClean="0"/>
+              <a:t>Very efficient to sufficient </a:t>
+            </a:r>
+            <a:r>
+              <a:rPr lang="en-IN" dirty="0" smtClean="0"/>
+              <a:t>data</a:t>
+            </a:r>
+          </a:p>
+          <a:p>
+            <a:pPr lvl="1"/>
+            <a:r>
+              <a:rPr lang="en-IN" dirty="0" smtClean="0"/>
+              <a:t>Content analysis not required</a:t>
+            </a:r>
+          </a:p>
+          <a:p>
+            <a:r>
+              <a:rPr lang="en-IN" dirty="0" smtClean="0"/>
+              <a:t>Cons-</a:t>
+            </a:r>
+          </a:p>
+          <a:p>
+            <a:pPr lvl="1"/>
+            <a:r>
+              <a:rPr lang="en-IN" dirty="0" smtClean="0"/>
+              <a:t>Cold start for new users and new items</a:t>
+            </a:r>
+          </a:p>
+        </p:txBody>
+      </p:sp>
+    </p:spTree>
+  </p:cSld>
+  <p:clrMapOvr>
+    <a:masterClrMapping/>
+  </p:clrMapOvr>
+</p:sld>
+</file>
+
+<file path=ppt/slides/slide7.xml><?xml version="1.0" encoding="utf-8"?>
 <p:sld xmlns:a="http://schemas.openxmlformats.org/drawingml/2006/main" xmlns:r="http://schemas.openxmlformats.org/officeDocument/2006/relationships" xmlns:p="http://schemas.openxmlformats.org/presentationml/2006/main">
   <p:cSld>
     <p:spTree>
@@ -8351,145 +8791,6 @@
 </p:sld>
 </file>
 
-<file path=ppt/slides/slide7.xml><?xml version="1.0" encoding="utf-8"?>
-<p:sld xmlns:a="http://schemas.openxmlformats.org/drawingml/2006/main" xmlns:r="http://schemas.openxmlformats.org/officeDocument/2006/relationships" xmlns:p="http://schemas.openxmlformats.org/presentationml/2006/main">
-  <p:cSld>
-    <p:spTree>
-      <p:nvGrpSpPr>
-        <p:cNvPr id="1" name=""/>
-        <p:cNvGrpSpPr/>
-        <p:nvPr/>
-      </p:nvGrpSpPr>
-      <p:grpSpPr>
-        <a:xfrm>
-          <a:off x="0" y="0"/>
-          <a:ext cx="0" cy="0"/>
-          <a:chOff x="0" y="0"/>
-          <a:chExt cx="0" cy="0"/>
-        </a:xfrm>
-      </p:grpSpPr>
-      <p:sp>
-        <p:nvSpPr>
-          <p:cNvPr id="2" name="Title 1"/>
-          <p:cNvSpPr>
-            <a:spLocks noGrp="1"/>
-          </p:cNvSpPr>
-          <p:nvPr>
-            <p:ph type="title"/>
-          </p:nvPr>
-        </p:nvSpPr>
-        <p:spPr/>
-        <p:txBody>
-          <a:bodyPr/>
-          <a:lstStyle/>
-          <a:p>
-            <a:r>
-              <a:rPr lang="en-IN" dirty="0" smtClean="0"/>
-              <a:t>Memory Based CF</a:t>
-            </a:r>
-            <a:endParaRPr lang="en-IN" dirty="0"/>
-          </a:p>
-        </p:txBody>
-      </p:sp>
-      <p:sp>
-        <p:nvSpPr>
-          <p:cNvPr id="3" name="Content Placeholder 2"/>
-          <p:cNvSpPr>
-            <a:spLocks noGrp="1"/>
-          </p:cNvSpPr>
-          <p:nvPr>
-            <p:ph idx="1"/>
-          </p:nvPr>
-        </p:nvSpPr>
-        <p:spPr/>
-        <p:txBody>
-          <a:bodyPr/>
-          <a:lstStyle/>
-          <a:p>
-            <a:r>
-              <a:rPr lang="en-IN" dirty="0" smtClean="0"/>
-              <a:t>User Based</a:t>
-            </a:r>
-          </a:p>
-          <a:p>
-            <a:pPr lvl="1"/>
-            <a:r>
-              <a:rPr lang="en-IN" dirty="0" smtClean="0">
-                <a:solidFill>
-                  <a:srgbClr val="FF0000"/>
-                </a:solidFill>
-              </a:rPr>
-              <a:t>Details</a:t>
-            </a:r>
-          </a:p>
-          <a:p>
-            <a:r>
-              <a:rPr lang="en-IN" dirty="0" smtClean="0"/>
-              <a:t>Item Based</a:t>
-            </a:r>
-          </a:p>
-          <a:p>
-            <a:pPr lvl="1"/>
-            <a:r>
-              <a:rPr lang="en-IN" dirty="0" smtClean="0">
-                <a:solidFill>
-                  <a:srgbClr val="FF0000"/>
-                </a:solidFill>
-              </a:rPr>
-              <a:t>Details</a:t>
-            </a:r>
-          </a:p>
-          <a:p>
-            <a:r>
-              <a:rPr lang="en-IN" dirty="0" smtClean="0"/>
-              <a:t>User based VS Item based</a:t>
-            </a:r>
-          </a:p>
-          <a:p>
-            <a:pPr lvl="1"/>
-            <a:r>
-              <a:rPr lang="en-IN" dirty="0" smtClean="0">
-                <a:solidFill>
-                  <a:srgbClr val="FF0000"/>
-                </a:solidFill>
-              </a:rPr>
-              <a:t>Details</a:t>
-            </a:r>
-          </a:p>
-          <a:p>
-            <a:pPr lvl="1"/>
-            <a:r>
-              <a:rPr lang="en-IN" dirty="0" smtClean="0"/>
-              <a:t>Performance depends on the Dimension of the rating matrix.</a:t>
-            </a:r>
-          </a:p>
-          <a:p>
-            <a:pPr lvl="1"/>
-            <a:r>
-              <a:rPr lang="en-IN" dirty="0" smtClean="0"/>
-              <a:t>Neighbours are fairly static for the chosen one.</a:t>
-            </a:r>
-          </a:p>
-          <a:p>
-            <a:pPr lvl="1">
-              <a:buNone/>
-            </a:pPr>
-            <a:endParaRPr lang="en-IN" dirty="0" smtClean="0">
-              <a:solidFill>
-                <a:srgbClr val="FF0000"/>
-              </a:solidFill>
-            </a:endParaRPr>
-          </a:p>
-        </p:txBody>
-      </p:sp>
-    </p:spTree>
-  </p:cSld>
-  <p:clrMapOvr>
-    <a:masterClrMapping/>
-  </p:clrMapOvr>
-</p:sld>
-</file>
-
 <file path=ppt/slides/slide8.xml><?xml version="1.0" encoding="utf-8"?>
 <p:sld xmlns:a="http://schemas.openxmlformats.org/drawingml/2006/main" xmlns:r="http://schemas.openxmlformats.org/officeDocument/2006/relationships" xmlns:p="http://schemas.openxmlformats.org/presentationml/2006/main">
   <p:cSld>
@@ -8524,15 +8825,7 @@
           <a:p>
             <a:r>
               <a:rPr lang="en-IN" dirty="0" smtClean="0"/>
-              <a:t>Memory Based CF - </a:t>
-            </a:r>
-            <a:r>
-              <a:rPr lang="en-IN" dirty="0" smtClean="0"/>
-              <a:t>Similarity </a:t>
-            </a:r>
-            <a:r>
-              <a:rPr lang="en-IN" dirty="0" smtClean="0"/>
-              <a:t>Metric</a:t>
+              <a:t>Memory Based CF</a:t>
             </a:r>
             <a:endParaRPr lang="en-IN" dirty="0"/>
           </a:p>
@@ -8553,6 +8846,13 @@
           <a:bodyPr/>
           <a:lstStyle/>
           <a:p>
+            <a:r>
+              <a:rPr lang="en-IN" dirty="0" smtClean="0"/>
+              <a:t>User Based</a:t>
+            </a:r>
+          </a:p>
+          <a:p>
+            <a:pPr lvl="1"/>
             <a:r>
               <a:rPr lang="en-IN" dirty="0" smtClean="0">
                 <a:solidFill>
@@ -8564,32 +8864,61 @@
           </a:p>
           <a:p>
             <a:r>
+              <a:rPr lang="en-IN" dirty="0" smtClean="0"/>
+              <a:t>Item Based</a:t>
+            </a:r>
+          </a:p>
+          <a:p>
+            <a:pPr lvl="1"/>
+            <a:r>
               <a:rPr lang="en-IN" dirty="0" smtClean="0">
                 <a:solidFill>
                   <a:srgbClr val="FF0000"/>
                 </a:solidFill>
               </a:rPr>
-              <a:t>Formulas</a:t>
-            </a:r>
-          </a:p>
-          <a:p>
-            <a:r>
-              <a:rPr lang="en-IN" dirty="0" smtClean="0"/>
-              <a:t>Cosine similarity</a:t>
-            </a:r>
-          </a:p>
-          <a:p>
-            <a:r>
-              <a:rPr lang="en-IN" dirty="0" smtClean="0"/>
-              <a:t>Correlation similarity</a:t>
-            </a:r>
-          </a:p>
-          <a:p>
-            <a:r>
-              <a:rPr lang="en-IN" dirty="0" smtClean="0"/>
-              <a:t>Adjusted Cosine similarity</a:t>
-            </a:r>
-            <a:endParaRPr lang="en-IN" dirty="0"/>
+              <a:t>Details</a:t>
+            </a:r>
+          </a:p>
+          <a:p>
+            <a:r>
+              <a:rPr lang="en-IN" dirty="0" smtClean="0"/>
+              <a:t>User based VS Item based</a:t>
+            </a:r>
+          </a:p>
+          <a:p>
+            <a:pPr lvl="1"/>
+            <a:r>
+              <a:rPr lang="en-IN" dirty="0" smtClean="0">
+                <a:solidFill>
+                  <a:srgbClr val="FF0000"/>
+                </a:solidFill>
+              </a:rPr>
+              <a:t>Details</a:t>
+            </a:r>
+          </a:p>
+          <a:p>
+            <a:pPr lvl="1"/>
+            <a:r>
+              <a:rPr lang="en-IN" dirty="0" smtClean="0"/>
+              <a:t>Performance depends on the Dimension of the rating matrix.</a:t>
+            </a:r>
+          </a:p>
+          <a:p>
+            <a:pPr lvl="1"/>
+            <a:r>
+              <a:rPr lang="en-IN" dirty="0" smtClean="0"/>
+              <a:t>Neighbours are fairly static for the chosen one.</a:t>
+            </a:r>
+          </a:p>
+          <a:p>
+            <a:pPr lvl="1">
+              <a:buNone/>
+            </a:pPr>
+            <a:endParaRPr lang="en-IN" dirty="0" smtClean="0">
+              <a:solidFill>
+                <a:srgbClr val="FF0000"/>
+              </a:solidFill>
+            </a:endParaRPr>
           </a:p>
         </p:txBody>
       </p:sp>
@@ -8635,7 +8964,15 @@
           <a:p>
             <a:r>
               <a:rPr lang="en-IN" dirty="0" smtClean="0"/>
-              <a:t>Memory Based CF – Aggregation Method</a:t>
+              <a:t>Memory Based CF - </a:t>
+            </a:r>
+            <a:r>
+              <a:rPr lang="en-IN" dirty="0" smtClean="0"/>
+              <a:t>Similarity </a:t>
+            </a:r>
+            <a:r>
+              <a:rPr lang="en-IN" dirty="0" smtClean="0"/>
+              <a:t>Metric</a:t>
             </a:r>
             <a:endParaRPr lang="en-IN" dirty="0"/>
           </a:p>
@@ -8667,14 +9004,30 @@
           </a:p>
           <a:p>
             <a:r>
-              <a:rPr lang="en-IN" dirty="0" smtClean="0"/>
-              <a:t>Weighted sum</a:t>
-            </a:r>
-          </a:p>
-          <a:p>
-            <a:r>
-              <a:rPr lang="en-IN" dirty="0" smtClean="0"/>
-              <a:t>Regression</a:t>
+              <a:rPr lang="en-IN" dirty="0" smtClean="0">
+                <a:solidFill>
+                  <a:srgbClr val="FF0000"/>
+                </a:solidFill>
+              </a:rPr>
+              <a:t>Formulas</a:t>
+            </a:r>
+          </a:p>
+          <a:p>
+            <a:r>
+              <a:rPr lang="en-IN" dirty="0" smtClean="0"/>
+              <a:t>Cosine similarity</a:t>
+            </a:r>
+          </a:p>
+          <a:p>
+            <a:r>
+              <a:rPr lang="en-IN" dirty="0" smtClean="0"/>
+              <a:t>Correlation similarity</a:t>
+            </a:r>
+          </a:p>
+          <a:p>
+            <a:r>
+              <a:rPr lang="en-IN" dirty="0" smtClean="0"/>
+              <a:t>Adjusted Cosine similarity</a:t>
             </a:r>
             <a:endParaRPr lang="en-IN" dirty="0"/>
           </a:p>

--- a/summer_Basics of RS.pptx
+++ b/summer_Basics of RS.pptx
@@ -6389,7 +6389,73 @@
               </a:rPr>
               <a:t>Details</a:t>
             </a:r>
-            <a:endParaRPr lang="en-IN" dirty="0">
+          </a:p>
+          <a:p>
+            <a:endParaRPr lang="en-IN" dirty="0" smtClean="0">
+              <a:solidFill>
+                <a:srgbClr val="FF0000"/>
+              </a:solidFill>
+            </a:endParaRPr>
+          </a:p>
+          <a:p>
+            <a:endParaRPr lang="en-IN" dirty="0" smtClean="0">
+              <a:solidFill>
+                <a:srgbClr val="FF0000"/>
+              </a:solidFill>
+            </a:endParaRPr>
+          </a:p>
+          <a:p>
+            <a:r>
+              <a:rPr lang="en-IN" dirty="0" smtClean="0">
+                <a:solidFill>
+                  <a:srgbClr val="FF0000"/>
+                </a:solidFill>
+              </a:rPr>
+              <a:t>Pros-</a:t>
+            </a:r>
+          </a:p>
+          <a:p>
+            <a:pPr lvl="1"/>
+            <a:r>
+              <a:rPr lang="en-IN" dirty="0" smtClean="0">
+                <a:solidFill>
+                  <a:srgbClr val="FF0000"/>
+                </a:solidFill>
+              </a:rPr>
+              <a:t>Change of interest is considered</a:t>
+            </a:r>
+          </a:p>
+          <a:p>
+            <a:pPr lvl="1"/>
+            <a:endParaRPr lang="en-IN" dirty="0" smtClean="0">
+              <a:solidFill>
+                <a:srgbClr val="FF0000"/>
+              </a:solidFill>
+            </a:endParaRPr>
+          </a:p>
+          <a:p>
+            <a:r>
+              <a:rPr lang="en-IN" dirty="0" smtClean="0">
+                <a:solidFill>
+                  <a:srgbClr val="FF0000"/>
+                </a:solidFill>
+              </a:rPr>
+              <a:t>Cons-</a:t>
+            </a:r>
+          </a:p>
+          <a:p>
+            <a:pPr lvl="1"/>
+            <a:r>
+              <a:rPr lang="en-IN" dirty="0" smtClean="0">
+                <a:solidFill>
+                  <a:srgbClr val="FF0000"/>
+                </a:solidFill>
+              </a:rPr>
+              <a:t>Large user base and costly infrastructure required</a:t>
+            </a:r>
+          </a:p>
+          <a:p>
+            <a:endParaRPr lang="en-IN" dirty="0" smtClean="0">
               <a:solidFill>
                 <a:srgbClr val="FF0000"/>
               </a:solidFill>
